--- a/for-posdealers/presentation/sales/media/posdealer-sales-rollout.pptx
+++ b/for-posdealers/presentation/sales/media/posdealer-sales-rollout.pptx
@@ -5,7 +5,7 @@
     <p:sldMasterId id="2147483648" r:id="rId4"/>
   </p:sldMasterIdLst>
   <p:notesMasterIdLst>
-    <p:notesMasterId r:id="rId25"/>
+    <p:notesMasterId r:id="rId27"/>
   </p:notesMasterIdLst>
   <p:sldIdLst>
     <p:sldId id="271" r:id="rId5"/>
@@ -13,21 +13,23 @@
     <p:sldId id="290" r:id="rId7"/>
     <p:sldId id="291" r:id="rId8"/>
     <p:sldId id="292" r:id="rId9"/>
-    <p:sldId id="293" r:id="rId10"/>
-    <p:sldId id="294" r:id="rId11"/>
-    <p:sldId id="295" r:id="rId12"/>
-    <p:sldId id="296" r:id="rId13"/>
-    <p:sldId id="297" r:id="rId14"/>
-    <p:sldId id="298" r:id="rId15"/>
-    <p:sldId id="299" r:id="rId16"/>
-    <p:sldId id="300" r:id="rId17"/>
-    <p:sldId id="301" r:id="rId18"/>
-    <p:sldId id="302" r:id="rId19"/>
-    <p:sldId id="303" r:id="rId20"/>
-    <p:sldId id="304" r:id="rId21"/>
-    <p:sldId id="305" r:id="rId22"/>
-    <p:sldId id="306" r:id="rId23"/>
-    <p:sldId id="288" r:id="rId24"/>
+    <p:sldId id="307" r:id="rId10"/>
+    <p:sldId id="293" r:id="rId11"/>
+    <p:sldId id="294" r:id="rId12"/>
+    <p:sldId id="295" r:id="rId13"/>
+    <p:sldId id="296" r:id="rId14"/>
+    <p:sldId id="297" r:id="rId15"/>
+    <p:sldId id="298" r:id="rId16"/>
+    <p:sldId id="308" r:id="rId17"/>
+    <p:sldId id="299" r:id="rId18"/>
+    <p:sldId id="300" r:id="rId19"/>
+    <p:sldId id="301" r:id="rId20"/>
+    <p:sldId id="302" r:id="rId21"/>
+    <p:sldId id="303" r:id="rId22"/>
+    <p:sldId id="304" r:id="rId23"/>
+    <p:sldId id="305" r:id="rId24"/>
+    <p:sldId id="306" r:id="rId25"/>
+    <p:sldId id="288" r:id="rId26"/>
   </p:sldIdLst>
   <p:sldSz cx="12192000" cy="6858000"/>
   <p:notesSz cx="6858000" cy="9144000"/>
@@ -9285,7 +9287,7 @@
           <a:p>
             <a:fld id="{878DCA2D-ADC9-4D7A-A916-9A90AC8F3FDD}" type="datetimeFigureOut">
               <a:rPr lang="de-DE" smtClean="0"/>
-              <a:t>24.09.20</a:t>
+              <a:t>06.10.20</a:t>
             </a:fld>
             <a:endParaRPr lang="de-DE"/>
           </a:p>
@@ -9684,127 +9686,48 @@
           <a:bodyPr/>
           <a:lstStyle/>
           <a:p>
-            <a:pPr marL="0" indent="0">
-              <a:buNone/>
-            </a:pPr>
-            <a:r>
-              <a:rPr lang="de-DE" dirty="0"/>
-              <a:t> </a:t>
-            </a:r>
-            <a:r>
-              <a:rPr lang="de-DE" u="sng" dirty="0"/>
-              <a:t>Beinhaltet</a:t>
-            </a:r>
-            <a:r>
-              <a:rPr lang="de-DE" dirty="0"/>
-              <a:t>:</a:t>
-            </a:r>
-          </a:p>
-          <a:p>
-            <a:pPr marL="0" indent="0">
-              <a:buNone/>
-            </a:pPr>
-            <a:endParaRPr lang="de-DE" dirty="0"/>
-          </a:p>
-          <a:p>
-            <a:pPr>
-              <a:buFont typeface="Arial" panose="020B0604020202020204" pitchFamily="34" charset="0"/>
-              <a:buChar char="•"/>
-            </a:pPr>
-            <a:r>
-              <a:rPr lang="de-DE" dirty="0"/>
-              <a:t> POS Archiv (</a:t>
-            </a:r>
-            <a:r>
-              <a:rPr lang="de-DE" dirty="0" err="1"/>
-              <a:t>max</a:t>
-            </a:r>
-            <a:r>
-              <a:rPr lang="de-DE" dirty="0"/>
-              <a:t> 25 Kassen)</a:t>
-            </a:r>
-            <a:endParaRPr lang="de-DE" dirty="0">
-              <a:cs typeface="Calibri"/>
-            </a:endParaRPr>
-          </a:p>
-          <a:p>
-            <a:pPr>
-              <a:buFont typeface="Arial" panose="020B0604020202020204" pitchFamily="34" charset="0"/>
-              <a:buChar char="•"/>
-            </a:pPr>
-            <a:r>
-              <a:rPr lang="de-DE" dirty="0"/>
-              <a:t> AKO (</a:t>
-            </a:r>
-            <a:r>
-              <a:rPr lang="de-DE" dirty="0" err="1"/>
-              <a:t>Audicon</a:t>
-            </a:r>
-            <a:r>
-              <a:rPr lang="de-DE" dirty="0"/>
-              <a:t> Kassenarchiv Online)</a:t>
-            </a:r>
-          </a:p>
-          <a:p>
-            <a:pPr>
-              <a:buFont typeface="Arial" panose="020B0604020202020204" pitchFamily="34" charset="0"/>
-              <a:buChar char="•"/>
-            </a:pPr>
-            <a:r>
-              <a:rPr lang="de-DE" dirty="0"/>
-              <a:t> und automatische </a:t>
-            </a:r>
-            <a:r>
-              <a:rPr lang="de-DE" dirty="0" err="1"/>
-              <a:t>Finanzamtmeldungen</a:t>
-            </a:r>
-            <a:endParaRPr lang="de-DE" dirty="0"/>
-          </a:p>
-          <a:p>
-            <a:pPr>
-              <a:buFont typeface="Arial" panose="020B0604020202020204" pitchFamily="34" charset="0"/>
-              <a:buChar char="•"/>
-            </a:pPr>
-            <a:endParaRPr lang="de-DE" dirty="0"/>
-          </a:p>
-          <a:p>
-            <a:pPr marL="0" indent="0">
-              <a:buNone/>
-            </a:pPr>
-            <a:r>
-              <a:rPr lang="de-DE" dirty="0"/>
-              <a:t>wird </a:t>
-            </a:r>
-            <a:r>
-              <a:rPr lang="de-DE" b="1" dirty="0"/>
-              <a:t>pro Filiale </a:t>
-            </a:r>
-            <a:r>
-              <a:rPr lang="de-DE" dirty="0"/>
-              <a:t>angeboten – deckt also alle Kassen der Filiale ab (bis auf </a:t>
-            </a:r>
-            <a:r>
-              <a:rPr lang="de-DE" dirty="0" err="1"/>
+            <a:r>
+              <a:rPr lang="de-DE" noProof="0" dirty="0"/>
+              <a:t>Eine Kasse mit integrierter Middleware sendet Belegdaten an die Queue. Die Queue erhält zudem über die SCU die TSE TAR Files aus der TSE. Die Queue sendet die Belegdaten und TSE TAR Files automatisch an das </a:t>
+            </a:r>
+            <a:r>
+              <a:rPr lang="de-DE" noProof="0" dirty="0" err="1"/>
               <a:t>POSArchiv</a:t>
             </a:r>
             <a:r>
-              <a:rPr lang="de-DE" dirty="0"/>
-              <a:t> – </a:t>
-            </a:r>
-            <a:r>
-              <a:rPr lang="de-DE" dirty="0" err="1"/>
-              <a:t>max</a:t>
-            </a:r>
-            <a:r>
-              <a:rPr lang="de-DE" dirty="0"/>
-              <a:t> 25 Kassen).</a:t>
-            </a:r>
-            <a:endParaRPr lang="de-DE" dirty="0">
-              <a:cs typeface="Calibri"/>
-            </a:endParaRPr>
-          </a:p>
-          <a:p>
-            <a:endParaRPr lang="en-US" dirty="0"/>
+              <a:rPr lang="de-DE" noProof="0" dirty="0"/>
+              <a:t>. Das </a:t>
+            </a:r>
+            <a:r>
+              <a:rPr lang="de-DE" noProof="0" dirty="0" err="1"/>
+              <a:t>POSArchiv</a:t>
+            </a:r>
+            <a:r>
+              <a:rPr lang="de-DE" noProof="0" dirty="0"/>
+              <a:t> sendet mit Hilfe von Server zu Server Übertragung die Daten automatisch an AKO (DSFinV-K + TAR) und an DATEV (DFKA Format). </a:t>
+            </a:r>
+          </a:p>
+          <a:p>
+            <a:r>
+              <a:rPr lang="de-DE" noProof="0" dirty="0"/>
+              <a:t>Der Betreiber einer Kasse ohne integrierter Middleware hat die Möglichkeit Daten manuell ins AKO hochzuladen (auch über die Händler-Website möglich). Alternativ kann das Kassensystem oder ein anderes Programm Daten über die AKO API ins AKO automatisch hochladen. Auch der Betreiber einer Kasse mit integrierter Middleware hat die Möglichkeit Daten manuell hochzuladen (PDF Dateien, z.B. Menükarten, Verfahrensdokumentation). Der Steuerberater hat Zugriff auf AKO Dateien indem der Betreiber Daten freigibt und dem Steuerberater einen Link mit Token für den Zugriff sendet. Um auf das </a:t>
+            </a:r>
+            <a:r>
+              <a:rPr lang="de-DE" noProof="0" dirty="0" err="1"/>
+              <a:t>POSArchiv</a:t>
+            </a:r>
+            <a:r>
+              <a:rPr lang="de-DE" noProof="0" dirty="0"/>
+              <a:t> Zugriff zu erlangen muss der Steuerberater im </a:t>
+            </a:r>
+            <a:r>
+              <a:rPr lang="de-DE" noProof="0" dirty="0" err="1"/>
+              <a:t>ft.Portal</a:t>
+            </a:r>
+            <a:r>
+              <a:rPr lang="de-DE" noProof="0" dirty="0"/>
+              <a:t> registriert werden (Rolle: Berater) und mit dem Betreiber verknüpft werden. Dieser kann daraufhin eine Datenfreigabe für den Berater aktivieren.</a:t>
+            </a:r>
           </a:p>
         </p:txBody>
       </p:sp>
@@ -9834,7 +9757,7 @@
     </p:spTree>
     <p:extLst>
       <p:ext uri="{BB962C8B-B14F-4D97-AF65-F5344CB8AC3E}">
-        <p14:creationId xmlns:p14="http://schemas.microsoft.com/office/powerpoint/2010/main" val="18560965"/>
+        <p14:creationId xmlns:p14="http://schemas.microsoft.com/office/powerpoint/2010/main" val="3251830567"/>
       </p:ext>
     </p:extLst>
   </p:cSld>
@@ -9888,40 +9811,14 @@
           <a:bodyPr/>
           <a:lstStyle/>
           <a:p>
-            <a:pPr marL="0" indent="0">
-              <a:buNone/>
-            </a:pPr>
-            <a:r>
-              <a:rPr lang="de-DE" dirty="0"/>
-              <a:t> </a:t>
-            </a:r>
-            <a:r>
-              <a:rPr lang="de-DE" u="sng" dirty="0"/>
-              <a:t>Beinhaltet</a:t>
-            </a:r>
-            <a:r>
-              <a:rPr lang="de-DE" dirty="0"/>
-              <a:t>:</a:t>
-            </a:r>
-          </a:p>
-          <a:p>
-            <a:pPr marL="0" indent="0">
-              <a:buNone/>
-            </a:pPr>
-            <a:endParaRPr lang="de-DE" dirty="0"/>
-          </a:p>
-          <a:p>
             <a:pPr>
               <a:buFont typeface="Arial" panose="020B0604020202020204" pitchFamily="34" charset="0"/>
               <a:buChar char="•"/>
             </a:pPr>
             <a:r>
               <a:rPr lang="de-DE" dirty="0"/>
-              <a:t> POS Archiv</a:t>
-            </a:r>
-            <a:endParaRPr lang="de-DE" dirty="0">
-              <a:cs typeface="Calibri"/>
-            </a:endParaRPr>
+              <a:t> Kann nur für Kassen eingesetzt werden, die die fiskaltrust.Middleware benutzen.</a:t>
+            </a:r>
           </a:p>
           <a:p>
             <a:pPr>
@@ -9930,16 +9827,11 @@
             </a:pPr>
             <a:r>
               <a:rPr lang="de-DE" dirty="0"/>
-              <a:t> AKO (</a:t>
-            </a:r>
-            <a:r>
-              <a:rPr lang="de-DE" dirty="0" err="1"/>
-              <a:t>Audicon</a:t>
-            </a:r>
-            <a:r>
-              <a:rPr lang="de-DE" dirty="0"/>
-              <a:t> Kassenarchiv Online)</a:t>
-            </a:r>
+              <a:t> Sendet automatisiert Meldungen an das Finanzamt sobald erforderlich.</a:t>
+            </a:r>
+            <a:endParaRPr lang="de-DE" dirty="0">
+              <a:cs typeface="Calibri"/>
+            </a:endParaRPr>
           </a:p>
           <a:p>
             <a:pPr>
@@ -9948,101 +9840,52 @@
             </a:pPr>
             <a:r>
               <a:rPr lang="de-DE" dirty="0"/>
-              <a:t> und Automatische </a:t>
-            </a:r>
-            <a:r>
-              <a:rPr lang="de-DE" dirty="0" err="1"/>
-              <a:t>Finanzamtmeldungen</a:t>
-            </a:r>
-            <a:endParaRPr lang="de-DE" dirty="0"/>
+              <a:t>  Wird </a:t>
+            </a:r>
+            <a:r>
+              <a:rPr lang="de-DE" b="1" dirty="0"/>
+              <a:t>pro Kasse </a:t>
+            </a:r>
+            <a:r>
+              <a:rPr lang="de-DE" dirty="0"/>
+              <a:t>angeboten</a:t>
+            </a:r>
+            <a:endParaRPr lang="de-DE" dirty="0">
+              <a:cs typeface="Calibri" panose="020F0502020204030204"/>
+            </a:endParaRPr>
           </a:p>
           <a:p>
             <a:pPr>
               <a:buFont typeface="Arial" panose="020B0604020202020204" pitchFamily="34" charset="0"/>
               <a:buChar char="•"/>
             </a:pPr>
-            <a:r>
-              <a:rPr lang="de-DE" dirty="0"/>
-              <a:t> Je nach Wunsch: eine Hardware - oder Cloud TSE </a:t>
-            </a:r>
-            <a:r>
-              <a:rPr lang="de-DE" dirty="0" err="1"/>
-              <a:t>as</a:t>
-            </a:r>
-            <a:r>
-              <a:rPr lang="de-DE" dirty="0"/>
-              <a:t> a Service</a:t>
-            </a:r>
-          </a:p>
-          <a:p>
-            <a:pPr>
-              <a:buFont typeface="Arial" panose="020B0604020202020204" pitchFamily="34" charset="0"/>
-              <a:buChar char="•"/>
-            </a:pPr>
-            <a:endParaRPr lang="de-DE" dirty="0"/>
-          </a:p>
-          <a:p>
-            <a:pPr marL="0" indent="0">
-              <a:buNone/>
-            </a:pPr>
-            <a:r>
-              <a:rPr lang="de-DE" dirty="0"/>
-              <a:t>wird </a:t>
-            </a:r>
-            <a:r>
-              <a:rPr lang="de-DE" b="1" dirty="0"/>
-              <a:t>pro Filiale </a:t>
-            </a:r>
-            <a:r>
-              <a:rPr lang="de-DE" dirty="0"/>
-              <a:t>angeboten – deckt also alle Kassen der Filiale ab.</a:t>
-            </a:r>
-          </a:p>
-          <a:p>
-            <a:pPr marL="0" indent="0">
-              <a:buNone/>
-            </a:pPr>
-            <a:r>
-              <a:rPr lang="de-DE" dirty="0"/>
-              <a:t>- </a:t>
-            </a:r>
-            <a:r>
-              <a:rPr lang="de-DE" dirty="0" err="1"/>
-              <a:t>POSArchiv</a:t>
-            </a:r>
-            <a:r>
-              <a:rPr lang="de-DE" dirty="0"/>
-              <a:t> – </a:t>
-            </a:r>
-            <a:r>
-              <a:rPr lang="de-DE" dirty="0" err="1"/>
-              <a:t>max</a:t>
-            </a:r>
-            <a:r>
-              <a:rPr lang="de-DE" dirty="0"/>
-              <a:t> 25 Kassen</a:t>
-            </a:r>
-          </a:p>
-          <a:p>
-            <a:pPr marL="171450" indent="-171450">
-              <a:buFont typeface="Arial"/>
-              <a:buChar char="•"/>
-            </a:pPr>
-            <a:r>
-              <a:rPr lang="de-DE" dirty="0"/>
-              <a:t>Fair Use Limits für TSE-</a:t>
-            </a:r>
-            <a:r>
-              <a:rPr lang="de-DE" dirty="0" err="1"/>
-              <a:t>as</a:t>
-            </a:r>
-            <a:r>
-              <a:rPr lang="de-DE" dirty="0"/>
-              <a:t>-a-Service sind zu beachten (z.B.  maximal 150.000 Signaturen pro Kalendermonat zulässig, nur für einen Standort, Regelungen für den Tausch einer TSE)</a:t>
-            </a:r>
             <a:endParaRPr lang="de-DE" dirty="0">
-              <a:cs typeface="Calibri"/>
+              <a:cs typeface="Calibri" panose="020F0502020204030204"/>
             </a:endParaRPr>
+          </a:p>
+          <a:p>
+            <a:r>
+              <a:rPr lang="de-DE" dirty="0">
+                <a:cs typeface="Calibri" panose="020F0502020204030204"/>
+              </a:rPr>
+              <a:t>Vorteile:</a:t>
+            </a:r>
+          </a:p>
+          <a:p>
+            <a:r>
+              <a:rPr lang="de-DE" dirty="0">
+                <a:cs typeface="Calibri" panose="020F0502020204030204"/>
+              </a:rPr>
+              <a:t>- Zeit und Kosteneinsparung (z.B. Steuerberaterkosten)</a:t>
+            </a:r>
+          </a:p>
+          <a:p>
+            <a:r>
+              <a:rPr lang="de-DE" dirty="0">
+                <a:cs typeface="Calibri" panose="020F0502020204030204"/>
+              </a:rPr>
+              <a:t>- Automatisierter Prozess dadurch kommt kein Versäumnis oder Verspätung zu Stande</a:t>
+            </a:r>
           </a:p>
           <a:p>
             <a:endParaRPr lang="en-US" dirty="0"/>
@@ -10075,7 +9918,7 @@
     </p:spTree>
     <p:extLst>
       <p:ext uri="{BB962C8B-B14F-4D97-AF65-F5344CB8AC3E}">
-        <p14:creationId xmlns:p14="http://schemas.microsoft.com/office/powerpoint/2010/main" val="3866179784"/>
+        <p14:creationId xmlns:p14="http://schemas.microsoft.com/office/powerpoint/2010/main" val="4061718064"/>
       </p:ext>
     </p:extLst>
   </p:cSld>
@@ -10129,6 +9972,126 @@
           <a:bodyPr/>
           <a:lstStyle/>
           <a:p>
+            <a:pPr marL="0" indent="0">
+              <a:buNone/>
+            </a:pPr>
+            <a:r>
+              <a:rPr lang="de-DE" dirty="0"/>
+              <a:t> </a:t>
+            </a:r>
+            <a:r>
+              <a:rPr lang="de-DE" u="sng" dirty="0"/>
+              <a:t>Beinhaltet</a:t>
+            </a:r>
+            <a:r>
+              <a:rPr lang="de-DE" dirty="0"/>
+              <a:t>:</a:t>
+            </a:r>
+          </a:p>
+          <a:p>
+            <a:pPr marL="0" indent="0">
+              <a:buNone/>
+            </a:pPr>
+            <a:endParaRPr lang="de-DE" dirty="0"/>
+          </a:p>
+          <a:p>
+            <a:pPr>
+              <a:buFont typeface="Arial" panose="020B0604020202020204" pitchFamily="34" charset="0"/>
+              <a:buChar char="•"/>
+            </a:pPr>
+            <a:r>
+              <a:rPr lang="de-DE" dirty="0"/>
+              <a:t> POS Archiv (</a:t>
+            </a:r>
+            <a:r>
+              <a:rPr lang="de-DE" dirty="0" err="1"/>
+              <a:t>max</a:t>
+            </a:r>
+            <a:r>
+              <a:rPr lang="de-DE" dirty="0"/>
+              <a:t> 25 Kassen)</a:t>
+            </a:r>
+            <a:endParaRPr lang="de-DE" dirty="0">
+              <a:cs typeface="Calibri"/>
+            </a:endParaRPr>
+          </a:p>
+          <a:p>
+            <a:pPr>
+              <a:buFont typeface="Arial" panose="020B0604020202020204" pitchFamily="34" charset="0"/>
+              <a:buChar char="•"/>
+            </a:pPr>
+            <a:r>
+              <a:rPr lang="de-DE" dirty="0"/>
+              <a:t> AKO (</a:t>
+            </a:r>
+            <a:r>
+              <a:rPr lang="de-DE" dirty="0" err="1"/>
+              <a:t>Audicon</a:t>
+            </a:r>
+            <a:r>
+              <a:rPr lang="de-DE" dirty="0"/>
+              <a:t> Kassenarchiv Online)</a:t>
+            </a:r>
+          </a:p>
+          <a:p>
+            <a:pPr>
+              <a:buFont typeface="Arial" panose="020B0604020202020204" pitchFamily="34" charset="0"/>
+              <a:buChar char="•"/>
+            </a:pPr>
+            <a:r>
+              <a:rPr lang="de-DE" dirty="0"/>
+              <a:t> und automatische </a:t>
+            </a:r>
+            <a:r>
+              <a:rPr lang="de-DE" dirty="0" err="1"/>
+              <a:t>Finanzamtmeldungen</a:t>
+            </a:r>
+            <a:endParaRPr lang="de-DE" dirty="0"/>
+          </a:p>
+          <a:p>
+            <a:pPr>
+              <a:buFont typeface="Arial" panose="020B0604020202020204" pitchFamily="34" charset="0"/>
+              <a:buChar char="•"/>
+            </a:pPr>
+            <a:endParaRPr lang="de-DE" dirty="0"/>
+          </a:p>
+          <a:p>
+            <a:pPr marL="0" indent="0">
+              <a:buNone/>
+            </a:pPr>
+            <a:r>
+              <a:rPr lang="de-DE" dirty="0"/>
+              <a:t>wird </a:t>
+            </a:r>
+            <a:r>
+              <a:rPr lang="de-DE" b="1" dirty="0"/>
+              <a:t>pro Filiale </a:t>
+            </a:r>
+            <a:r>
+              <a:rPr lang="de-DE" dirty="0"/>
+              <a:t>angeboten – deckt also alle Kassen der Filiale ab (bis auf </a:t>
+            </a:r>
+            <a:r>
+              <a:rPr lang="de-DE" dirty="0" err="1"/>
+              <a:t>POSArchiv</a:t>
+            </a:r>
+            <a:r>
+              <a:rPr lang="de-DE" dirty="0"/>
+              <a:t> – </a:t>
+            </a:r>
+            <a:r>
+              <a:rPr lang="de-DE" dirty="0" err="1"/>
+              <a:t>max</a:t>
+            </a:r>
+            <a:r>
+              <a:rPr lang="de-DE" dirty="0"/>
+              <a:t> 25 Kassen).</a:t>
+            </a:r>
+            <a:endParaRPr lang="de-DE" dirty="0">
+              <a:cs typeface="Calibri"/>
+            </a:endParaRPr>
+          </a:p>
+          <a:p>
             <a:endParaRPr lang="en-US" dirty="0"/>
           </a:p>
         </p:txBody>
@@ -10159,7 +10122,7 @@
     </p:spTree>
     <p:extLst>
       <p:ext uri="{BB962C8B-B14F-4D97-AF65-F5344CB8AC3E}">
-        <p14:creationId xmlns:p14="http://schemas.microsoft.com/office/powerpoint/2010/main" val="10604364"/>
+        <p14:creationId xmlns:p14="http://schemas.microsoft.com/office/powerpoint/2010/main" val="18560965"/>
       </p:ext>
     </p:extLst>
   </p:cSld>
@@ -10213,108 +10176,164 @@
           <a:bodyPr/>
           <a:lstStyle/>
           <a:p>
-            <a:pPr marL="0" marR="0" lvl="0" indent="0" algn="l" defTabSz="914400" rtl="0" eaLnBrk="1" fontAlgn="auto" latinLnBrk="0" hangingPunct="1">
-              <a:lnSpc>
-                <a:spcPct val="100000"/>
-              </a:lnSpc>
-              <a:spcBef>
-                <a:spcPts val="0"/>
-              </a:spcBef>
-              <a:spcAft>
-                <a:spcPts val="0"/>
-              </a:spcAft>
-              <a:buClrTx/>
-              <a:buSzTx/>
-              <a:buFontTx/>
+            <a:pPr marL="0" indent="0">
               <a:buNone/>
-              <a:tabLst/>
-              <a:defRPr/>
             </a:pPr>
             <a:r>
-              <a:rPr lang="de-DE" sz="1200" dirty="0"/>
-              <a:t>Kassenbetreiber können manuell oder automatisiert über das Portal eingeladen werden. Zum automatisierten Einladen vieler Kassenbetreiber wird eine CSV Datei verwendet, die zu diesem Zweck im Portal importiert wird. </a:t>
-            </a:r>
-          </a:p>
-          <a:p>
-            <a:pPr marL="0" marR="0" lvl="0" indent="0" algn="l" defTabSz="914400" rtl="0" eaLnBrk="1" fontAlgn="auto" latinLnBrk="0" hangingPunct="1">
-              <a:lnSpc>
-                <a:spcPct val="100000"/>
-              </a:lnSpc>
-              <a:spcBef>
-                <a:spcPts val="0"/>
-              </a:spcBef>
-              <a:spcAft>
-                <a:spcPts val="0"/>
-              </a:spcAft>
-              <a:buClrTx/>
-              <a:buSzTx/>
-              <a:buFontTx/>
+              <a:rPr lang="de-DE" dirty="0"/>
+              <a:t> </a:t>
+            </a:r>
+            <a:r>
+              <a:rPr lang="de-DE" u="sng" dirty="0"/>
+              <a:t>Beinhaltet</a:t>
+            </a:r>
+            <a:r>
+              <a:rPr lang="de-DE" dirty="0"/>
+              <a:t>:</a:t>
+            </a:r>
+          </a:p>
+          <a:p>
+            <a:pPr marL="0" indent="0">
               <a:buNone/>
-              <a:tabLst/>
-              <a:defRPr/>
             </a:pPr>
-            <a:r>
-              <a:rPr lang="de-DE" sz="1200" dirty="0"/>
-              <a:t>Sobald die Einladung abgesetzt wurde, wird eine Einladungs-Email an den Kassenbetreiber gesendet. </a:t>
-            </a:r>
-          </a:p>
-          <a:p>
-            <a:pPr marL="0" marR="0" lvl="0" indent="0" algn="l" defTabSz="914400" rtl="0" eaLnBrk="1" fontAlgn="auto" latinLnBrk="0" hangingPunct="1">
-              <a:lnSpc>
-                <a:spcPct val="100000"/>
-              </a:lnSpc>
-              <a:spcBef>
-                <a:spcPts val="0"/>
-              </a:spcBef>
-              <a:spcAft>
-                <a:spcPts val="0"/>
-              </a:spcAft>
-              <a:buClrTx/>
-              <a:buSzTx/>
-              <a:buFontTx/>
-              <a:buNone/>
-              <a:tabLst/>
-              <a:defRPr/>
+            <a:endParaRPr lang="de-DE" dirty="0"/>
+          </a:p>
+          <a:p>
+            <a:pPr>
+              <a:buFont typeface="Arial" panose="020B0604020202020204" pitchFamily="34" charset="0"/>
+              <a:buChar char="•"/>
             </a:pPr>
             <a:r>
-              <a:rPr lang="de-DE" sz="1200" dirty="0"/>
-              <a:t>Dieser erhält daraufhin die Email mit Informationen und einem Email-Bestätigungs-Link.</a:t>
-            </a:r>
-          </a:p>
-          <a:p>
-            <a:pPr marL="0" marR="0" lvl="0" indent="0" algn="l" defTabSz="914400" rtl="0" eaLnBrk="1" fontAlgn="auto" latinLnBrk="0" hangingPunct="1">
-              <a:lnSpc>
-                <a:spcPct val="100000"/>
-              </a:lnSpc>
-              <a:spcBef>
-                <a:spcPts val="0"/>
-              </a:spcBef>
-              <a:spcAft>
-                <a:spcPts val="0"/>
-              </a:spcAft>
-              <a:buClrTx/>
-              <a:buSzTx/>
-              <a:buFontTx/>
-              <a:buNone/>
-              <a:tabLst/>
-              <a:defRPr/>
-            </a:pPr>
-            <a:r>
-              <a:rPr lang="de-DE" sz="1200" dirty="0"/>
-              <a:t>Der Betreiber drückt den Link und wird auf das fiskaltrust Portal weiter geleitet wo er seine Daten überprüfen und sein Passwort setzen kann. Im nächsten Schritt muss er den Kooperationsvertrag mit fiskaltrust digital unterzeichnen. </a:t>
-            </a:r>
-          </a:p>
-          <a:p>
-            <a:pPr>
-              <a:defRPr/>
-            </a:pPr>
-            <a:r>
-              <a:rPr lang="de-DE" sz="1200" dirty="0"/>
-              <a:t>Der Händler Zugriffsrechte für die sogenannte Surrogation Funktion anfordern. </a:t>
-            </a:r>
-            <a:endParaRPr lang="de-DE" sz="1200" strike="sngStrike" dirty="0">
+              <a:rPr lang="de-DE" dirty="0"/>
+              <a:t> POS Archiv</a:t>
+            </a:r>
+            <a:endParaRPr lang="de-DE" dirty="0">
               <a:cs typeface="Calibri"/>
             </a:endParaRPr>
+          </a:p>
+          <a:p>
+            <a:pPr>
+              <a:buFont typeface="Arial" panose="020B0604020202020204" pitchFamily="34" charset="0"/>
+              <a:buChar char="•"/>
+            </a:pPr>
+            <a:r>
+              <a:rPr lang="de-DE" dirty="0"/>
+              <a:t> AKO (</a:t>
+            </a:r>
+            <a:r>
+              <a:rPr lang="de-DE" dirty="0" err="1"/>
+              <a:t>Audicon</a:t>
+            </a:r>
+            <a:r>
+              <a:rPr lang="de-DE" dirty="0"/>
+              <a:t> Kassenarchiv Online)</a:t>
+            </a:r>
+          </a:p>
+          <a:p>
+            <a:pPr>
+              <a:buFont typeface="Arial" panose="020B0604020202020204" pitchFamily="34" charset="0"/>
+              <a:buChar char="•"/>
+            </a:pPr>
+            <a:r>
+              <a:rPr lang="de-DE" dirty="0"/>
+              <a:t> und Automatische </a:t>
+            </a:r>
+            <a:r>
+              <a:rPr lang="de-DE" dirty="0" err="1"/>
+              <a:t>Finanzamtmeldungen</a:t>
+            </a:r>
+            <a:endParaRPr lang="de-DE" dirty="0"/>
+          </a:p>
+          <a:p>
+            <a:pPr>
+              <a:buFont typeface="Arial" panose="020B0604020202020204" pitchFamily="34" charset="0"/>
+              <a:buChar char="•"/>
+            </a:pPr>
+            <a:r>
+              <a:rPr lang="de-DE" dirty="0"/>
+              <a:t> Je nach Wunsch: eine Hardware - oder Cloud TSE </a:t>
+            </a:r>
+            <a:r>
+              <a:rPr lang="de-DE" dirty="0" err="1"/>
+              <a:t>as</a:t>
+            </a:r>
+            <a:r>
+              <a:rPr lang="de-DE" dirty="0"/>
+              <a:t> a Service</a:t>
+            </a:r>
+          </a:p>
+          <a:p>
+            <a:pPr>
+              <a:buFont typeface="Arial" panose="020B0604020202020204" pitchFamily="34" charset="0"/>
+              <a:buChar char="•"/>
+            </a:pPr>
+            <a:endParaRPr lang="de-DE" dirty="0"/>
+          </a:p>
+          <a:p>
+            <a:pPr marL="0" indent="0">
+              <a:buNone/>
+            </a:pPr>
+            <a:r>
+              <a:rPr lang="de-DE" dirty="0"/>
+              <a:t>wird </a:t>
+            </a:r>
+            <a:r>
+              <a:rPr lang="de-DE" b="1" dirty="0"/>
+              <a:t>pro Filiale </a:t>
+            </a:r>
+            <a:r>
+              <a:rPr lang="de-DE" dirty="0"/>
+              <a:t>angeboten – deckt also alle Kassen der Filiale ab.</a:t>
+            </a:r>
+          </a:p>
+          <a:p>
+            <a:pPr marL="0" indent="0">
+              <a:buNone/>
+            </a:pPr>
+            <a:r>
+              <a:rPr lang="de-DE" dirty="0"/>
+              <a:t>- </a:t>
+            </a:r>
+            <a:r>
+              <a:rPr lang="de-DE" dirty="0" err="1"/>
+              <a:t>POSArchiv</a:t>
+            </a:r>
+            <a:r>
+              <a:rPr lang="de-DE" dirty="0"/>
+              <a:t> – </a:t>
+            </a:r>
+            <a:r>
+              <a:rPr lang="de-DE" dirty="0" err="1"/>
+              <a:t>max</a:t>
+            </a:r>
+            <a:r>
+              <a:rPr lang="de-DE" dirty="0"/>
+              <a:t> 25 Kassen</a:t>
+            </a:r>
+          </a:p>
+          <a:p>
+            <a:pPr marL="171450" indent="-171450">
+              <a:buFont typeface="Arial"/>
+              <a:buChar char="•"/>
+            </a:pPr>
+            <a:r>
+              <a:rPr lang="de-DE" dirty="0"/>
+              <a:t>Fair Use Limits für TSE-</a:t>
+            </a:r>
+            <a:r>
+              <a:rPr lang="de-DE" dirty="0" err="1"/>
+              <a:t>as</a:t>
+            </a:r>
+            <a:r>
+              <a:rPr lang="de-DE" dirty="0"/>
+              <a:t>-a-Service sind zu beachten (z.B.  maximal 150.000 Signaturen pro Kalendermonat zulässig, nur für einen Standort, Regelungen für den Tausch einer TSE)</a:t>
+            </a:r>
+            <a:endParaRPr lang="de-DE" dirty="0">
+              <a:cs typeface="Calibri"/>
+            </a:endParaRPr>
+          </a:p>
+          <a:p>
+            <a:endParaRPr lang="en-US" dirty="0"/>
           </a:p>
         </p:txBody>
       </p:sp>
@@ -10344,7 +10363,7 @@
     </p:spTree>
     <p:extLst>
       <p:ext uri="{BB962C8B-B14F-4D97-AF65-F5344CB8AC3E}">
-        <p14:creationId xmlns:p14="http://schemas.microsoft.com/office/powerpoint/2010/main" val="2591893138"/>
+        <p14:creationId xmlns:p14="http://schemas.microsoft.com/office/powerpoint/2010/main" val="3866179784"/>
       </p:ext>
     </p:extLst>
   </p:cSld>
@@ -10398,230 +10417,6 @@
           <a:bodyPr/>
           <a:lstStyle/>
           <a:p>
-            <a:pPr>
-              <a:defRPr/>
-            </a:pPr>
-            <a:r>
-              <a:rPr lang="de-DE" sz="1200" dirty="0">
-                <a:cs typeface="Calibri"/>
-              </a:rPr>
-              <a:t>Optimierungsmöglichkeit aufgrund des hohen Aufwands der Unterstützung von vielen Betreibern bei der Registrierung.</a:t>
-            </a:r>
-          </a:p>
-          <a:p>
-            <a:pPr>
-              <a:defRPr/>
-            </a:pPr>
-            <a:endParaRPr lang="de-DE" sz="1200" dirty="0">
-              <a:cs typeface="Calibri"/>
-            </a:endParaRPr>
-          </a:p>
-          <a:p>
-            <a:pPr>
-              <a:defRPr/>
-            </a:pPr>
-            <a:r>
-              <a:rPr lang="de-DE" sz="1200" dirty="0">
-                <a:cs typeface="Calibri"/>
-              </a:rPr>
-              <a:t>- Der Händler aktiviert die Funktionalität indem er die </a:t>
-            </a:r>
-            <a:r>
-              <a:rPr lang="de-DE" sz="1200" dirty="0" err="1">
-                <a:cs typeface="Calibri"/>
-              </a:rPr>
-              <a:t>zusäzliche</a:t>
-            </a:r>
-            <a:r>
-              <a:rPr lang="de-DE" sz="1200" dirty="0">
-                <a:cs typeface="Calibri"/>
-              </a:rPr>
-              <a:t> Rolle (</a:t>
-            </a:r>
-            <a:r>
-              <a:rPr lang="de-DE" dirty="0" err="1"/>
-              <a:t>KassenHändler</a:t>
-            </a:r>
-            <a:r>
-              <a:rPr lang="de-DE" dirty="0"/>
-              <a:t> Auto-Invitation (</a:t>
-            </a:r>
-            <a:r>
-              <a:rPr lang="de-DE" dirty="0" err="1"/>
-              <a:t>opt</a:t>
-            </a:r>
-            <a:r>
-              <a:rPr lang="de-DE" dirty="0"/>
-              <a:t>-in)) aktiviert, dabei muss er einen sog. </a:t>
-            </a:r>
-            <a:r>
-              <a:rPr lang="de-DE" dirty="0" err="1"/>
-              <a:t>Opt</a:t>
-            </a:r>
-            <a:r>
-              <a:rPr lang="de-DE" dirty="0"/>
-              <a:t>-In Vertrag unterzeichnen indem er versichert, dass er die Vollmacht der Betreiber hat um für diese im Rahmen der Fiskalisierung Verträge unterschreiben und Produkte kaufen zu können.</a:t>
-            </a:r>
-            <a:endParaRPr lang="de-DE" sz="1200" dirty="0">
-              <a:cs typeface="Calibri"/>
-            </a:endParaRPr>
-          </a:p>
-          <a:p>
-            <a:pPr>
-              <a:defRPr/>
-            </a:pPr>
-            <a:r>
-              <a:rPr lang="de-DE" sz="1200" dirty="0">
-                <a:cs typeface="Calibri"/>
-              </a:rPr>
-              <a:t>- Der Händler lädt die Kassenbetreiber über Masseneinladung ein. </a:t>
-            </a:r>
-          </a:p>
-          <a:p>
-            <a:pPr>
-              <a:defRPr/>
-            </a:pPr>
-            <a:r>
-              <a:rPr lang="de-DE" sz="1200" dirty="0">
-                <a:cs typeface="Calibri"/>
-              </a:rPr>
-              <a:t>- Konto des Kassenbetreibers wird erstellt</a:t>
-            </a:r>
-          </a:p>
-          <a:p>
-            <a:pPr>
-              <a:defRPr/>
-            </a:pPr>
-            <a:r>
-              <a:rPr lang="de-DE" sz="1200" dirty="0">
-                <a:cs typeface="Calibri"/>
-              </a:rPr>
-              <a:t>- Verknüpfung zw. Händler und Betreiber wird erstellt</a:t>
-            </a:r>
-          </a:p>
-          <a:p>
-            <a:pPr>
-              <a:defRPr/>
-            </a:pPr>
-            <a:r>
-              <a:rPr lang="de-DE" sz="1200" dirty="0">
-                <a:cs typeface="Calibri"/>
-              </a:rPr>
-              <a:t>- Volle Zugriffsrechte werden dem Händler zugeordnet</a:t>
-            </a:r>
-          </a:p>
-          <a:p>
-            <a:pPr>
-              <a:defRPr/>
-            </a:pPr>
-            <a:r>
-              <a:rPr lang="de-DE" sz="1200" dirty="0">
-                <a:cs typeface="Calibri"/>
-              </a:rPr>
-              <a:t>- Speichern der Nutzungsvereinbarung und des </a:t>
-            </a:r>
-            <a:r>
-              <a:rPr lang="de-DE" sz="1200" dirty="0" err="1">
-                <a:cs typeface="Calibri"/>
-              </a:rPr>
-              <a:t>Opt</a:t>
-            </a:r>
-            <a:r>
-              <a:rPr lang="de-DE" sz="1200" dirty="0">
-                <a:cs typeface="Calibri"/>
-              </a:rPr>
-              <a:t>-In Vertrag im Account des Betreibers.</a:t>
-            </a:r>
-          </a:p>
-          <a:p>
-            <a:pPr>
-              <a:defRPr/>
-            </a:pPr>
-            <a:r>
-              <a:rPr lang="de-DE" sz="1200" dirty="0">
-                <a:cs typeface="Calibri"/>
-              </a:rPr>
-              <a:t>- Der Kassenbetreiber erhält eine E-Mail mit benötigten Information + vom Händler in seinem Namen </a:t>
-            </a:r>
-            <a:r>
-              <a:rPr lang="de-DE" sz="1200" dirty="0" err="1">
-                <a:cs typeface="Calibri"/>
-              </a:rPr>
-              <a:t>unterschriebnen</a:t>
-            </a:r>
-            <a:r>
-              <a:rPr lang="de-DE" sz="1200" dirty="0">
-                <a:cs typeface="Calibri"/>
-              </a:rPr>
-              <a:t> Nutzungsvereinbarung + . </a:t>
-            </a:r>
-            <a:r>
-              <a:rPr lang="de-DE" sz="1200" dirty="0" err="1">
-                <a:cs typeface="Calibri"/>
-              </a:rPr>
-              <a:t>Opt</a:t>
-            </a:r>
-            <a:r>
-              <a:rPr lang="de-DE" sz="1200" dirty="0">
-                <a:cs typeface="Calibri"/>
-              </a:rPr>
-              <a:t>-In Vertrag + evtl. Zusätzliche PDF Dokumente die vom Händler </a:t>
-            </a:r>
-            <a:r>
-              <a:rPr lang="de-DE" sz="1200" dirty="0" err="1">
-                <a:cs typeface="Calibri"/>
-              </a:rPr>
-              <a:t>hohgeladen</a:t>
-            </a:r>
-            <a:r>
-              <a:rPr lang="de-DE" sz="1200" dirty="0">
-                <a:cs typeface="Calibri"/>
-              </a:rPr>
-              <a:t> wurden.</a:t>
-            </a:r>
-          </a:p>
-          <a:p>
-            <a:pPr>
-              <a:defRPr/>
-            </a:pPr>
-            <a:r>
-              <a:rPr lang="de-DE" sz="1200" dirty="0">
-                <a:cs typeface="Calibri"/>
-              </a:rPr>
-              <a:t>- Der Händler kann für den Kassenbetreiber alle Aufgaben durchführen </a:t>
-            </a:r>
-          </a:p>
-          <a:p>
-            <a:pPr>
-              <a:defRPr/>
-            </a:pPr>
-            <a:endParaRPr lang="de-DE" sz="1200" dirty="0">
-              <a:cs typeface="Calibri"/>
-            </a:endParaRPr>
-          </a:p>
-          <a:p>
-            <a:pPr>
-              <a:defRPr/>
-            </a:pPr>
-            <a:r>
-              <a:rPr lang="de-DE" sz="1200" dirty="0">
-                <a:cs typeface="Calibri"/>
-              </a:rPr>
-              <a:t>Vorteil:</a:t>
-            </a:r>
-          </a:p>
-          <a:p>
-            <a:pPr>
-              <a:defRPr/>
-            </a:pPr>
-            <a:r>
-              <a:rPr lang="de-DE" sz="1200" dirty="0">
-                <a:cs typeface="Calibri"/>
-              </a:rPr>
-              <a:t>- Steigerung der Effektivität, Zeiteinsparung</a:t>
-            </a:r>
-          </a:p>
-          <a:p>
             <a:endParaRPr lang="en-US" dirty="0"/>
           </a:p>
         </p:txBody>
@@ -10652,7 +10447,7 @@
     </p:spTree>
     <p:extLst>
       <p:ext uri="{BB962C8B-B14F-4D97-AF65-F5344CB8AC3E}">
-        <p14:creationId xmlns:p14="http://schemas.microsoft.com/office/powerpoint/2010/main" val="3754531947"/>
+        <p14:creationId xmlns:p14="http://schemas.microsoft.com/office/powerpoint/2010/main" val="10604364"/>
       </p:ext>
     </p:extLst>
   </p:cSld>
@@ -10706,144 +10501,106 @@
           <a:bodyPr/>
           <a:lstStyle/>
           <a:p>
-            <a:r>
-              <a:rPr lang="de-DE" dirty="0"/>
-              <a:t>Wirtschaftliche und technische Vorbereitung können unabhängig voneinander stattfinden. D.h. Entitlements können bereits im Vorfeld von fiskaltrust gekauft werden und an die Betreiber verkauft werden (siehe auch Bestellungsdeadlines der einzelnen Bundesländer). </a:t>
-            </a:r>
-            <a:endParaRPr lang="de-DE" dirty="0">
-              <a:cs typeface="Calibri" panose="020F0502020204030204"/>
-            </a:endParaRPr>
-          </a:p>
-          <a:p>
-            <a:endParaRPr lang="de-DE" dirty="0">
-              <a:cs typeface="Calibri" panose="020F0502020204030204"/>
-            </a:endParaRPr>
-          </a:p>
-          <a:p>
-            <a:r>
-              <a:rPr lang="de-DE" dirty="0" err="1">
-                <a:cs typeface="Calibri" panose="020F0502020204030204"/>
-              </a:rPr>
-              <a:t>Sales</a:t>
-            </a:r>
-            <a:r>
-              <a:rPr lang="de-DE" dirty="0">
-                <a:cs typeface="Calibri" panose="020F0502020204030204"/>
-              </a:rPr>
-              <a:t> Vorbereitung:</a:t>
-            </a:r>
-            <a:endParaRPr lang="de-DE" dirty="0"/>
-          </a:p>
-          <a:p>
-            <a:r>
-              <a:rPr lang="de-DE" dirty="0"/>
-              <a:t>Kassenhändler (Einkauf) kaufen Add-On Entitlements im </a:t>
-            </a:r>
-            <a:r>
-              <a:rPr lang="de-DE" dirty="0" err="1"/>
-              <a:t>ft.Shop</a:t>
-            </a:r>
-            <a:endParaRPr lang="de-DE" dirty="0"/>
-          </a:p>
-          <a:p>
-            <a:r>
-              <a:rPr lang="de-DE" dirty="0"/>
-              <a:t>Kassenhändler (</a:t>
-            </a:r>
-            <a:r>
-              <a:rPr lang="de-DE" dirty="0" err="1"/>
-              <a:t>Sales</a:t>
-            </a:r>
-            <a:r>
-              <a:rPr lang="de-DE" dirty="0"/>
-              <a:t>) verkaufen Add-On Produkte (z.B. Sorglos-Paket) an die Kassenbetreiber. Diese können über die Entitlements an die Betreiber zugewiesen werden.</a:t>
-            </a:r>
-          </a:p>
-          <a:p>
-            <a:endParaRPr lang="de-DE" dirty="0"/>
-          </a:p>
-          <a:p>
-            <a:r>
-              <a:rPr lang="de-DE" dirty="0">
-                <a:cs typeface="Calibri"/>
-              </a:rPr>
-              <a:t>Technische Vorbereitung:</a:t>
-            </a:r>
-            <a:endParaRPr lang="de-DE" dirty="0"/>
-          </a:p>
-          <a:p>
-            <a:r>
-              <a:rPr lang="de-DE" dirty="0"/>
-              <a:t>Kassenhersteller und Händler (Techniker) besprechen Rolloutszenarien, erstellen Konfigurationstemplates für den Massenrollout im </a:t>
-            </a:r>
-            <a:r>
-              <a:rPr lang="de-DE" dirty="0" err="1"/>
-              <a:t>ft.Portal</a:t>
-            </a:r>
-            <a:r>
-              <a:rPr lang="de-DE" dirty="0"/>
-              <a:t> und geben diese frei. Sie erscheinen daraufhin im </a:t>
-            </a:r>
-            <a:r>
-              <a:rPr lang="de-DE" dirty="0" err="1"/>
-              <a:t>ft.Shop</a:t>
-            </a:r>
-            <a:r>
-              <a:rPr lang="de-DE" dirty="0"/>
-              <a:t> des Kassenbetreibers.</a:t>
-            </a:r>
-          </a:p>
-          <a:p>
-            <a:r>
-              <a:rPr lang="de-DE" dirty="0"/>
-              <a:t>Kassenhändler (Techniker) installieren vor Ort beim Betreiber mit Hilfe der zuvor angelegten Templates. Beim Auschecken des Template im </a:t>
-            </a:r>
-            <a:r>
-              <a:rPr lang="de-DE" dirty="0" err="1"/>
-              <a:t>ft.Shop</a:t>
-            </a:r>
-            <a:r>
-              <a:rPr lang="de-DE" dirty="0"/>
-              <a:t> des Betreibers wird automatisch vom </a:t>
-            </a:r>
-            <a:r>
-              <a:rPr lang="de-DE" dirty="0" err="1"/>
-              <a:t>ft.Portal</a:t>
-            </a:r>
-            <a:r>
-              <a:rPr lang="de-DE" dirty="0"/>
-              <a:t> ein </a:t>
-            </a:r>
-            <a:r>
-              <a:rPr lang="de-DE" dirty="0" err="1"/>
-              <a:t>Konfigurationskontainer</a:t>
-            </a:r>
-            <a:r>
-              <a:rPr lang="de-DE" dirty="0"/>
-              <a:t> (</a:t>
-            </a:r>
-            <a:r>
-              <a:rPr lang="de-DE" dirty="0" err="1"/>
-              <a:t>CashBox</a:t>
-            </a:r>
-            <a:r>
-              <a:rPr lang="de-DE" dirty="0"/>
-              <a:t>) angelegt.</a:t>
-            </a:r>
-          </a:p>
-          <a:p>
-            <a:endParaRPr lang="de-DE" dirty="0"/>
-          </a:p>
-          <a:p>
-            <a:r>
-              <a:rPr lang="de-DE" dirty="0" err="1"/>
-              <a:t>Sales</a:t>
-            </a:r>
-            <a:r>
-              <a:rPr lang="de-DE" dirty="0"/>
-              <a:t>- und Technikvorbereitung können vom Kassenhändler unabhängig voneinander vorgenommen werden. D.h. wirtschaftlich kann das Geschäft mit fiskaltrust abgeschlossen werden bevor das genaue roll-out Szenario bekannt ist. Der Techniker kann dann die Entitlements umwandeln in eine Hardware-TSE-Lieferung direkt zum Betreiber oder auch in eine Cloud-TSE. Bei der Konfiguration / bei den Konfigurationstemplates kann das ebenfalls berücksichtigt werden.</a:t>
-            </a:r>
-            <a:endParaRPr lang="de-DE" dirty="0">
+            <a:pPr marL="0" marR="0" lvl="0" indent="0" algn="l" defTabSz="914400" rtl="0" eaLnBrk="1" fontAlgn="auto" latinLnBrk="0" hangingPunct="1">
+              <a:lnSpc>
+                <a:spcPct val="100000"/>
+              </a:lnSpc>
+              <a:spcBef>
+                <a:spcPts val="0"/>
+              </a:spcBef>
+              <a:spcAft>
+                <a:spcPts val="0"/>
+              </a:spcAft>
+              <a:buClrTx/>
+              <a:buSzTx/>
+              <a:buFontTx/>
+              <a:buNone/>
+              <a:tabLst/>
+              <a:defRPr/>
+            </a:pPr>
+            <a:r>
+              <a:rPr lang="de-DE" sz="1200" dirty="0"/>
+              <a:t>Kassenbetreiber können manuell oder automatisiert über das Portal eingeladen werden. Zum automatisierten Einladen vieler Kassenbetreiber wird eine CSV Datei verwendet, die zu diesem Zweck im Portal importiert wird. </a:t>
+            </a:r>
+          </a:p>
+          <a:p>
+            <a:pPr marL="0" marR="0" lvl="0" indent="0" algn="l" defTabSz="914400" rtl="0" eaLnBrk="1" fontAlgn="auto" latinLnBrk="0" hangingPunct="1">
+              <a:lnSpc>
+                <a:spcPct val="100000"/>
+              </a:lnSpc>
+              <a:spcBef>
+                <a:spcPts val="0"/>
+              </a:spcBef>
+              <a:spcAft>
+                <a:spcPts val="0"/>
+              </a:spcAft>
+              <a:buClrTx/>
+              <a:buSzTx/>
+              <a:buFontTx/>
+              <a:buNone/>
+              <a:tabLst/>
+              <a:defRPr/>
+            </a:pPr>
+            <a:r>
+              <a:rPr lang="de-DE" sz="1200" dirty="0"/>
+              <a:t>Sobald die Einladung abgesetzt wurde, wird eine Einladungs-Email an den Kassenbetreiber gesendet. </a:t>
+            </a:r>
+          </a:p>
+          <a:p>
+            <a:pPr marL="0" marR="0" lvl="0" indent="0" algn="l" defTabSz="914400" rtl="0" eaLnBrk="1" fontAlgn="auto" latinLnBrk="0" hangingPunct="1">
+              <a:lnSpc>
+                <a:spcPct val="100000"/>
+              </a:lnSpc>
+              <a:spcBef>
+                <a:spcPts val="0"/>
+              </a:spcBef>
+              <a:spcAft>
+                <a:spcPts val="0"/>
+              </a:spcAft>
+              <a:buClrTx/>
+              <a:buSzTx/>
+              <a:buFontTx/>
+              <a:buNone/>
+              <a:tabLst/>
+              <a:defRPr/>
+            </a:pPr>
+            <a:r>
+              <a:rPr lang="de-DE" sz="1200" dirty="0"/>
+              <a:t>Dieser erhält daraufhin die Email mit Informationen und einem Email-Bestätigungs-Link.</a:t>
+            </a:r>
+          </a:p>
+          <a:p>
+            <a:pPr marL="0" marR="0" lvl="0" indent="0" algn="l" defTabSz="914400" rtl="0" eaLnBrk="1" fontAlgn="auto" latinLnBrk="0" hangingPunct="1">
+              <a:lnSpc>
+                <a:spcPct val="100000"/>
+              </a:lnSpc>
+              <a:spcBef>
+                <a:spcPts val="0"/>
+              </a:spcBef>
+              <a:spcAft>
+                <a:spcPts val="0"/>
+              </a:spcAft>
+              <a:buClrTx/>
+              <a:buSzTx/>
+              <a:buFontTx/>
+              <a:buNone/>
+              <a:tabLst/>
+              <a:defRPr/>
+            </a:pPr>
+            <a:r>
+              <a:rPr lang="de-DE" sz="1200" dirty="0"/>
+              <a:t>Der Betreiber drückt den Link und wird auf das fiskaltrust Portal weiter geleitet wo er seine Daten überprüfen und sein Passwort setzen kann. Im nächsten Schritt muss er den Kooperationsvertrag mit fiskaltrust digital unterzeichnen. </a:t>
+            </a:r>
+          </a:p>
+          <a:p>
+            <a:pPr>
+              <a:defRPr/>
+            </a:pPr>
+            <a:r>
+              <a:rPr lang="de-DE" sz="1200" dirty="0"/>
+              <a:t>Der Händler Zugriffsrechte für die sogenannte Surrogation Funktion anfordern. </a:t>
+            </a:r>
+            <a:endParaRPr lang="de-DE" sz="1200" strike="sngStrike" dirty="0">
               <a:cs typeface="Calibri"/>
             </a:endParaRPr>
           </a:p>
@@ -10875,7 +10632,7 @@
     </p:spTree>
     <p:extLst>
       <p:ext uri="{BB962C8B-B14F-4D97-AF65-F5344CB8AC3E}">
-        <p14:creationId xmlns:p14="http://schemas.microsoft.com/office/powerpoint/2010/main" val="4208554055"/>
+        <p14:creationId xmlns:p14="http://schemas.microsoft.com/office/powerpoint/2010/main" val="2591893138"/>
       </p:ext>
     </p:extLst>
   </p:cSld>
@@ -11175,6 +10932,537 @@
             <a:fld id="{87FB5468-8034-4A81-91AF-9E789D7C7320}" type="slidenum">
               <a:rPr lang="de-DE" smtClean="0"/>
               <a:t>19</a:t>
+            </a:fld>
+            <a:endParaRPr lang="de-DE"/>
+          </a:p>
+        </p:txBody>
+      </p:sp>
+    </p:spTree>
+    <p:extLst>
+      <p:ext uri="{BB962C8B-B14F-4D97-AF65-F5344CB8AC3E}">
+        <p14:creationId xmlns:p14="http://schemas.microsoft.com/office/powerpoint/2010/main" val="3754531947"/>
+      </p:ext>
+    </p:extLst>
+  </p:cSld>
+  <p:clrMapOvr>
+    <a:masterClrMapping/>
+  </p:clrMapOvr>
+</p:notes>
+</file>
+
+<file path=ppt/notesSlides/notesSlide17.xml><?xml version="1.0" encoding="utf-8"?>
+<p:notes xmlns:a="http://schemas.openxmlformats.org/drawingml/2006/main" xmlns:r="http://schemas.openxmlformats.org/officeDocument/2006/relationships" xmlns:p="http://schemas.openxmlformats.org/presentationml/2006/main">
+  <p:cSld>
+    <p:spTree>
+      <p:nvGrpSpPr>
+        <p:cNvPr id="1" name=""/>
+        <p:cNvGrpSpPr/>
+        <p:nvPr/>
+      </p:nvGrpSpPr>
+      <p:grpSpPr>
+        <a:xfrm>
+          <a:off x="0" y="0"/>
+          <a:ext cx="0" cy="0"/>
+          <a:chOff x="0" y="0"/>
+          <a:chExt cx="0" cy="0"/>
+        </a:xfrm>
+      </p:grpSpPr>
+      <p:sp>
+        <p:nvSpPr>
+          <p:cNvPr id="2" name="Slide Image Placeholder 1"/>
+          <p:cNvSpPr>
+            <a:spLocks noGrp="1" noRot="1" noChangeAspect="1"/>
+          </p:cNvSpPr>
+          <p:nvPr>
+            <p:ph type="sldImg"/>
+          </p:nvPr>
+        </p:nvSpPr>
+        <p:spPr/>
+      </p:sp>
+      <p:sp>
+        <p:nvSpPr>
+          <p:cNvPr id="3" name="Notes Placeholder 2"/>
+          <p:cNvSpPr>
+            <a:spLocks noGrp="1"/>
+          </p:cNvSpPr>
+          <p:nvPr>
+            <p:ph type="body" idx="1"/>
+          </p:nvPr>
+        </p:nvSpPr>
+        <p:spPr/>
+        <p:txBody>
+          <a:bodyPr/>
+          <a:lstStyle/>
+          <a:p>
+            <a:r>
+              <a:rPr lang="de-DE" dirty="0"/>
+              <a:t>Wirtschaftliche und technische Vorbereitung können unabhängig voneinander stattfinden. D.h. Entitlements können bereits im Vorfeld von fiskaltrust gekauft werden und an die Betreiber verkauft werden (siehe auch Bestellungsdeadlines der einzelnen Bundesländer). </a:t>
+            </a:r>
+            <a:endParaRPr lang="de-DE" dirty="0">
+              <a:cs typeface="Calibri" panose="020F0502020204030204"/>
+            </a:endParaRPr>
+          </a:p>
+          <a:p>
+            <a:endParaRPr lang="de-DE" dirty="0">
+              <a:cs typeface="Calibri" panose="020F0502020204030204"/>
+            </a:endParaRPr>
+          </a:p>
+          <a:p>
+            <a:r>
+              <a:rPr lang="de-DE" dirty="0" err="1">
+                <a:cs typeface="Calibri" panose="020F0502020204030204"/>
+              </a:rPr>
+              <a:t>Sales</a:t>
+            </a:r>
+            <a:r>
+              <a:rPr lang="de-DE" dirty="0">
+                <a:cs typeface="Calibri" panose="020F0502020204030204"/>
+              </a:rPr>
+              <a:t> Vorbereitung:</a:t>
+            </a:r>
+            <a:endParaRPr lang="de-DE" dirty="0"/>
+          </a:p>
+          <a:p>
+            <a:r>
+              <a:rPr lang="de-DE" dirty="0"/>
+              <a:t>Kassenhändler (Einkauf) kaufen Add-On Entitlements im </a:t>
+            </a:r>
+            <a:r>
+              <a:rPr lang="de-DE" dirty="0" err="1"/>
+              <a:t>ft.Shop</a:t>
+            </a:r>
+            <a:endParaRPr lang="de-DE" dirty="0"/>
+          </a:p>
+          <a:p>
+            <a:r>
+              <a:rPr lang="de-DE" dirty="0"/>
+              <a:t>Kassenhändler (</a:t>
+            </a:r>
+            <a:r>
+              <a:rPr lang="de-DE" dirty="0" err="1"/>
+              <a:t>Sales</a:t>
+            </a:r>
+            <a:r>
+              <a:rPr lang="de-DE" dirty="0"/>
+              <a:t>) verkaufen Add-On Produkte (z.B. Sorglos-Paket) an die Kassenbetreiber. Diese können über die Entitlements an die Betreiber zugewiesen werden.</a:t>
+            </a:r>
+          </a:p>
+          <a:p>
+            <a:endParaRPr lang="de-DE" dirty="0"/>
+          </a:p>
+          <a:p>
+            <a:r>
+              <a:rPr lang="de-DE" dirty="0">
+                <a:cs typeface="Calibri"/>
+              </a:rPr>
+              <a:t>Technische Vorbereitung:</a:t>
+            </a:r>
+            <a:endParaRPr lang="de-DE" dirty="0"/>
+          </a:p>
+          <a:p>
+            <a:r>
+              <a:rPr lang="de-DE" dirty="0"/>
+              <a:t>Kassenhersteller und Händler (Techniker) besprechen Rolloutszenarien, erstellen Konfigurationstemplates für den Massenrollout im </a:t>
+            </a:r>
+            <a:r>
+              <a:rPr lang="de-DE" dirty="0" err="1"/>
+              <a:t>ft.Portal</a:t>
+            </a:r>
+            <a:r>
+              <a:rPr lang="de-DE" dirty="0"/>
+              <a:t> und geben diese frei. Sie erscheinen daraufhin im </a:t>
+            </a:r>
+            <a:r>
+              <a:rPr lang="de-DE" dirty="0" err="1"/>
+              <a:t>ft.Shop</a:t>
+            </a:r>
+            <a:r>
+              <a:rPr lang="de-DE" dirty="0"/>
+              <a:t> des Kassenbetreibers.</a:t>
+            </a:r>
+          </a:p>
+          <a:p>
+            <a:r>
+              <a:rPr lang="de-DE" dirty="0"/>
+              <a:t>Kassenhändler (Techniker) installieren vor Ort beim Betreiber mit Hilfe der zuvor angelegten Templates. Beim Auschecken des Template im </a:t>
+            </a:r>
+            <a:r>
+              <a:rPr lang="de-DE" dirty="0" err="1"/>
+              <a:t>ft.Shop</a:t>
+            </a:r>
+            <a:r>
+              <a:rPr lang="de-DE" dirty="0"/>
+              <a:t> des Betreibers wird automatisch vom </a:t>
+            </a:r>
+            <a:r>
+              <a:rPr lang="de-DE" dirty="0" err="1"/>
+              <a:t>ft.Portal</a:t>
+            </a:r>
+            <a:r>
+              <a:rPr lang="de-DE" dirty="0"/>
+              <a:t> ein </a:t>
+            </a:r>
+            <a:r>
+              <a:rPr lang="de-DE" dirty="0" err="1"/>
+              <a:t>Konfigurationskontainer</a:t>
+            </a:r>
+            <a:r>
+              <a:rPr lang="de-DE" dirty="0"/>
+              <a:t> (</a:t>
+            </a:r>
+            <a:r>
+              <a:rPr lang="de-DE" dirty="0" err="1"/>
+              <a:t>CashBox</a:t>
+            </a:r>
+            <a:r>
+              <a:rPr lang="de-DE" dirty="0"/>
+              <a:t>) angelegt.</a:t>
+            </a:r>
+          </a:p>
+          <a:p>
+            <a:endParaRPr lang="de-DE" dirty="0"/>
+          </a:p>
+          <a:p>
+            <a:r>
+              <a:rPr lang="de-DE" dirty="0" err="1"/>
+              <a:t>Sales</a:t>
+            </a:r>
+            <a:r>
+              <a:rPr lang="de-DE" dirty="0"/>
+              <a:t>- und Technikvorbereitung können vom Kassenhändler unabhängig voneinander vorgenommen werden. D.h. wirtschaftlich kann das Geschäft mit fiskaltrust abgeschlossen werden bevor das genaue roll-out Szenario bekannt ist. Der Techniker kann dann die Entitlements umwandeln in eine Hardware-TSE-Lieferung direkt zum Betreiber oder auch in eine Cloud-TSE. Bei der Konfiguration / bei den Konfigurationstemplates kann das ebenfalls berücksichtigt werden.</a:t>
+            </a:r>
+            <a:endParaRPr lang="de-DE" dirty="0">
+              <a:cs typeface="Calibri"/>
+            </a:endParaRPr>
+          </a:p>
+        </p:txBody>
+      </p:sp>
+      <p:sp>
+        <p:nvSpPr>
+          <p:cNvPr id="4" name="Slide Number Placeholder 3"/>
+          <p:cNvSpPr>
+            <a:spLocks noGrp="1"/>
+          </p:cNvSpPr>
+          <p:nvPr>
+            <p:ph type="sldNum" sz="quarter" idx="5"/>
+          </p:nvPr>
+        </p:nvSpPr>
+        <p:spPr/>
+        <p:txBody>
+          <a:bodyPr/>
+          <a:lstStyle/>
+          <a:p>
+            <a:fld id="{87FB5468-8034-4A81-91AF-9E789D7C7320}" type="slidenum">
+              <a:rPr lang="de-DE" smtClean="0"/>
+              <a:t>20</a:t>
+            </a:fld>
+            <a:endParaRPr lang="de-DE"/>
+          </a:p>
+        </p:txBody>
+      </p:sp>
+    </p:spTree>
+    <p:extLst>
+      <p:ext uri="{BB962C8B-B14F-4D97-AF65-F5344CB8AC3E}">
+        <p14:creationId xmlns:p14="http://schemas.microsoft.com/office/powerpoint/2010/main" val="4208554055"/>
+      </p:ext>
+    </p:extLst>
+  </p:cSld>
+  <p:clrMapOvr>
+    <a:masterClrMapping/>
+  </p:clrMapOvr>
+</p:notes>
+</file>
+
+<file path=ppt/notesSlides/notesSlide18.xml><?xml version="1.0" encoding="utf-8"?>
+<p:notes xmlns:a="http://schemas.openxmlformats.org/drawingml/2006/main" xmlns:r="http://schemas.openxmlformats.org/officeDocument/2006/relationships" xmlns:p="http://schemas.openxmlformats.org/presentationml/2006/main">
+  <p:cSld>
+    <p:spTree>
+      <p:nvGrpSpPr>
+        <p:cNvPr id="1" name=""/>
+        <p:cNvGrpSpPr/>
+        <p:nvPr/>
+      </p:nvGrpSpPr>
+      <p:grpSpPr>
+        <a:xfrm>
+          <a:off x="0" y="0"/>
+          <a:ext cx="0" cy="0"/>
+          <a:chOff x="0" y="0"/>
+          <a:chExt cx="0" cy="0"/>
+        </a:xfrm>
+      </p:grpSpPr>
+      <p:sp>
+        <p:nvSpPr>
+          <p:cNvPr id="2" name="Slide Image Placeholder 1"/>
+          <p:cNvSpPr>
+            <a:spLocks noGrp="1" noRot="1" noChangeAspect="1"/>
+          </p:cNvSpPr>
+          <p:nvPr>
+            <p:ph type="sldImg"/>
+          </p:nvPr>
+        </p:nvSpPr>
+        <p:spPr/>
+      </p:sp>
+      <p:sp>
+        <p:nvSpPr>
+          <p:cNvPr id="3" name="Notes Placeholder 2"/>
+          <p:cNvSpPr>
+            <a:spLocks noGrp="1"/>
+          </p:cNvSpPr>
+          <p:nvPr>
+            <p:ph type="body" idx="1"/>
+          </p:nvPr>
+        </p:nvSpPr>
+        <p:spPr/>
+        <p:txBody>
+          <a:bodyPr/>
+          <a:lstStyle/>
+          <a:p>
+            <a:pPr>
+              <a:defRPr/>
+            </a:pPr>
+            <a:r>
+              <a:rPr lang="de-DE" sz="1200" dirty="0">
+                <a:cs typeface="Calibri"/>
+              </a:rPr>
+              <a:t>Optimierungsmöglichkeit aufgrund des hohen Aufwands der Unterstützung von vielen Betreibern bei der Registrierung.</a:t>
+            </a:r>
+          </a:p>
+          <a:p>
+            <a:pPr>
+              <a:defRPr/>
+            </a:pPr>
+            <a:endParaRPr lang="de-DE" sz="1200" dirty="0">
+              <a:cs typeface="Calibri"/>
+            </a:endParaRPr>
+          </a:p>
+          <a:p>
+            <a:pPr>
+              <a:defRPr/>
+            </a:pPr>
+            <a:r>
+              <a:rPr lang="de-DE" sz="1200" dirty="0">
+                <a:cs typeface="Calibri"/>
+              </a:rPr>
+              <a:t>- Der Händler aktiviert die Funktionalität indem er die </a:t>
+            </a:r>
+            <a:r>
+              <a:rPr lang="de-DE" sz="1200" dirty="0" err="1">
+                <a:cs typeface="Calibri"/>
+              </a:rPr>
+              <a:t>zusäzliche</a:t>
+            </a:r>
+            <a:r>
+              <a:rPr lang="de-DE" sz="1200" dirty="0">
+                <a:cs typeface="Calibri"/>
+              </a:rPr>
+              <a:t> Rolle (</a:t>
+            </a:r>
+            <a:r>
+              <a:rPr lang="de-DE" dirty="0" err="1"/>
+              <a:t>KassenHändler</a:t>
+            </a:r>
+            <a:r>
+              <a:rPr lang="de-DE" dirty="0"/>
+              <a:t> Auto-Invitation (</a:t>
+            </a:r>
+            <a:r>
+              <a:rPr lang="de-DE" dirty="0" err="1"/>
+              <a:t>opt</a:t>
+            </a:r>
+            <a:r>
+              <a:rPr lang="de-DE" dirty="0"/>
+              <a:t>-in)) aktiviert, dabei muss er einen sog. </a:t>
+            </a:r>
+            <a:r>
+              <a:rPr lang="de-DE" dirty="0" err="1"/>
+              <a:t>Opt</a:t>
+            </a:r>
+            <a:r>
+              <a:rPr lang="de-DE" dirty="0"/>
+              <a:t>-In Vertrag unterzeichnen indem er versichert, dass er die Vollmacht der Betreiber hat um für diese im Rahmen der Fiskalisierung Verträge unterschreiben und Produkte kaufen zu können.</a:t>
+            </a:r>
+            <a:endParaRPr lang="de-DE" sz="1200" dirty="0">
+              <a:cs typeface="Calibri"/>
+            </a:endParaRPr>
+          </a:p>
+          <a:p>
+            <a:pPr>
+              <a:defRPr/>
+            </a:pPr>
+            <a:r>
+              <a:rPr lang="de-DE" sz="1200" dirty="0">
+                <a:cs typeface="Calibri"/>
+              </a:rPr>
+              <a:t>- Der Händler lädt die Kassenbetreiber über Masseneinladung ein. </a:t>
+            </a:r>
+          </a:p>
+          <a:p>
+            <a:pPr>
+              <a:defRPr/>
+            </a:pPr>
+            <a:r>
+              <a:rPr lang="de-DE" sz="1200" dirty="0">
+                <a:cs typeface="Calibri"/>
+              </a:rPr>
+              <a:t>- Konto des Kassenbetreibers wird erstellt</a:t>
+            </a:r>
+          </a:p>
+          <a:p>
+            <a:pPr>
+              <a:defRPr/>
+            </a:pPr>
+            <a:r>
+              <a:rPr lang="de-DE" sz="1200" dirty="0">
+                <a:cs typeface="Calibri"/>
+              </a:rPr>
+              <a:t>- Verknüpfung zw. Händler und Betreiber wird erstellt</a:t>
+            </a:r>
+          </a:p>
+          <a:p>
+            <a:pPr>
+              <a:defRPr/>
+            </a:pPr>
+            <a:r>
+              <a:rPr lang="de-DE" sz="1200" dirty="0">
+                <a:cs typeface="Calibri"/>
+              </a:rPr>
+              <a:t>- Volle Zugriffsrechte werden dem Händler zugeordnet</a:t>
+            </a:r>
+          </a:p>
+          <a:p>
+            <a:pPr>
+              <a:defRPr/>
+            </a:pPr>
+            <a:r>
+              <a:rPr lang="de-DE" sz="1200" dirty="0">
+                <a:cs typeface="Calibri"/>
+              </a:rPr>
+              <a:t>- Speichern der Nutzungsvereinbarung und des </a:t>
+            </a:r>
+            <a:r>
+              <a:rPr lang="de-DE" sz="1200" dirty="0" err="1">
+                <a:cs typeface="Calibri"/>
+              </a:rPr>
+              <a:t>Opt</a:t>
+            </a:r>
+            <a:r>
+              <a:rPr lang="de-DE" sz="1200" dirty="0">
+                <a:cs typeface="Calibri"/>
+              </a:rPr>
+              <a:t>-In Vertrag im Account des Betreibers.</a:t>
+            </a:r>
+          </a:p>
+          <a:p>
+            <a:pPr>
+              <a:defRPr/>
+            </a:pPr>
+            <a:r>
+              <a:rPr lang="de-DE" sz="1200" dirty="0">
+                <a:cs typeface="Calibri"/>
+              </a:rPr>
+              <a:t>- Der Kassenbetreiber erhält eine E-Mail mit benötigten Information + vom Händler in seinem Namen </a:t>
+            </a:r>
+            <a:r>
+              <a:rPr lang="de-DE" sz="1200" dirty="0" err="1">
+                <a:cs typeface="Calibri"/>
+              </a:rPr>
+              <a:t>unterschriebnen</a:t>
+            </a:r>
+            <a:r>
+              <a:rPr lang="de-DE" sz="1200" dirty="0">
+                <a:cs typeface="Calibri"/>
+              </a:rPr>
+              <a:t> Nutzungsvereinbarung + . </a:t>
+            </a:r>
+            <a:r>
+              <a:rPr lang="de-DE" sz="1200" dirty="0" err="1">
+                <a:cs typeface="Calibri"/>
+              </a:rPr>
+              <a:t>Opt</a:t>
+            </a:r>
+            <a:r>
+              <a:rPr lang="de-DE" sz="1200" dirty="0">
+                <a:cs typeface="Calibri"/>
+              </a:rPr>
+              <a:t>-In Vertrag + evtl. Zusätzliche PDF Dokumente die vom Händler </a:t>
+            </a:r>
+            <a:r>
+              <a:rPr lang="de-DE" sz="1200" dirty="0" err="1">
+                <a:cs typeface="Calibri"/>
+              </a:rPr>
+              <a:t>hohgeladen</a:t>
+            </a:r>
+            <a:r>
+              <a:rPr lang="de-DE" sz="1200" dirty="0">
+                <a:cs typeface="Calibri"/>
+              </a:rPr>
+              <a:t> wurden.</a:t>
+            </a:r>
+          </a:p>
+          <a:p>
+            <a:pPr>
+              <a:defRPr/>
+            </a:pPr>
+            <a:r>
+              <a:rPr lang="de-DE" sz="1200" dirty="0">
+                <a:cs typeface="Calibri"/>
+              </a:rPr>
+              <a:t>- Der Händler kann für den Kassenbetreiber alle Aufgaben durchführen </a:t>
+            </a:r>
+          </a:p>
+          <a:p>
+            <a:pPr>
+              <a:defRPr/>
+            </a:pPr>
+            <a:endParaRPr lang="de-DE" sz="1200" dirty="0">
+              <a:cs typeface="Calibri"/>
+            </a:endParaRPr>
+          </a:p>
+          <a:p>
+            <a:pPr>
+              <a:defRPr/>
+            </a:pPr>
+            <a:r>
+              <a:rPr lang="de-DE" sz="1200" dirty="0">
+                <a:cs typeface="Calibri"/>
+              </a:rPr>
+              <a:t>Vorteil:</a:t>
+            </a:r>
+          </a:p>
+          <a:p>
+            <a:pPr>
+              <a:defRPr/>
+            </a:pPr>
+            <a:r>
+              <a:rPr lang="de-DE" sz="1200" dirty="0">
+                <a:cs typeface="Calibri"/>
+              </a:rPr>
+              <a:t>- Steigerung der Effektivität, Zeiteinsparung</a:t>
+            </a:r>
+          </a:p>
+          <a:p>
+            <a:endParaRPr lang="en-US" dirty="0"/>
+          </a:p>
+        </p:txBody>
+      </p:sp>
+      <p:sp>
+        <p:nvSpPr>
+          <p:cNvPr id="4" name="Slide Number Placeholder 3"/>
+          <p:cNvSpPr>
+            <a:spLocks noGrp="1"/>
+          </p:cNvSpPr>
+          <p:nvPr>
+            <p:ph type="sldNum" sz="quarter" idx="5"/>
+          </p:nvPr>
+        </p:nvSpPr>
+        <p:spPr/>
+        <p:txBody>
+          <a:bodyPr/>
+          <a:lstStyle/>
+          <a:p>
+            <a:fld id="{87FB5468-8034-4A81-91AF-9E789D7C7320}" type="slidenum">
+              <a:rPr lang="de-DE" smtClean="0"/>
+              <a:t>21</a:t>
             </a:fld>
             <a:endParaRPr lang="de-DE"/>
           </a:p>
@@ -11239,144 +11527,6 @@
           <a:p>
             <a:endParaRPr lang="de-DE" sz="1100" dirty="0"/>
           </a:p>
-          <a:p>
-            <a:r>
-              <a:rPr lang="en-US" dirty="0" err="1">
-                <a:cs typeface="+mn-lt"/>
-              </a:rPr>
-              <a:t>Erklärung</a:t>
-            </a:r>
-            <a:r>
-              <a:rPr lang="en-US" dirty="0">
-                <a:cs typeface="+mn-lt"/>
-              </a:rPr>
-              <a:t> der </a:t>
-            </a:r>
-            <a:r>
-              <a:rPr lang="en-US" dirty="0" err="1">
-                <a:cs typeface="+mn-lt"/>
-              </a:rPr>
-              <a:t>Begriffe</a:t>
-            </a:r>
-            <a:r>
-              <a:rPr lang="en-US" dirty="0">
-                <a:cs typeface="+mn-lt"/>
-              </a:rPr>
-              <a:t>:</a:t>
-            </a:r>
-            <a:endParaRPr lang="de-DE" dirty="0">
-              <a:cs typeface="+mn-lt"/>
-            </a:endParaRPr>
-          </a:p>
-          <a:p>
-            <a:br>
-              <a:rPr lang="en-US" dirty="0">
-                <a:cs typeface="+mn-lt"/>
-              </a:rPr>
-            </a:br>
-            <a:r>
-              <a:rPr lang="de-DE" dirty="0"/>
-              <a:t>- POSCreator = Kassenhersteller = Hersteller</a:t>
-            </a:r>
-            <a:endParaRPr lang="de-DE" dirty="0">
-              <a:cs typeface="Calibri"/>
-            </a:endParaRPr>
-          </a:p>
-          <a:p>
-            <a:r>
-              <a:rPr lang="de-DE" dirty="0"/>
-              <a:t>- </a:t>
-            </a:r>
-            <a:r>
-              <a:rPr lang="de-DE" dirty="0" err="1"/>
-              <a:t>POSSystem</a:t>
-            </a:r>
-            <a:r>
-              <a:rPr lang="de-DE" dirty="0"/>
-              <a:t> = Kassensoftware</a:t>
-            </a:r>
-            <a:endParaRPr lang="de-DE" dirty="0">
-              <a:cs typeface="Calibri"/>
-            </a:endParaRPr>
-          </a:p>
-          <a:p>
-            <a:r>
-              <a:rPr lang="de-DE" dirty="0"/>
-              <a:t>- </a:t>
-            </a:r>
-            <a:r>
-              <a:rPr lang="de-DE" dirty="0" err="1"/>
-              <a:t>POSDealer</a:t>
-            </a:r>
-            <a:r>
-              <a:rPr lang="de-DE" dirty="0"/>
-              <a:t> = Kassenhändler = Händler</a:t>
-            </a:r>
-            <a:endParaRPr lang="de-DE" dirty="0">
-              <a:cs typeface="Calibri"/>
-            </a:endParaRPr>
-          </a:p>
-          <a:p>
-            <a:r>
-              <a:rPr lang="de-DE" dirty="0"/>
-              <a:t>- </a:t>
-            </a:r>
-            <a:r>
-              <a:rPr lang="de-DE" dirty="0" err="1"/>
-              <a:t>POSOperator</a:t>
-            </a:r>
-            <a:r>
-              <a:rPr lang="de-DE" dirty="0"/>
-              <a:t> = </a:t>
-            </a:r>
-            <a:r>
-              <a:rPr lang="de-DE" dirty="0" err="1"/>
-              <a:t>Bassenbetreiber</a:t>
-            </a:r>
-            <a:r>
-              <a:rPr lang="de-DE" dirty="0"/>
-              <a:t> = Betreiber = gesetzliche Entität</a:t>
-            </a:r>
-            <a:endParaRPr lang="de-DE" dirty="0">
-              <a:cs typeface="Calibri"/>
-            </a:endParaRPr>
-          </a:p>
-          <a:p>
-            <a:r>
-              <a:rPr lang="de-DE" dirty="0"/>
-              <a:t>- Outlet = Standort = kleinste prüffähige Einheit</a:t>
-            </a:r>
-            <a:endParaRPr lang="de-DE" dirty="0">
-              <a:cs typeface="Calibri"/>
-            </a:endParaRPr>
-          </a:p>
-          <a:p>
-            <a:r>
-              <a:rPr lang="de-DE" dirty="0"/>
-              <a:t>- Cashbox = Konfigurationscontainer</a:t>
-            </a:r>
-            <a:endParaRPr lang="de-DE" dirty="0">
-              <a:cs typeface="Calibri"/>
-            </a:endParaRPr>
-          </a:p>
-          <a:p>
-            <a:r>
-              <a:rPr lang="de-DE" dirty="0"/>
-              <a:t>- Queue = Kasse</a:t>
-            </a:r>
-            <a:endParaRPr lang="de-DE" dirty="0">
-              <a:cs typeface="Calibri"/>
-            </a:endParaRPr>
-          </a:p>
-          <a:p>
-            <a:r>
-              <a:rPr lang="de-DE" dirty="0"/>
-              <a:t>- SCU= TSE-Treiber / TSE-Ansteuerung</a:t>
-            </a:r>
-            <a:endParaRPr lang="de-DE" dirty="0">
-              <a:cs typeface="Calibri"/>
-            </a:endParaRPr>
-          </a:p>
         </p:txBody>
       </p:sp>
       <p:sp>
@@ -11661,148 +11811,6 @@
           <a:bodyPr/>
           <a:lstStyle/>
           <a:p>
-            <a:pPr>
-              <a:buFont typeface="Arial"/>
-              <a:buChar char="•"/>
-            </a:pPr>
-            <a:r>
-              <a:rPr lang="de-DE" dirty="0"/>
-              <a:t> Das Kassensystem kommuniziert mit der ft.Middleware über das </a:t>
-            </a:r>
-            <a:r>
-              <a:rPr lang="de-DE" dirty="0" err="1"/>
-              <a:t>iPOS</a:t>
-            </a:r>
-            <a:r>
-              <a:rPr lang="de-DE" dirty="0"/>
-              <a:t> Interface. </a:t>
-            </a:r>
-            <a:endParaRPr lang="de-DE" dirty="0">
-              <a:cs typeface="Calibri" panose="020F0502020204030204"/>
-            </a:endParaRPr>
-          </a:p>
-          <a:p>
-            <a:pPr>
-              <a:buFont typeface="Arial"/>
-              <a:buChar char="•"/>
-            </a:pPr>
-            <a:r>
-              <a:rPr lang="de-DE" dirty="0"/>
-              <a:t> Das </a:t>
-            </a:r>
-            <a:r>
-              <a:rPr lang="de-DE" dirty="0" err="1"/>
-              <a:t>iPOS</a:t>
-            </a:r>
-            <a:r>
-              <a:rPr lang="de-DE" dirty="0"/>
-              <a:t> Interface ist identisch für alle unterstützen Länder (Länderübergreifend).</a:t>
-            </a:r>
-            <a:endParaRPr lang="de-DE" dirty="0">
-              <a:cs typeface="Calibri"/>
-            </a:endParaRPr>
-          </a:p>
-          <a:p>
-            <a:pPr>
-              <a:buFont typeface="Arial"/>
-              <a:buChar char="•"/>
-            </a:pPr>
-            <a:r>
-              <a:rPr lang="de-DE" dirty="0"/>
-              <a:t> Das </a:t>
-            </a:r>
-            <a:r>
-              <a:rPr lang="de-DE" dirty="0" err="1"/>
-              <a:t>iPOS</a:t>
-            </a:r>
-            <a:r>
-              <a:rPr lang="de-DE" dirty="0"/>
-              <a:t> Interface ist über REST, </a:t>
-            </a:r>
-            <a:r>
-              <a:rPr lang="de-DE" dirty="0" err="1"/>
-              <a:t>gRPC</a:t>
-            </a:r>
-            <a:r>
-              <a:rPr lang="de-DE" dirty="0"/>
-              <a:t>, WCF, TCP-Stream und Serial-Stream erreichbar.</a:t>
-            </a:r>
-            <a:endParaRPr lang="de-DE" dirty="0">
-              <a:cs typeface="Calibri"/>
-            </a:endParaRPr>
-          </a:p>
-          <a:p>
-            <a:pPr>
-              <a:buFont typeface="Arial"/>
-              <a:buChar char="•"/>
-            </a:pPr>
-            <a:r>
-              <a:rPr lang="de-DE" dirty="0"/>
-              <a:t> Das </a:t>
-            </a:r>
-            <a:r>
-              <a:rPr lang="de-DE" dirty="0" err="1"/>
-              <a:t>iPOS</a:t>
-            </a:r>
-            <a:r>
-              <a:rPr lang="de-DE" dirty="0"/>
-              <a:t> Interface bietet 3 Schnittstellen-Methoden: </a:t>
-            </a:r>
-            <a:r>
-              <a:rPr lang="de-DE" b="1" dirty="0"/>
-              <a:t>echo</a:t>
-            </a:r>
-            <a:r>
-              <a:rPr lang="de-DE" dirty="0"/>
-              <a:t> (Verfügbarkeit prüfen), </a:t>
-            </a:r>
-            <a:r>
-              <a:rPr lang="de-DE" b="1" dirty="0" err="1"/>
-              <a:t>sign</a:t>
-            </a:r>
-            <a:r>
-              <a:rPr lang="de-DE" dirty="0"/>
-              <a:t> (Signieren der Belegdaten, Absetzen von Sonderbelegen), </a:t>
-            </a:r>
-            <a:r>
-              <a:rPr lang="de-DE" b="1" dirty="0" err="1"/>
-              <a:t>journal</a:t>
-            </a:r>
-            <a:r>
-              <a:rPr lang="de-DE" dirty="0"/>
-              <a:t> (Export von Daten)</a:t>
-            </a:r>
-            <a:endParaRPr lang="de-DE" dirty="0">
-              <a:cs typeface="Calibri"/>
-            </a:endParaRPr>
-          </a:p>
-          <a:p>
-            <a:pPr>
-              <a:buFont typeface="Arial"/>
-              <a:buChar char="•"/>
-            </a:pPr>
-            <a:r>
-              <a:rPr lang="de-DE" dirty="0"/>
-              <a:t> Die Requests werden im ft.SecurityMechanism bearbeitet. Dieser kümmert sich um die Erstellung der eindeutigen, fortlaufenden Belegnummer, um die Verkettung, Signierung und die Persistenz der Daten.</a:t>
-            </a:r>
-            <a:endParaRPr lang="de-DE" dirty="0">
-              <a:cs typeface="Calibri"/>
-            </a:endParaRPr>
-          </a:p>
-          <a:p>
-            <a:pPr>
-              <a:buFont typeface="Arial"/>
-              <a:buChar char="•"/>
-            </a:pPr>
-            <a:r>
-              <a:rPr lang="de-DE" dirty="0"/>
-              <a:t> Der ft.SecurityMechanism übernimmt die länderspezifische Implementierung der Sicherheitslösung (z.B. in Deutschland die Erstellung der Signaturen mit Hilfe einer TSE)</a:t>
-            </a:r>
-            <a:endParaRPr lang="de-DE" dirty="0">
-              <a:cs typeface="Calibri"/>
-            </a:endParaRPr>
-          </a:p>
-          <a:p>
             <a:endParaRPr lang="en-US" dirty="0"/>
           </a:p>
         </p:txBody>
@@ -11824,7 +11832,7 @@
           <a:p>
             <a:fld id="{87FB5468-8034-4A81-91AF-9E789D7C7320}" type="slidenum">
               <a:rPr lang="de-DE" smtClean="0"/>
-              <a:t>8</a:t>
+              <a:t>6</a:t>
             </a:fld>
             <a:endParaRPr lang="de-DE"/>
           </a:p>
@@ -11833,7 +11841,7 @@
     </p:spTree>
     <p:extLst>
       <p:ext uri="{BB962C8B-B14F-4D97-AF65-F5344CB8AC3E}">
-        <p14:creationId xmlns:p14="http://schemas.microsoft.com/office/powerpoint/2010/main" val="3991596796"/>
+        <p14:creationId xmlns:p14="http://schemas.microsoft.com/office/powerpoint/2010/main" val="2852934046"/>
       </p:ext>
     </p:extLst>
   </p:cSld>
@@ -11888,22 +11896,41 @@
           <a:lstStyle/>
           <a:p>
             <a:pPr>
-              <a:buFont typeface="Arial" panose="020B0604020202020204" pitchFamily="34" charset="0"/>
+              <a:buFont typeface="Arial"/>
               <a:buChar char="•"/>
             </a:pPr>
             <a:r>
               <a:rPr lang="de-DE" dirty="0"/>
-              <a:t> Kann nur für Kassen eingesetzt werden, die die fiskaltrust.Middleware benutzen.</a:t>
-            </a:r>
+              <a:t> Das Kassensystem kommuniziert mit der ft.Middleware über das </a:t>
+            </a:r>
+            <a:r>
+              <a:rPr lang="de-DE" dirty="0" err="1"/>
+              <a:t>iPOS</a:t>
+            </a:r>
+            <a:r>
+              <a:rPr lang="de-DE" dirty="0"/>
+              <a:t> Interface. </a:t>
+            </a:r>
+            <a:endParaRPr lang="de-DE" dirty="0">
+              <a:cs typeface="Calibri" panose="020F0502020204030204"/>
+            </a:endParaRPr>
           </a:p>
           <a:p>
             <a:pPr>
-              <a:buFont typeface="Arial" panose="020B0604020202020204" pitchFamily="34" charset="0"/>
+              <a:buFont typeface="Arial"/>
               <a:buChar char="•"/>
             </a:pPr>
             <a:r>
               <a:rPr lang="de-DE" dirty="0"/>
-              <a:t> Sorgt für die revisionssichere Archivierung der Kassendaten und der TSE Daten.</a:t>
+              <a:t> Das </a:t>
+            </a:r>
+            <a:r>
+              <a:rPr lang="de-DE" dirty="0" err="1"/>
+              <a:t>iPOS</a:t>
+            </a:r>
+            <a:r>
+              <a:rPr lang="de-DE" dirty="0"/>
+              <a:t> Interface ist identisch für alle unterstützen Länder (Länderübergreifend).</a:t>
             </a:r>
             <a:endParaRPr lang="de-DE" dirty="0">
               <a:cs typeface="Calibri"/>
@@ -11911,157 +11938,105 @@
           </a:p>
           <a:p>
             <a:pPr>
-              <a:buFont typeface="Arial" panose="020B0604020202020204" pitchFamily="34" charset="0"/>
+              <a:buFont typeface="Arial"/>
               <a:buChar char="•"/>
             </a:pPr>
             <a:r>
               <a:rPr lang="de-DE" dirty="0"/>
-              <a:t> Die Daten werden automatisch, ohne zutun des Betreibers von der fiskaltrust.Middleware hochgeladen.</a:t>
+              <a:t> Das </a:t>
+            </a:r>
+            <a:r>
+              <a:rPr lang="de-DE" dirty="0" err="1"/>
+              <a:t>iPOS</a:t>
+            </a:r>
+            <a:r>
+              <a:rPr lang="de-DE" dirty="0"/>
+              <a:t> Interface ist über REST, </a:t>
+            </a:r>
+            <a:r>
+              <a:rPr lang="de-DE" dirty="0" err="1"/>
+              <a:t>gRPC</a:t>
+            </a:r>
+            <a:r>
+              <a:rPr lang="de-DE" dirty="0"/>
+              <a:t>, WCF, TCP-Stream und Serial-Stream erreichbar.</a:t>
             </a:r>
             <a:endParaRPr lang="de-DE" dirty="0">
-              <a:cs typeface="Calibri" panose="020F0502020204030204"/>
+              <a:cs typeface="Calibri"/>
             </a:endParaRPr>
           </a:p>
           <a:p>
             <a:pPr>
-              <a:buFont typeface="Arial" panose="020B0604020202020204" pitchFamily="34" charset="0"/>
+              <a:buFont typeface="Arial"/>
               <a:buChar char="•"/>
             </a:pPr>
             <a:r>
               <a:rPr lang="de-DE" dirty="0"/>
-              <a:t> Export: DSFinV-K Format, TSE TAR Files,  fiskaltrust Queue Items Journal und DFKA Format für die DATEV-Schnittstelle</a:t>
-            </a:r>
+              <a:t> Das </a:t>
+            </a:r>
+            <a:r>
+              <a:rPr lang="de-DE" dirty="0" err="1"/>
+              <a:t>iPOS</a:t>
+            </a:r>
+            <a:r>
+              <a:rPr lang="de-DE" dirty="0"/>
+              <a:t> Interface bietet 3 Schnittstellen-Methoden: </a:t>
+            </a:r>
+            <a:r>
+              <a:rPr lang="de-DE" b="1" dirty="0"/>
+              <a:t>echo</a:t>
+            </a:r>
+            <a:r>
+              <a:rPr lang="de-DE" dirty="0"/>
+              <a:t> (Verfügbarkeit prüfen), </a:t>
+            </a:r>
+            <a:r>
+              <a:rPr lang="de-DE" b="1" dirty="0" err="1"/>
+              <a:t>sign</a:t>
+            </a:r>
+            <a:r>
+              <a:rPr lang="de-DE" dirty="0"/>
+              <a:t> (Signieren der Belegdaten, Absetzen von Sonderbelegen), </a:t>
+            </a:r>
+            <a:r>
+              <a:rPr lang="de-DE" b="1" dirty="0" err="1"/>
+              <a:t>journal</a:t>
+            </a:r>
+            <a:r>
+              <a:rPr lang="de-DE" dirty="0"/>
+              <a:t> (Export von Daten)</a:t>
+            </a:r>
+            <a:endParaRPr lang="de-DE" dirty="0">
+              <a:cs typeface="Calibri"/>
+            </a:endParaRPr>
           </a:p>
           <a:p>
             <a:pPr>
-              <a:buFont typeface="Arial" panose="020B0604020202020204" pitchFamily="34" charset="0"/>
+              <a:buFont typeface="Arial"/>
               <a:buChar char="•"/>
             </a:pPr>
             <a:r>
-              <a:rPr lang="de-DE" dirty="0">
-                <a:cs typeface="Calibri"/>
-              </a:rPr>
-              <a:t> Die Daten können über die DATEV Schnittstelle an DATEV automatisch, in regelmäßigen Abständen übertragen werden (im DFKA Format)</a:t>
-            </a:r>
-            <a:endParaRPr lang="de-DE" dirty="0"/>
+              <a:rPr lang="de-DE" dirty="0"/>
+              <a:t> Die Requests werden im ft.SecurityMechanism bearbeitet. Dieser kümmert sich um die Erstellung der eindeutigen, fortlaufenden Belegnummer, um die Verkettung, Signierung und die Persistenz der Daten.</a:t>
+            </a:r>
+            <a:endParaRPr lang="de-DE" dirty="0">
+              <a:cs typeface="Calibri"/>
+            </a:endParaRPr>
           </a:p>
           <a:p>
             <a:pPr>
-              <a:buFont typeface="Arial" panose="020B0604020202020204" pitchFamily="34" charset="0"/>
+              <a:buFont typeface="Arial"/>
               <a:buChar char="•"/>
             </a:pPr>
             <a:r>
-              <a:rPr lang="de-DE" dirty="0">
-                <a:cs typeface="Calibri"/>
-              </a:rPr>
-              <a:t> Die DSFinV-K und TAR Files können über die AKO API an AKO </a:t>
-            </a:r>
-            <a:r>
               <a:rPr lang="de-DE" dirty="0"/>
-              <a:t>automatisch, in regelmäßigen Abständen </a:t>
-            </a:r>
-            <a:r>
-              <a:rPr lang="de-DE" dirty="0">
-                <a:cs typeface="Calibri"/>
-              </a:rPr>
-              <a:t>übertragen werden</a:t>
-            </a:r>
-          </a:p>
-          <a:p>
-            <a:pPr>
-              <a:buFont typeface="Arial" panose="020B0604020202020204" pitchFamily="34" charset="0"/>
-              <a:buChar char="•"/>
-            </a:pPr>
-            <a:r>
-              <a:rPr lang="de-DE" dirty="0"/>
-              <a:t> Wird </a:t>
-            </a:r>
-            <a:r>
-              <a:rPr lang="de-DE" b="1" dirty="0"/>
-              <a:t>pro Kasse </a:t>
-            </a:r>
-            <a:r>
-              <a:rPr lang="de-DE" dirty="0"/>
-              <a:t>(Queue) angeboten</a:t>
-            </a:r>
-          </a:p>
-          <a:p>
+              <a:t> Die SCU übernimmt die länderspezifische Implementierung der Sicherheitslösung (z.B. in Deutschland die Erstellung der Signaturen mit Hilfe einer TSE)</a:t>
+            </a:r>
             <a:endParaRPr lang="de-DE" dirty="0">
-              <a:cs typeface="Calibri" panose="020F0502020204030204"/>
+              <a:cs typeface="Calibri"/>
             </a:endParaRPr>
           </a:p>
           <a:p>
-            <a:pPr>
-              <a:buFont typeface="Arial" panose="020B0604020202020204" pitchFamily="34" charset="0"/>
-            </a:pPr>
-            <a:r>
-              <a:rPr lang="de-DE" dirty="0">
-                <a:cs typeface="Calibri" panose="020F0502020204030204"/>
-              </a:rPr>
-              <a:t>Vorteile: </a:t>
-            </a:r>
-            <a:endParaRPr lang="de-DE" dirty="0"/>
-          </a:p>
-          <a:p>
-            <a:pPr>
-              <a:buFont typeface="Arial" panose="020B0604020202020204" pitchFamily="34" charset="0"/>
-              <a:buChar char="•"/>
-            </a:pPr>
-            <a:r>
-              <a:rPr lang="de-DE" dirty="0"/>
-              <a:t> Nachweis der Ordnungsmäßigkeit gegenüber der Finanzverwaltung</a:t>
-            </a:r>
-            <a:endParaRPr lang="de-DE" dirty="0">
-              <a:cs typeface="Calibri" panose="020F0502020204030204"/>
-            </a:endParaRPr>
-          </a:p>
-          <a:p>
-            <a:pPr>
-              <a:buFont typeface="Arial" panose="020B0604020202020204" pitchFamily="34" charset="0"/>
-              <a:buChar char="•"/>
-            </a:pPr>
-            <a:r>
-              <a:rPr lang="de-DE" dirty="0"/>
-              <a:t> Lösung für begrenzten Speicherplatz in Kassensystem und/oder TSE</a:t>
-            </a:r>
-            <a:endParaRPr lang="de-DE" dirty="0">
-              <a:cs typeface="Calibri" panose="020F0502020204030204"/>
-            </a:endParaRPr>
-          </a:p>
-          <a:p>
-            <a:pPr>
-              <a:buFont typeface="Arial" panose="020B0604020202020204" pitchFamily="34" charset="0"/>
-              <a:buChar char="•"/>
-            </a:pPr>
-            <a:r>
-              <a:rPr lang="de-DE" dirty="0">
-                <a:cs typeface="Calibri" panose="020F0502020204030204"/>
-              </a:rPr>
-              <a:t> </a:t>
-            </a:r>
-            <a:r>
-              <a:rPr lang="de-DE" dirty="0"/>
-              <a:t>Vereinfachter Zugriff durch zentralisierte Datenhaltung</a:t>
-            </a:r>
-            <a:endParaRPr lang="de-DE" dirty="0">
-              <a:cs typeface="Calibri" panose="020F0502020204030204"/>
-            </a:endParaRPr>
-          </a:p>
-          <a:p>
-            <a:pPr>
-              <a:buFont typeface="Arial" panose="020B0604020202020204" pitchFamily="34" charset="0"/>
-              <a:buChar char="•"/>
-            </a:pPr>
-            <a:r>
-              <a:rPr lang="de-DE" dirty="0">
-                <a:cs typeface="Calibri" panose="020F0502020204030204"/>
-              </a:rPr>
-              <a:t> </a:t>
-            </a:r>
-            <a:r>
-              <a:rPr lang="de-DE" dirty="0"/>
-              <a:t>Möglicher Wegfall der Verpflichtung alte Kassensysteme bzw. TSEs über die Dauer der Aufbewahrungspflicht vorzuhalten. </a:t>
-            </a:r>
             <a:endParaRPr lang="en-US" dirty="0"/>
           </a:p>
         </p:txBody>
@@ -12092,7 +12067,7 @@
     </p:spTree>
     <p:extLst>
       <p:ext uri="{BB962C8B-B14F-4D97-AF65-F5344CB8AC3E}">
-        <p14:creationId xmlns:p14="http://schemas.microsoft.com/office/powerpoint/2010/main" val="826261873"/>
+        <p14:creationId xmlns:p14="http://schemas.microsoft.com/office/powerpoint/2010/main" val="3991596796"/>
       </p:ext>
     </p:extLst>
   </p:cSld>
@@ -12152,7 +12127,7 @@
             </a:pPr>
             <a:r>
               <a:rPr lang="de-DE" dirty="0"/>
-              <a:t> Kann nur für Kassen eingesetzt werden, die die fiskaltrust.Middleware benutzen.</a:t>
+              <a:t> Kann nur für Kassen eingesetzt werden, die die fiskaltrust.Middleware benutzen.</a:t>
             </a:r>
           </a:p>
           <a:p>
@@ -12162,7 +12137,7 @@
             </a:pPr>
             <a:r>
               <a:rPr lang="de-DE" dirty="0"/>
-              <a:t> Sendet automatisiert Meldungen an das Finanzamt sobald erforderlich.</a:t>
+              <a:t> Sorgt für die revisionssichere Archivierung der Kassendaten und der TSE Daten.</a:t>
             </a:r>
             <a:endParaRPr lang="de-DE" dirty="0">
               <a:cs typeface="Calibri"/>
@@ -12175,15 +12150,7 @@
             </a:pPr>
             <a:r>
               <a:rPr lang="de-DE" dirty="0"/>
-              <a:t>  Wird </a:t>
-            </a:r>
-            <a:r>
-              <a:rPr lang="de-DE" b="1" dirty="0"/>
-              <a:t>pro Kasse </a:t>
-            </a:r>
-            <a:r>
-              <a:rPr lang="de-DE" dirty="0"/>
-              <a:t>angeboten</a:t>
+              <a:t> Die Daten werden automatisch, ohne zutun des Betreibers von der fiskaltrust.Middleware hochgeladen.</a:t>
             </a:r>
             <a:endParaRPr lang="de-DE" dirty="0">
               <a:cs typeface="Calibri" panose="020F0502020204030204"/>
@@ -12194,35 +12161,141 @@
               <a:buFont typeface="Arial" panose="020B0604020202020204" pitchFamily="34" charset="0"/>
               <a:buChar char="•"/>
             </a:pPr>
+            <a:r>
+              <a:rPr lang="de-DE" dirty="0"/>
+              <a:t> Export: DSFinV-K Format, TSE TAR Files,  fiskaltrust Queue Items Journal und DFKA Format für die DATEV-Schnittstelle</a:t>
+            </a:r>
+          </a:p>
+          <a:p>
+            <a:pPr>
+              <a:buFont typeface="Arial" panose="020B0604020202020204" pitchFamily="34" charset="0"/>
+              <a:buChar char="•"/>
+            </a:pPr>
+            <a:r>
+              <a:rPr lang="de-DE" dirty="0">
+                <a:cs typeface="Calibri"/>
+              </a:rPr>
+              <a:t> Die Daten können über die DATEV Schnittstelle an DATEV automatisch, in regelmäßigen Abständen übertragen werden (im DFKA Format)</a:t>
+            </a:r>
+            <a:endParaRPr lang="de-DE" dirty="0"/>
+          </a:p>
+          <a:p>
+            <a:pPr>
+              <a:buFont typeface="Arial" panose="020B0604020202020204" pitchFamily="34" charset="0"/>
+              <a:buChar char="•"/>
+            </a:pPr>
+            <a:r>
+              <a:rPr lang="de-DE" dirty="0">
+                <a:cs typeface="Calibri"/>
+              </a:rPr>
+              <a:t> Die DSFinV-K und TAR Files können über die AKO API an AKO </a:t>
+            </a:r>
+            <a:r>
+              <a:rPr lang="de-DE" dirty="0"/>
+              <a:t>automatisch, in regelmäßigen Abständen </a:t>
+            </a:r>
+            <a:r>
+              <a:rPr lang="de-DE" dirty="0">
+                <a:cs typeface="Calibri"/>
+              </a:rPr>
+              <a:t>übertragen werden</a:t>
+            </a:r>
+          </a:p>
+          <a:p>
+            <a:pPr>
+              <a:buFont typeface="Arial" panose="020B0604020202020204" pitchFamily="34" charset="0"/>
+              <a:buChar char="•"/>
+            </a:pPr>
+            <a:r>
+              <a:rPr lang="de-DE" dirty="0"/>
+              <a:t> Wird </a:t>
+            </a:r>
+            <a:r>
+              <a:rPr lang="de-DE" b="1" dirty="0"/>
+              <a:t>pro Kasse </a:t>
+            </a:r>
+            <a:r>
+              <a:rPr lang="de-DE" dirty="0"/>
+              <a:t>(Queue) angeboten</a:t>
+            </a:r>
+          </a:p>
+          <a:p>
             <a:endParaRPr lang="de-DE" dirty="0">
               <a:cs typeface="Calibri" panose="020F0502020204030204"/>
             </a:endParaRPr>
           </a:p>
           <a:p>
+            <a:pPr>
+              <a:buFont typeface="Arial" panose="020B0604020202020204" pitchFamily="34" charset="0"/>
+            </a:pPr>
             <a:r>
               <a:rPr lang="de-DE" dirty="0">
                 <a:cs typeface="Calibri" panose="020F0502020204030204"/>
               </a:rPr>
-              <a:t>Vorteile:</a:t>
-            </a:r>
-          </a:p>
-          <a:p>
+              <a:t>Vorteile: </a:t>
+            </a:r>
+            <a:endParaRPr lang="de-DE" dirty="0"/>
+          </a:p>
+          <a:p>
+            <a:pPr>
+              <a:buFont typeface="Arial" panose="020B0604020202020204" pitchFamily="34" charset="0"/>
+              <a:buChar char="•"/>
+            </a:pPr>
+            <a:r>
+              <a:rPr lang="de-DE" dirty="0"/>
+              <a:t> Nachweis der Ordnungsmäßigkeit gegenüber der Finanzverwaltung</a:t>
+            </a:r>
+            <a:endParaRPr lang="de-DE" dirty="0">
+              <a:cs typeface="Calibri" panose="020F0502020204030204"/>
+            </a:endParaRPr>
+          </a:p>
+          <a:p>
+            <a:pPr>
+              <a:buFont typeface="Arial" panose="020B0604020202020204" pitchFamily="34" charset="0"/>
+              <a:buChar char="•"/>
+            </a:pPr>
+            <a:r>
+              <a:rPr lang="de-DE" dirty="0"/>
+              <a:t> Lösung für begrenzten Speicherplatz in Kassensystem und/oder TSE</a:t>
+            </a:r>
+            <a:endParaRPr lang="de-DE" dirty="0">
+              <a:cs typeface="Calibri" panose="020F0502020204030204"/>
+            </a:endParaRPr>
+          </a:p>
+          <a:p>
+            <a:pPr>
+              <a:buFont typeface="Arial" panose="020B0604020202020204" pitchFamily="34" charset="0"/>
+              <a:buChar char="•"/>
+            </a:pPr>
             <a:r>
               <a:rPr lang="de-DE" dirty="0">
                 <a:cs typeface="Calibri" panose="020F0502020204030204"/>
               </a:rPr>
-              <a:t>- Zeit und Kosteneinsparung (z.B. Steuerberaterkosten)</a:t>
-            </a:r>
-          </a:p>
-          <a:p>
+              <a:t> </a:t>
+            </a:r>
+            <a:r>
+              <a:rPr lang="de-DE" dirty="0"/>
+              <a:t>Vereinfachter Zugriff durch zentralisierte Datenhaltung</a:t>
+            </a:r>
+            <a:endParaRPr lang="de-DE" dirty="0">
+              <a:cs typeface="Calibri" panose="020F0502020204030204"/>
+            </a:endParaRPr>
+          </a:p>
+          <a:p>
+            <a:pPr>
+              <a:buFont typeface="Arial" panose="020B0604020202020204" pitchFamily="34" charset="0"/>
+              <a:buChar char="•"/>
+            </a:pPr>
             <a:r>
               <a:rPr lang="de-DE" dirty="0">
                 <a:cs typeface="Calibri" panose="020F0502020204030204"/>
               </a:rPr>
-              <a:t>- Automatisierter Prozess dadurch kommt kein Versäumnis oder Verspätung zu Stande</a:t>
-            </a:r>
-          </a:p>
-          <a:p>
+              <a:t> </a:t>
+            </a:r>
+            <a:r>
+              <a:rPr lang="de-DE" dirty="0"/>
+              <a:t>Möglicher Wegfall der Verpflichtung alte Kassensysteme bzw. TSEs über die Dauer der Aufbewahrungspflicht vorzuhalten. </a:t>
+            </a:r>
             <a:endParaRPr lang="en-US" dirty="0"/>
           </a:p>
         </p:txBody>
@@ -12253,7 +12326,7 @@
     </p:spTree>
     <p:extLst>
       <p:ext uri="{BB962C8B-B14F-4D97-AF65-F5344CB8AC3E}">
-        <p14:creationId xmlns:p14="http://schemas.microsoft.com/office/powerpoint/2010/main" val="756636306"/>
+        <p14:creationId xmlns:p14="http://schemas.microsoft.com/office/powerpoint/2010/main" val="826261873"/>
       </p:ext>
     </p:extLst>
   </p:cSld>
@@ -12313,7 +12386,7 @@
             </a:pPr>
             <a:r>
               <a:rPr lang="de-DE" dirty="0"/>
-              <a:t> Unabhängig vom Einsatz der fiskaltrust.Middleware</a:t>
+              <a:t> Kann nur für Kassen eingesetzt werden, die die fiskaltrust.Middleware benutzen.</a:t>
             </a:r>
           </a:p>
           <a:p>
@@ -12323,16 +12396,11 @@
             </a:pPr>
             <a:r>
               <a:rPr lang="de-DE" dirty="0"/>
-              <a:t> Sorgt für die revisionssichere Archivierung </a:t>
-            </a:r>
-            <a:r>
-              <a:rPr lang="de-DE" b="1" dirty="0"/>
-              <a:t>manuell</a:t>
-            </a:r>
-            <a:r>
-              <a:rPr lang="de-DE" dirty="0"/>
-              <a:t> hochgeladener Daten (DSFinV-K, TSE TAR Files, PDF Dateien).</a:t>
-            </a:r>
+              <a:t> Sendet automatisiert Meldungen an das Finanzamt sobald erforderlich (Anmelden Kasse-&gt;TSE, Ummelden Kasse-&gt;TSE, Abmelden Kasse-&gt;TSE)</a:t>
+            </a:r>
+            <a:endParaRPr lang="de-DE" dirty="0">
+              <a:cs typeface="Calibri"/>
+            </a:endParaRPr>
           </a:p>
           <a:p>
             <a:pPr>
@@ -12341,124 +12409,19 @@
             </a:pPr>
             <a:r>
               <a:rPr lang="de-DE" dirty="0"/>
-              <a:t> Bietet eine API zur Automatisierung des Upload</a:t>
-            </a:r>
-            <a:endParaRPr lang="de-DE" dirty="0">
-              <a:cs typeface="Calibri"/>
-            </a:endParaRPr>
-          </a:p>
-          <a:p>
-            <a:pPr>
-              <a:buFont typeface="Arial" panose="020B0604020202020204" pitchFamily="34" charset="0"/>
-              <a:buChar char="•"/>
-            </a:pPr>
+              <a:t>  Wird </a:t>
+            </a:r>
+            <a:r>
+              <a:rPr lang="de-DE" b="1" dirty="0"/>
+              <a:t>pro Kasse </a:t>
+            </a:r>
             <a:r>
               <a:rPr lang="de-DE" dirty="0"/>
-              <a:t> Die </a:t>
-            </a:r>
-            <a:r>
-              <a:rPr lang="de-DE" dirty="0" err="1"/>
-              <a:t>Uploadfunktionalität</a:t>
-            </a:r>
-            <a:r>
-              <a:rPr lang="de-DE" dirty="0"/>
-              <a:t> (File-Drop) ist auch als HTML Komponente leicht in die Webseite des Händlers integrierbar. Fiskaltrust stellt über </a:t>
-            </a:r>
-            <a:r>
-              <a:rPr lang="de-DE" dirty="0" err="1"/>
-              <a:t>github</a:t>
-            </a:r>
-            <a:r>
-              <a:rPr lang="de-DE" dirty="0"/>
-              <a:t> ein Source-Code Beispiel (HTML und JS) zur Verfügung. </a:t>
+              <a:t>angeboten</a:t>
             </a:r>
             <a:endParaRPr lang="de-DE" dirty="0">
               <a:cs typeface="Calibri" panose="020F0502020204030204"/>
             </a:endParaRPr>
-          </a:p>
-          <a:p>
-            <a:pPr>
-              <a:buFont typeface="Arial" panose="020B0604020202020204" pitchFamily="34" charset="0"/>
-              <a:buChar char="•"/>
-            </a:pPr>
-            <a:r>
-              <a:rPr lang="de-DE" dirty="0">
-                <a:cs typeface="Calibri" panose="020F0502020204030204"/>
-              </a:rPr>
-              <a:t> DSFinV-K und TSE TAR Files können ohne Login/Authentifizierung hochgeladen werden. Hierbei erkennt das AKO aus dem Inhalt der Files wie diese zugeordnet müssen. </a:t>
-            </a:r>
-          </a:p>
-          <a:p>
-            <a:pPr>
-              <a:buFont typeface="Arial" panose="020B0604020202020204" pitchFamily="34" charset="0"/>
-              <a:buChar char="•"/>
-            </a:pPr>
-            <a:r>
-              <a:rPr lang="de-DE" dirty="0">
-                <a:cs typeface="Calibri" panose="020F0502020204030204"/>
-              </a:rPr>
-              <a:t> Dadurch ist die Nutzung (der Upload) auch vor der Registrierung/Kauf möglich. Für den Zugriff auf die Daten muss das Produkt gekauft werden. </a:t>
-            </a:r>
-          </a:p>
-          <a:p>
-            <a:pPr>
-              <a:buFont typeface="Arial" panose="020B0604020202020204" pitchFamily="34" charset="0"/>
-              <a:buChar char="•"/>
-            </a:pPr>
-            <a:r>
-              <a:rPr lang="de-DE" dirty="0">
-                <a:cs typeface="Calibri" panose="020F0502020204030204"/>
-              </a:rPr>
-              <a:t> Mandantenfähiger</a:t>
-            </a:r>
-            <a:r>
-              <a:rPr lang="de-DE" dirty="0"/>
-              <a:t> Zugriff über WEB Portal</a:t>
-            </a:r>
-            <a:endParaRPr lang="de-DE" dirty="0">
-              <a:cs typeface="Calibri"/>
-            </a:endParaRPr>
-          </a:p>
-          <a:p>
-            <a:pPr>
-              <a:buFont typeface="Arial" panose="020B0604020202020204" pitchFamily="34" charset="0"/>
-              <a:buChar char="•"/>
-            </a:pPr>
-            <a:r>
-              <a:rPr lang="de-DE" dirty="0"/>
-              <a:t> Hochgeladene, externe DSFinV-K Dateien werden technisch validiert</a:t>
-            </a:r>
-          </a:p>
-          <a:p>
-            <a:pPr>
-              <a:buFont typeface="Arial" panose="020B0604020202020204" pitchFamily="34" charset="0"/>
-              <a:buChar char="•"/>
-            </a:pPr>
-            <a:r>
-              <a:rPr lang="de-DE" dirty="0"/>
-              <a:t>  Kann auch für Kassen eingesetzt werden, die die fiskaltrust.Middleware benutzen um PDF Dateien revisionssicher zu Archivieren (Verfahrensdokumentation, Speisekarten, etc.)</a:t>
-            </a:r>
-            <a:endParaRPr lang="de-DE" dirty="0">
-              <a:cs typeface="Calibri"/>
-            </a:endParaRPr>
-          </a:p>
-          <a:p>
-            <a:pPr>
-              <a:buFont typeface="Arial" panose="020B0604020202020204" pitchFamily="34" charset="0"/>
-              <a:buChar char="•"/>
-            </a:pPr>
-            <a:r>
-              <a:rPr lang="de-DE" dirty="0"/>
-              <a:t> Wird </a:t>
-            </a:r>
-            <a:r>
-              <a:rPr lang="de-DE" b="1" dirty="0"/>
-              <a:t>pro Filiale </a:t>
-            </a:r>
-            <a:r>
-              <a:rPr lang="de-DE" dirty="0"/>
-              <a:t>angeboten - deckt also alle Kassen der Filiale ab</a:t>
-            </a:r>
           </a:p>
           <a:p>
             <a:pPr>
@@ -12466,122 +12429,35 @@
               <a:buChar char="•"/>
             </a:pPr>
             <a:endParaRPr lang="de-DE" dirty="0">
-              <a:cs typeface="Calibri"/>
+              <a:cs typeface="Calibri" panose="020F0502020204030204"/>
             </a:endParaRPr>
           </a:p>
           <a:p>
             <a:r>
               <a:rPr lang="de-DE" dirty="0">
-                <a:cs typeface="Calibri"/>
+                <a:cs typeface="Calibri" panose="020F0502020204030204"/>
               </a:rPr>
               <a:t>Vorteile:</a:t>
             </a:r>
           </a:p>
           <a:p>
-            <a:pPr marL="171450" indent="-171450">
-              <a:buFont typeface="Arial,Sans-Serif"/>
-              <a:buChar char="•"/>
-            </a:pPr>
             <a:r>
               <a:rPr lang="de-DE" dirty="0">
-                <a:cs typeface="Calibri"/>
+                <a:cs typeface="Calibri" panose="020F0502020204030204"/>
               </a:rPr>
-              <a:t>Einfacher Upload der Daten</a:t>
-            </a:r>
-            <a:endParaRPr lang="de-DE" dirty="0"/>
-          </a:p>
-          <a:p>
-            <a:pPr marL="171450" indent="-171450">
-              <a:buFont typeface="Arial,Sans-Serif"/>
-              <a:buChar char="•"/>
-            </a:pPr>
+              <a:t>- Zeit und Kosteneinsparung (z.B. Steuerberaterkosten)</a:t>
+            </a:r>
+          </a:p>
+          <a:p>
             <a:r>
               <a:rPr lang="de-DE" dirty="0">
-                <a:cs typeface="Calibri"/>
+                <a:cs typeface="Calibri" panose="020F0502020204030204"/>
               </a:rPr>
-              <a:t>Händler-Branding und attraktiv in der Preisgestaltung</a:t>
-            </a:r>
-            <a:endParaRPr lang="de-DE" dirty="0"/>
-          </a:p>
-          <a:p>
-            <a:pPr marL="171450" indent="-171450">
-              <a:buFont typeface="Arial,Sans-Serif"/>
-              <a:buChar char="•"/>
-            </a:pPr>
-            <a:r>
-              <a:rPr lang="de-DE" dirty="0"/>
-              <a:t>Unabhängig von der eingesetzten </a:t>
-            </a:r>
-            <a:r>
-              <a:rPr lang="de-DE" dirty="0" err="1"/>
-              <a:t>Fiskalisierungslösung</a:t>
-            </a:r>
-            <a:endParaRPr lang="de-DE" dirty="0"/>
-          </a:p>
-          <a:p>
-            <a:pPr marL="171450" indent="-171450">
-              <a:buFont typeface="Arial,Sans-Serif"/>
-              <a:buChar char="•"/>
-            </a:pPr>
-            <a:r>
-              <a:rPr lang="de-DE" dirty="0">
-                <a:cs typeface="Calibri"/>
-              </a:rPr>
-              <a:t>Akzeptiert PDF Dateien (Verfahrensdokumentation, Speisekarten, etc.)</a:t>
-            </a:r>
-            <a:endParaRPr lang="de-DE" dirty="0"/>
-          </a:p>
-          <a:p>
-            <a:pPr marL="171450" indent="-171450">
-              <a:buFont typeface="Arial,Sans-Serif"/>
-              <a:buChar char="•"/>
-            </a:pPr>
-            <a:r>
-              <a:rPr lang="de-DE" dirty="0"/>
-              <a:t>Nachweis der Ordnungsmäßigkeit gegenüber der Finanzverwaltung</a:t>
-            </a:r>
-            <a:endParaRPr lang="de-DE" dirty="0">
-              <a:cs typeface="Calibri" panose="020F0502020204030204"/>
-            </a:endParaRPr>
-          </a:p>
-          <a:p>
-            <a:pPr marL="171450" indent="-171450">
-              <a:buFont typeface="Arial,Sans-Serif"/>
-              <a:buChar char="•"/>
-            </a:pPr>
-            <a:r>
-              <a:rPr lang="de-DE" dirty="0"/>
-              <a:t>Lösung für begrenzten Speicherplatz in Kassensystem und/oder TSE</a:t>
-            </a:r>
-            <a:endParaRPr lang="de-DE" dirty="0">
-              <a:cs typeface="Calibri" panose="020F0502020204030204"/>
-            </a:endParaRPr>
-          </a:p>
-          <a:p>
-            <a:pPr marL="171450" indent="-171450">
-              <a:buFont typeface="Arial,Sans-Serif"/>
-              <a:buChar char="•"/>
-            </a:pPr>
-            <a:r>
-              <a:rPr lang="de-DE" dirty="0"/>
-              <a:t>Vereinfachter Zugriff durch zentralisierte Datenhaltung</a:t>
-            </a:r>
-            <a:endParaRPr lang="de-DE" dirty="0">
-              <a:cs typeface="Calibri" panose="020F0502020204030204"/>
-            </a:endParaRPr>
-          </a:p>
-          <a:p>
-            <a:pPr marL="171450" indent="-171450">
-              <a:buFont typeface="Arial,Sans-Serif"/>
-              <a:buChar char="•"/>
-            </a:pPr>
-            <a:r>
-              <a:rPr lang="de-DE" dirty="0"/>
-              <a:t>Möglicher Wegfall der Verpflichtung alte Kassensysteme bzw. TSEs über die Dauer der Aufbewahrungspflicht vorzuhalten. </a:t>
-            </a:r>
-            <a:endParaRPr lang="de-DE" dirty="0">
-              <a:cs typeface="Calibri"/>
-            </a:endParaRPr>
+              <a:t>- Automatisierter Prozess dadurch kommt kein Versäumnis oder Verspätung zu Stande</a:t>
+            </a:r>
+          </a:p>
+          <a:p>
+            <a:endParaRPr lang="en-US" dirty="0"/>
           </a:p>
         </p:txBody>
       </p:sp>
@@ -12611,7 +12487,7 @@
     </p:spTree>
     <p:extLst>
       <p:ext uri="{BB962C8B-B14F-4D97-AF65-F5344CB8AC3E}">
-        <p14:creationId xmlns:p14="http://schemas.microsoft.com/office/powerpoint/2010/main" val="3771762237"/>
+        <p14:creationId xmlns:p14="http://schemas.microsoft.com/office/powerpoint/2010/main" val="756636306"/>
       </p:ext>
     </p:extLst>
   </p:cSld>
@@ -12671,7 +12547,7 @@
             </a:pPr>
             <a:r>
               <a:rPr lang="de-DE" dirty="0"/>
-              <a:t> Kann nur für Kassen eingesetzt werden, die die fiskaltrust.Middleware benutzen.</a:t>
+              <a:t> Unabhängig vom Einsatz der fiskaltrust.Middleware</a:t>
             </a:r>
           </a:p>
           <a:p>
@@ -12681,11 +12557,16 @@
             </a:pPr>
             <a:r>
               <a:rPr lang="de-DE" dirty="0"/>
-              <a:t> Sendet automatisiert Meldungen an das Finanzamt sobald erforderlich.</a:t>
-            </a:r>
-            <a:endParaRPr lang="de-DE" dirty="0">
-              <a:cs typeface="Calibri"/>
-            </a:endParaRPr>
+              <a:t> Sorgt für die revisionssichere Archivierung </a:t>
+            </a:r>
+            <a:r>
+              <a:rPr lang="de-DE" b="1" dirty="0"/>
+              <a:t>manuell</a:t>
+            </a:r>
+            <a:r>
+              <a:rPr lang="de-DE" dirty="0"/>
+              <a:t> hochgeladener Daten (DSFinV-K, TSE TAR Files, PDF Dateien).</a:t>
+            </a:r>
           </a:p>
           <a:p>
             <a:pPr>
@@ -12694,19 +12575,124 @@
             </a:pPr>
             <a:r>
               <a:rPr lang="de-DE" dirty="0"/>
-              <a:t>  Wird </a:t>
-            </a:r>
-            <a:r>
-              <a:rPr lang="de-DE" b="1" dirty="0"/>
-              <a:t>pro Kasse </a:t>
-            </a:r>
+              <a:t> Bietet eine API zur Automatisierung des Upload</a:t>
+            </a:r>
+            <a:endParaRPr lang="de-DE" dirty="0">
+              <a:cs typeface="Calibri"/>
+            </a:endParaRPr>
+          </a:p>
+          <a:p>
+            <a:pPr>
+              <a:buFont typeface="Arial" panose="020B0604020202020204" pitchFamily="34" charset="0"/>
+              <a:buChar char="•"/>
+            </a:pPr>
             <a:r>
               <a:rPr lang="de-DE" dirty="0"/>
-              <a:t>angeboten</a:t>
+              <a:t> Die </a:t>
+            </a:r>
+            <a:r>
+              <a:rPr lang="de-DE" dirty="0" err="1"/>
+              <a:t>Uploadfunktionalität</a:t>
+            </a:r>
+            <a:r>
+              <a:rPr lang="de-DE" dirty="0"/>
+              <a:t> (File-Drop) ist auch als HTML Komponente leicht in die Webseite des Händlers integrierbar. Fiskaltrust stellt über </a:t>
+            </a:r>
+            <a:r>
+              <a:rPr lang="de-DE" dirty="0" err="1"/>
+              <a:t>github</a:t>
+            </a:r>
+            <a:r>
+              <a:rPr lang="de-DE" dirty="0"/>
+              <a:t> ein Source-Code Beispiel (HTML und JS) zur Verfügung. </a:t>
             </a:r>
             <a:endParaRPr lang="de-DE" dirty="0">
               <a:cs typeface="Calibri" panose="020F0502020204030204"/>
             </a:endParaRPr>
+          </a:p>
+          <a:p>
+            <a:pPr>
+              <a:buFont typeface="Arial" panose="020B0604020202020204" pitchFamily="34" charset="0"/>
+              <a:buChar char="•"/>
+            </a:pPr>
+            <a:r>
+              <a:rPr lang="de-DE" dirty="0">
+                <a:cs typeface="Calibri" panose="020F0502020204030204"/>
+              </a:rPr>
+              <a:t> DSFinV-K und TSE TAR Files können ohne Login/Authentifizierung hochgeladen werden. Hierbei erkennt das AKO aus dem Inhalt der Files wie diese zugeordnet müssen. </a:t>
+            </a:r>
+          </a:p>
+          <a:p>
+            <a:pPr>
+              <a:buFont typeface="Arial" panose="020B0604020202020204" pitchFamily="34" charset="0"/>
+              <a:buChar char="•"/>
+            </a:pPr>
+            <a:r>
+              <a:rPr lang="de-DE" dirty="0">
+                <a:cs typeface="Calibri" panose="020F0502020204030204"/>
+              </a:rPr>
+              <a:t> Dadurch ist die Nutzung (der Upload) auch vor der Registrierung/Kauf möglich. Für den Zugriff auf die Daten muss das Produkt gekauft werden. </a:t>
+            </a:r>
+          </a:p>
+          <a:p>
+            <a:pPr>
+              <a:buFont typeface="Arial" panose="020B0604020202020204" pitchFamily="34" charset="0"/>
+              <a:buChar char="•"/>
+            </a:pPr>
+            <a:r>
+              <a:rPr lang="de-DE" dirty="0">
+                <a:cs typeface="Calibri" panose="020F0502020204030204"/>
+              </a:rPr>
+              <a:t> Mandantenfähiger</a:t>
+            </a:r>
+            <a:r>
+              <a:rPr lang="de-DE" dirty="0"/>
+              <a:t> Zugriff über WEB Portal</a:t>
+            </a:r>
+            <a:endParaRPr lang="de-DE" dirty="0">
+              <a:cs typeface="Calibri"/>
+            </a:endParaRPr>
+          </a:p>
+          <a:p>
+            <a:pPr>
+              <a:buFont typeface="Arial" panose="020B0604020202020204" pitchFamily="34" charset="0"/>
+              <a:buChar char="•"/>
+            </a:pPr>
+            <a:r>
+              <a:rPr lang="de-DE" dirty="0"/>
+              <a:t> Hochgeladene, externe DSFinV-K Dateien werden technisch validiert</a:t>
+            </a:r>
+          </a:p>
+          <a:p>
+            <a:pPr>
+              <a:buFont typeface="Arial" panose="020B0604020202020204" pitchFamily="34" charset="0"/>
+              <a:buChar char="•"/>
+            </a:pPr>
+            <a:r>
+              <a:rPr lang="de-DE" dirty="0"/>
+              <a:t>  Kann auch für Kassen eingesetzt werden, die die fiskaltrust.Middleware benutzen um PDF Dateien revisionssicher zu Archivieren (Verfahrensdokumentation, Speisekarten, etc.)</a:t>
+            </a:r>
+            <a:endParaRPr lang="de-DE" dirty="0">
+              <a:cs typeface="Calibri"/>
+            </a:endParaRPr>
+          </a:p>
+          <a:p>
+            <a:pPr>
+              <a:buFont typeface="Arial" panose="020B0604020202020204" pitchFamily="34" charset="0"/>
+              <a:buChar char="•"/>
+            </a:pPr>
+            <a:r>
+              <a:rPr lang="de-DE" dirty="0"/>
+              <a:t> Wird </a:t>
+            </a:r>
+            <a:r>
+              <a:rPr lang="de-DE" b="1" dirty="0"/>
+              <a:t>pro Filiale </a:t>
+            </a:r>
+            <a:r>
+              <a:rPr lang="de-DE" dirty="0"/>
+              <a:t>angeboten - deckt also alle Kassen der Filiale ab</a:t>
+            </a:r>
           </a:p>
           <a:p>
             <a:pPr>
@@ -12714,35 +12700,122 @@
               <a:buChar char="•"/>
             </a:pPr>
             <a:endParaRPr lang="de-DE" dirty="0">
+              <a:cs typeface="Calibri"/>
+            </a:endParaRPr>
+          </a:p>
+          <a:p>
+            <a:r>
+              <a:rPr lang="de-DE" dirty="0">
+                <a:cs typeface="Calibri"/>
+              </a:rPr>
+              <a:t>Vorteile:</a:t>
+            </a:r>
+          </a:p>
+          <a:p>
+            <a:pPr marL="171450" indent="-171450">
+              <a:buFont typeface="Arial,Sans-Serif"/>
+              <a:buChar char="•"/>
+            </a:pPr>
+            <a:r>
+              <a:rPr lang="de-DE" dirty="0">
+                <a:cs typeface="Calibri"/>
+              </a:rPr>
+              <a:t>Einfacher Upload der Daten</a:t>
+            </a:r>
+            <a:endParaRPr lang="de-DE" dirty="0"/>
+          </a:p>
+          <a:p>
+            <a:pPr marL="171450" indent="-171450">
+              <a:buFont typeface="Arial,Sans-Serif"/>
+              <a:buChar char="•"/>
+            </a:pPr>
+            <a:r>
+              <a:rPr lang="de-DE" dirty="0">
+                <a:cs typeface="Calibri"/>
+              </a:rPr>
+              <a:t>Händler-Branding und attraktiv in der Preisgestaltung</a:t>
+            </a:r>
+            <a:endParaRPr lang="de-DE" dirty="0"/>
+          </a:p>
+          <a:p>
+            <a:pPr marL="171450" indent="-171450">
+              <a:buFont typeface="Arial,Sans-Serif"/>
+              <a:buChar char="•"/>
+            </a:pPr>
+            <a:r>
+              <a:rPr lang="de-DE" dirty="0"/>
+              <a:t>Unabhängig von der eingesetzten </a:t>
+            </a:r>
+            <a:r>
+              <a:rPr lang="de-DE" dirty="0" err="1"/>
+              <a:t>Fiskalisierungslösung</a:t>
+            </a:r>
+            <a:endParaRPr lang="de-DE" dirty="0"/>
+          </a:p>
+          <a:p>
+            <a:pPr marL="171450" indent="-171450">
+              <a:buFont typeface="Arial,Sans-Serif"/>
+              <a:buChar char="•"/>
+            </a:pPr>
+            <a:r>
+              <a:rPr lang="de-DE" dirty="0">
+                <a:cs typeface="Calibri"/>
+              </a:rPr>
+              <a:t>Akzeptiert PDF Dateien (Verfahrensdokumentation, Speisekarten, etc.)</a:t>
+            </a:r>
+            <a:endParaRPr lang="de-DE" dirty="0"/>
+          </a:p>
+          <a:p>
+            <a:pPr marL="171450" indent="-171450">
+              <a:buFont typeface="Arial,Sans-Serif"/>
+              <a:buChar char="•"/>
+            </a:pPr>
+            <a:r>
+              <a:rPr lang="de-DE" dirty="0"/>
+              <a:t>Nachweis der Ordnungsmäßigkeit gegenüber der Finanzverwaltung</a:t>
+            </a:r>
+            <a:endParaRPr lang="de-DE" dirty="0">
               <a:cs typeface="Calibri" panose="020F0502020204030204"/>
             </a:endParaRPr>
           </a:p>
           <a:p>
-            <a:r>
-              <a:rPr lang="de-DE" dirty="0">
-                <a:cs typeface="Calibri" panose="020F0502020204030204"/>
-              </a:rPr>
-              <a:t>Vorteile:</a:t>
-            </a:r>
-          </a:p>
-          <a:p>
-            <a:r>
-              <a:rPr lang="de-DE" dirty="0">
-                <a:cs typeface="Calibri" panose="020F0502020204030204"/>
-              </a:rPr>
-              <a:t>- Zeit und Kosteneinsparung (z.B. Steuerberaterkosten)</a:t>
-            </a:r>
-          </a:p>
-          <a:p>
-            <a:r>
-              <a:rPr lang="de-DE" dirty="0">
-                <a:cs typeface="Calibri" panose="020F0502020204030204"/>
-              </a:rPr>
-              <a:t>- Automatisierter Prozess dadurch kommt kein Versäumnis oder Verspätung zu Stande</a:t>
-            </a:r>
-          </a:p>
-          <a:p>
-            <a:endParaRPr lang="en-US" dirty="0"/>
+            <a:pPr marL="171450" indent="-171450">
+              <a:buFont typeface="Arial,Sans-Serif"/>
+              <a:buChar char="•"/>
+            </a:pPr>
+            <a:r>
+              <a:rPr lang="de-DE" dirty="0"/>
+              <a:t>Lösung für begrenzten Speicherplatz in Kassensystem und/oder TSE</a:t>
+            </a:r>
+            <a:endParaRPr lang="de-DE" dirty="0">
+              <a:cs typeface="Calibri" panose="020F0502020204030204"/>
+            </a:endParaRPr>
+          </a:p>
+          <a:p>
+            <a:pPr marL="171450" indent="-171450">
+              <a:buFont typeface="Arial,Sans-Serif"/>
+              <a:buChar char="•"/>
+            </a:pPr>
+            <a:r>
+              <a:rPr lang="de-DE" dirty="0"/>
+              <a:t>Vereinfachter Zugriff durch zentralisierte Datenhaltung</a:t>
+            </a:r>
+            <a:endParaRPr lang="de-DE" dirty="0">
+              <a:cs typeface="Calibri" panose="020F0502020204030204"/>
+            </a:endParaRPr>
+          </a:p>
+          <a:p>
+            <a:pPr marL="171450" indent="-171450">
+              <a:buFont typeface="Arial,Sans-Serif"/>
+              <a:buChar char="•"/>
+            </a:pPr>
+            <a:r>
+              <a:rPr lang="de-DE" dirty="0"/>
+              <a:t>Möglicher Wegfall der Verpflichtung alte Kassensysteme bzw. TSEs über die Dauer der Aufbewahrungspflicht vorzuhalten. </a:t>
+            </a:r>
+            <a:endParaRPr lang="de-DE" dirty="0">
+              <a:cs typeface="Calibri"/>
+            </a:endParaRPr>
           </a:p>
         </p:txBody>
       </p:sp>
@@ -12772,7 +12845,7 @@
     </p:spTree>
     <p:extLst>
       <p:ext uri="{BB962C8B-B14F-4D97-AF65-F5344CB8AC3E}">
-        <p14:creationId xmlns:p14="http://schemas.microsoft.com/office/powerpoint/2010/main" val="4061718064"/>
+        <p14:creationId xmlns:p14="http://schemas.microsoft.com/office/powerpoint/2010/main" val="3771762237"/>
       </p:ext>
     </p:extLst>
   </p:cSld>
@@ -13119,7 +13192,7 @@
             <a:fld id="{F9CF9B13-D011-40B4-B116-4AFF51B22AA5}" type="datetime1">
               <a:rPr lang="de-DE" smtClean="0"/>
               <a:pPr/>
-              <a:t>24.09.20</a:t>
+              <a:t>06.10.20</a:t>
             </a:fld>
             <a:r>
               <a:rPr lang="de-DE"/>
@@ -13479,7 +13552,7 @@
             <a:fld id="{F9CF9B13-D011-40B4-B116-4AFF51B22AA5}" type="datetime1">
               <a:rPr lang="de-DE" smtClean="0"/>
               <a:pPr/>
-              <a:t>24.09.20</a:t>
+              <a:t>06.10.20</a:t>
             </a:fld>
             <a:r>
               <a:rPr lang="de-DE"/>
@@ -13701,7 +13774,7 @@
             <a:fld id="{EDCB950E-FDB1-4BA4-AE2E-92802DA17835}" type="datetime1">
               <a:rPr lang="de-DE" smtClean="0"/>
               <a:pPr/>
-              <a:t>24.09.20</a:t>
+              <a:t>06.10.20</a:t>
             </a:fld>
             <a:endParaRPr lang="de-DE"/>
           </a:p>
@@ -14159,7 +14232,7 @@
           <a:p>
             <a:fld id="{EA38D6C4-32A5-4B1B-BEC5-546FAB3E61DF}" type="datetime1">
               <a:rPr lang="de-DE" smtClean="0"/>
-              <a:t>24.09.20</a:t>
+              <a:t>06.10.20</a:t>
             </a:fld>
             <a:endParaRPr lang="de-DE"/>
           </a:p>
@@ -14671,7 +14744,7 @@
             <a:fld id="{F9CF9B13-D011-40B4-B116-4AFF51B22AA5}" type="datetime1">
               <a:rPr lang="de-DE"/>
               <a:pPr/>
-              <a:t>24.09.20</a:t>
+              <a:t>06.10.20</a:t>
             </a:fld>
             <a:r>
               <a:rPr lang="de-DE"/>
@@ -14746,7 +14819,7 @@
               <a:rPr lang="de-AT" dirty="0">
                 <a:latin typeface="Klavika Regular Plain" panose="02000506040000020004" pitchFamily="2" charset="77"/>
               </a:rPr>
-              <a:t>Add-On Produkt Finanzamtmeldungen</a:t>
+              <a:t>Add-On Produkt POS Archiv</a:t>
             </a:r>
           </a:p>
         </p:txBody>
@@ -14769,17 +14842,10 @@
         </p:nvSpPr>
         <p:spPr/>
         <p:txBody>
-          <a:bodyPr/>
+          <a:bodyPr>
+            <a:normAutofit fontScale="85000" lnSpcReduction="20000"/>
+          </a:bodyPr>
           <a:lstStyle/>
-          <a:p>
-            <a:pPr marL="0" indent="0">
-              <a:buNone/>
-            </a:pPr>
-            <a:endParaRPr lang="de-AT" dirty="0">
-              <a:latin typeface="Roboto" panose="02000000000000000000" pitchFamily="2" charset="0"/>
-              <a:ea typeface="Roboto" panose="02000000000000000000" pitchFamily="2" charset="0"/>
-            </a:endParaRPr>
-          </a:p>
           <a:p>
             <a:r>
               <a:rPr lang="de-AT" dirty="0">
@@ -14795,7 +14861,94 @@
                 <a:latin typeface="Roboto" panose="02000000000000000000" pitchFamily="2" charset="0"/>
                 <a:ea typeface="Roboto" panose="02000000000000000000" pitchFamily="2" charset="0"/>
               </a:rPr>
-              <a:t>Sendet automatisiert Meldungen an das Finanzamt</a:t>
+              <a:t>Revisionssichere Archivierung der Kassendaten und der TSE Daten.</a:t>
+            </a:r>
+          </a:p>
+          <a:p>
+            <a:r>
+              <a:rPr lang="de-AT" dirty="0">
+                <a:latin typeface="Roboto" panose="02000000000000000000" pitchFamily="2" charset="0"/>
+                <a:ea typeface="Roboto" panose="02000000000000000000" pitchFamily="2" charset="0"/>
+              </a:rPr>
+              <a:t>automatisch</a:t>
+            </a:r>
+          </a:p>
+          <a:p>
+            <a:r>
+              <a:rPr lang="de-AT" dirty="0">
+                <a:latin typeface="Roboto" panose="02000000000000000000" pitchFamily="2" charset="0"/>
+                <a:ea typeface="Roboto" panose="02000000000000000000" pitchFamily="2" charset="0"/>
+              </a:rPr>
+              <a:t>Export: </a:t>
+            </a:r>
+          </a:p>
+          <a:p>
+            <a:pPr lvl="1"/>
+            <a:r>
+              <a:rPr lang="de-AT" dirty="0">
+                <a:latin typeface="Roboto" panose="02000000000000000000" pitchFamily="2" charset="0"/>
+                <a:ea typeface="Roboto" panose="02000000000000000000" pitchFamily="2" charset="0"/>
+              </a:rPr>
+              <a:t>DSFinV-K (auch Standortübergreifend)</a:t>
+            </a:r>
+          </a:p>
+          <a:p>
+            <a:pPr lvl="1"/>
+            <a:r>
+              <a:rPr lang="de-AT" dirty="0">
+                <a:latin typeface="Roboto" panose="02000000000000000000" pitchFamily="2" charset="0"/>
+                <a:ea typeface="Roboto" panose="02000000000000000000" pitchFamily="2" charset="0"/>
+              </a:rPr>
+              <a:t>TSE TAR</a:t>
+            </a:r>
+          </a:p>
+          <a:p>
+            <a:pPr lvl="1"/>
+            <a:r>
+              <a:rPr lang="de-AT" dirty="0">
+                <a:latin typeface="Roboto" panose="02000000000000000000" pitchFamily="2" charset="0"/>
+                <a:ea typeface="Roboto" panose="02000000000000000000" pitchFamily="2" charset="0"/>
+              </a:rPr>
+              <a:t>fiskaltrust Queue Items Journal</a:t>
+            </a:r>
+          </a:p>
+          <a:p>
+            <a:pPr lvl="1"/>
+            <a:r>
+              <a:rPr lang="de-AT" dirty="0">
+                <a:latin typeface="Roboto" panose="02000000000000000000" pitchFamily="2" charset="0"/>
+                <a:ea typeface="Roboto" panose="02000000000000000000" pitchFamily="2" charset="0"/>
+              </a:rPr>
+              <a:t>DFKA Format für DATEV-Schnittstelle</a:t>
+            </a:r>
+          </a:p>
+          <a:p>
+            <a:r>
+              <a:rPr lang="de-AT" dirty="0">
+                <a:latin typeface="Roboto" panose="02000000000000000000" pitchFamily="2" charset="0"/>
+                <a:ea typeface="Roboto" panose="02000000000000000000" pitchFamily="2" charset="0"/>
+              </a:rPr>
+              <a:t>Datenübertragung (Server zu Server):</a:t>
+            </a:r>
+          </a:p>
+          <a:p>
+            <a:pPr lvl="1"/>
+            <a:r>
+              <a:rPr lang="de-AT" dirty="0">
+                <a:latin typeface="Roboto" panose="02000000000000000000" pitchFamily="2" charset="0"/>
+                <a:ea typeface="Roboto" panose="02000000000000000000" pitchFamily="2" charset="0"/>
+              </a:rPr>
+              <a:t>DATEV</a:t>
+            </a:r>
+          </a:p>
+          <a:p>
+            <a:pPr lvl="1"/>
+            <a:r>
+              <a:rPr lang="de-AT" dirty="0">
+                <a:latin typeface="Roboto" panose="02000000000000000000" pitchFamily="2" charset="0"/>
+                <a:ea typeface="Roboto" panose="02000000000000000000" pitchFamily="2" charset="0"/>
+              </a:rPr>
+              <a:t>AKO</a:t>
             </a:r>
           </a:p>
           <a:p>
@@ -14804,7 +14957,14 @@
                 <a:latin typeface="Roboto" panose="02000000000000000000" pitchFamily="2" charset="0"/>
                 <a:ea typeface="Roboto" panose="02000000000000000000" pitchFamily="2" charset="0"/>
               </a:rPr>
-              <a:t>Pro Kasse</a:t>
+              <a:t>Pro Kasse </a:t>
+            </a:r>
+            <a:r>
+              <a:rPr lang="de-AT" dirty="0">
+                <a:latin typeface="Roboto" panose="02000000000000000000" pitchFamily="2" charset="0"/>
+                <a:ea typeface="Roboto" panose="02000000000000000000" pitchFamily="2" charset="0"/>
+              </a:rPr>
+              <a:t>(Queue)</a:t>
             </a:r>
           </a:p>
         </p:txBody>
@@ -14837,7 +14997,7 @@
             <a:fld id="{F9CF9B13-D011-40B4-B116-4AFF51B22AA5}" type="datetime1">
               <a:rPr lang="de-DE" smtClean="0"/>
               <a:pPr/>
-              <a:t>24.09.20</a:t>
+              <a:t>06.10.20</a:t>
             </a:fld>
             <a:r>
               <a:rPr lang="de-DE"/>
@@ -14855,13 +15015,526 @@
     </p:spTree>
     <p:extLst>
       <p:ext uri="{BB962C8B-B14F-4D97-AF65-F5344CB8AC3E}">
-        <p14:creationId xmlns:p14="http://schemas.microsoft.com/office/powerpoint/2010/main" val="4242394391"/>
+        <p14:creationId xmlns:p14="http://schemas.microsoft.com/office/powerpoint/2010/main" val="1381678749"/>
       </p:ext>
     </p:extLst>
   </p:cSld>
   <p:clrMapOvr>
     <a:masterClrMapping/>
   </p:clrMapOvr>
+  <p:timing>
+    <p:tnLst>
+      <p:par>
+        <p:cTn id="1" dur="indefinite" restart="never" nodeType="tmRoot">
+          <p:childTnLst>
+            <p:seq concurrent="1" nextAc="seek">
+              <p:cTn id="2" dur="indefinite" nodeType="mainSeq">
+                <p:childTnLst>
+                  <p:par>
+                    <p:cTn id="3" fill="hold">
+                      <p:stCondLst>
+                        <p:cond delay="indefinite"/>
+                      </p:stCondLst>
+                      <p:childTnLst>
+                        <p:par>
+                          <p:cTn id="4" fill="hold">
+                            <p:stCondLst>
+                              <p:cond delay="0"/>
+                            </p:stCondLst>
+                            <p:childTnLst>
+                              <p:par>
+                                <p:cTn id="5" presetID="1" presetClass="entr" presetSubtype="0" fill="hold" grpId="0" nodeType="clickEffect">
+                                  <p:stCondLst>
+                                    <p:cond delay="0"/>
+                                  </p:stCondLst>
+                                  <p:childTnLst>
+                                    <p:set>
+                                      <p:cBhvr>
+                                        <p:cTn id="6" dur="1" fill="hold">
+                                          <p:stCondLst>
+                                            <p:cond delay="0"/>
+                                          </p:stCondLst>
+                                        </p:cTn>
+                                        <p:tgtEl>
+                                          <p:spTgt spid="6">
+                                            <p:txEl>
+                                              <p:pRg st="0" end="0"/>
+                                            </p:txEl>
+                                          </p:spTgt>
+                                        </p:tgtEl>
+                                        <p:attrNameLst>
+                                          <p:attrName>style.visibility</p:attrName>
+                                        </p:attrNameLst>
+                                      </p:cBhvr>
+                                      <p:to>
+                                        <p:strVal val="visible"/>
+                                      </p:to>
+                                    </p:set>
+                                  </p:childTnLst>
+                                </p:cTn>
+                              </p:par>
+                            </p:childTnLst>
+                          </p:cTn>
+                        </p:par>
+                      </p:childTnLst>
+                    </p:cTn>
+                  </p:par>
+                  <p:par>
+                    <p:cTn id="7" fill="hold">
+                      <p:stCondLst>
+                        <p:cond delay="indefinite"/>
+                      </p:stCondLst>
+                      <p:childTnLst>
+                        <p:par>
+                          <p:cTn id="8" fill="hold">
+                            <p:stCondLst>
+                              <p:cond delay="0"/>
+                            </p:stCondLst>
+                            <p:childTnLst>
+                              <p:par>
+                                <p:cTn id="9" presetID="1" presetClass="entr" presetSubtype="0" fill="hold" grpId="0" nodeType="clickEffect">
+                                  <p:stCondLst>
+                                    <p:cond delay="0"/>
+                                  </p:stCondLst>
+                                  <p:childTnLst>
+                                    <p:set>
+                                      <p:cBhvr>
+                                        <p:cTn id="10" dur="1" fill="hold">
+                                          <p:stCondLst>
+                                            <p:cond delay="0"/>
+                                          </p:stCondLst>
+                                        </p:cTn>
+                                        <p:tgtEl>
+                                          <p:spTgt spid="6">
+                                            <p:txEl>
+                                              <p:pRg st="1" end="1"/>
+                                            </p:txEl>
+                                          </p:spTgt>
+                                        </p:tgtEl>
+                                        <p:attrNameLst>
+                                          <p:attrName>style.visibility</p:attrName>
+                                        </p:attrNameLst>
+                                      </p:cBhvr>
+                                      <p:to>
+                                        <p:strVal val="visible"/>
+                                      </p:to>
+                                    </p:set>
+                                  </p:childTnLst>
+                                </p:cTn>
+                              </p:par>
+                            </p:childTnLst>
+                          </p:cTn>
+                        </p:par>
+                      </p:childTnLst>
+                    </p:cTn>
+                  </p:par>
+                  <p:par>
+                    <p:cTn id="11" fill="hold">
+                      <p:stCondLst>
+                        <p:cond delay="indefinite"/>
+                      </p:stCondLst>
+                      <p:childTnLst>
+                        <p:par>
+                          <p:cTn id="12" fill="hold">
+                            <p:stCondLst>
+                              <p:cond delay="0"/>
+                            </p:stCondLst>
+                            <p:childTnLst>
+                              <p:par>
+                                <p:cTn id="13" presetID="1" presetClass="entr" presetSubtype="0" fill="hold" grpId="0" nodeType="clickEffect">
+                                  <p:stCondLst>
+                                    <p:cond delay="0"/>
+                                  </p:stCondLst>
+                                  <p:childTnLst>
+                                    <p:set>
+                                      <p:cBhvr>
+                                        <p:cTn id="14" dur="1" fill="hold">
+                                          <p:stCondLst>
+                                            <p:cond delay="0"/>
+                                          </p:stCondLst>
+                                        </p:cTn>
+                                        <p:tgtEl>
+                                          <p:spTgt spid="6">
+                                            <p:txEl>
+                                              <p:pRg st="2" end="2"/>
+                                            </p:txEl>
+                                          </p:spTgt>
+                                        </p:tgtEl>
+                                        <p:attrNameLst>
+                                          <p:attrName>style.visibility</p:attrName>
+                                        </p:attrNameLst>
+                                      </p:cBhvr>
+                                      <p:to>
+                                        <p:strVal val="visible"/>
+                                      </p:to>
+                                    </p:set>
+                                  </p:childTnLst>
+                                </p:cTn>
+                              </p:par>
+                            </p:childTnLst>
+                          </p:cTn>
+                        </p:par>
+                      </p:childTnLst>
+                    </p:cTn>
+                  </p:par>
+                  <p:par>
+                    <p:cTn id="15" fill="hold">
+                      <p:stCondLst>
+                        <p:cond delay="indefinite"/>
+                      </p:stCondLst>
+                      <p:childTnLst>
+                        <p:par>
+                          <p:cTn id="16" fill="hold">
+                            <p:stCondLst>
+                              <p:cond delay="0"/>
+                            </p:stCondLst>
+                            <p:childTnLst>
+                              <p:par>
+                                <p:cTn id="17" presetID="1" presetClass="entr" presetSubtype="0" fill="hold" grpId="0" nodeType="clickEffect">
+                                  <p:stCondLst>
+                                    <p:cond delay="0"/>
+                                  </p:stCondLst>
+                                  <p:childTnLst>
+                                    <p:set>
+                                      <p:cBhvr>
+                                        <p:cTn id="18" dur="1" fill="hold">
+                                          <p:stCondLst>
+                                            <p:cond delay="0"/>
+                                          </p:stCondLst>
+                                        </p:cTn>
+                                        <p:tgtEl>
+                                          <p:spTgt spid="6">
+                                            <p:txEl>
+                                              <p:pRg st="3" end="3"/>
+                                            </p:txEl>
+                                          </p:spTgt>
+                                        </p:tgtEl>
+                                        <p:attrNameLst>
+                                          <p:attrName>style.visibility</p:attrName>
+                                        </p:attrNameLst>
+                                      </p:cBhvr>
+                                      <p:to>
+                                        <p:strVal val="visible"/>
+                                      </p:to>
+                                    </p:set>
+                                  </p:childTnLst>
+                                </p:cTn>
+                              </p:par>
+                              <p:par>
+                                <p:cTn id="19" presetID="1" presetClass="entr" presetSubtype="0" fill="hold" grpId="0" nodeType="withEffect">
+                                  <p:stCondLst>
+                                    <p:cond delay="0"/>
+                                  </p:stCondLst>
+                                  <p:childTnLst>
+                                    <p:set>
+                                      <p:cBhvr>
+                                        <p:cTn id="20" dur="1" fill="hold">
+                                          <p:stCondLst>
+                                            <p:cond delay="0"/>
+                                          </p:stCondLst>
+                                        </p:cTn>
+                                        <p:tgtEl>
+                                          <p:spTgt spid="6">
+                                            <p:txEl>
+                                              <p:pRg st="4" end="4"/>
+                                            </p:txEl>
+                                          </p:spTgt>
+                                        </p:tgtEl>
+                                        <p:attrNameLst>
+                                          <p:attrName>style.visibility</p:attrName>
+                                        </p:attrNameLst>
+                                      </p:cBhvr>
+                                      <p:to>
+                                        <p:strVal val="visible"/>
+                                      </p:to>
+                                    </p:set>
+                                  </p:childTnLst>
+                                </p:cTn>
+                              </p:par>
+                              <p:par>
+                                <p:cTn id="21" presetID="1" presetClass="entr" presetSubtype="0" fill="hold" grpId="0" nodeType="withEffect">
+                                  <p:stCondLst>
+                                    <p:cond delay="0"/>
+                                  </p:stCondLst>
+                                  <p:childTnLst>
+                                    <p:set>
+                                      <p:cBhvr>
+                                        <p:cTn id="22" dur="1" fill="hold">
+                                          <p:stCondLst>
+                                            <p:cond delay="0"/>
+                                          </p:stCondLst>
+                                        </p:cTn>
+                                        <p:tgtEl>
+                                          <p:spTgt spid="6">
+                                            <p:txEl>
+                                              <p:pRg st="5" end="5"/>
+                                            </p:txEl>
+                                          </p:spTgt>
+                                        </p:tgtEl>
+                                        <p:attrNameLst>
+                                          <p:attrName>style.visibility</p:attrName>
+                                        </p:attrNameLst>
+                                      </p:cBhvr>
+                                      <p:to>
+                                        <p:strVal val="visible"/>
+                                      </p:to>
+                                    </p:set>
+                                  </p:childTnLst>
+                                </p:cTn>
+                              </p:par>
+                              <p:par>
+                                <p:cTn id="23" presetID="1" presetClass="entr" presetSubtype="0" fill="hold" grpId="0" nodeType="withEffect">
+                                  <p:stCondLst>
+                                    <p:cond delay="0"/>
+                                  </p:stCondLst>
+                                  <p:childTnLst>
+                                    <p:set>
+                                      <p:cBhvr>
+                                        <p:cTn id="24" dur="1" fill="hold">
+                                          <p:stCondLst>
+                                            <p:cond delay="0"/>
+                                          </p:stCondLst>
+                                        </p:cTn>
+                                        <p:tgtEl>
+                                          <p:spTgt spid="6">
+                                            <p:txEl>
+                                              <p:pRg st="6" end="6"/>
+                                            </p:txEl>
+                                          </p:spTgt>
+                                        </p:tgtEl>
+                                        <p:attrNameLst>
+                                          <p:attrName>style.visibility</p:attrName>
+                                        </p:attrNameLst>
+                                      </p:cBhvr>
+                                      <p:to>
+                                        <p:strVal val="visible"/>
+                                      </p:to>
+                                    </p:set>
+                                  </p:childTnLst>
+                                </p:cTn>
+                              </p:par>
+                              <p:par>
+                                <p:cTn id="25" presetID="1" presetClass="entr" presetSubtype="0" fill="hold" grpId="0" nodeType="withEffect">
+                                  <p:stCondLst>
+                                    <p:cond delay="0"/>
+                                  </p:stCondLst>
+                                  <p:childTnLst>
+                                    <p:set>
+                                      <p:cBhvr>
+                                        <p:cTn id="26" dur="1" fill="hold">
+                                          <p:stCondLst>
+                                            <p:cond delay="0"/>
+                                          </p:stCondLst>
+                                        </p:cTn>
+                                        <p:tgtEl>
+                                          <p:spTgt spid="6">
+                                            <p:txEl>
+                                              <p:pRg st="7" end="7"/>
+                                            </p:txEl>
+                                          </p:spTgt>
+                                        </p:tgtEl>
+                                        <p:attrNameLst>
+                                          <p:attrName>style.visibility</p:attrName>
+                                        </p:attrNameLst>
+                                      </p:cBhvr>
+                                      <p:to>
+                                        <p:strVal val="visible"/>
+                                      </p:to>
+                                    </p:set>
+                                  </p:childTnLst>
+                                </p:cTn>
+                              </p:par>
+                            </p:childTnLst>
+                          </p:cTn>
+                        </p:par>
+                      </p:childTnLst>
+                    </p:cTn>
+                  </p:par>
+                  <p:par>
+                    <p:cTn id="27" fill="hold">
+                      <p:stCondLst>
+                        <p:cond delay="indefinite"/>
+                      </p:stCondLst>
+                      <p:childTnLst>
+                        <p:par>
+                          <p:cTn id="28" fill="hold">
+                            <p:stCondLst>
+                              <p:cond delay="0"/>
+                            </p:stCondLst>
+                            <p:childTnLst>
+                              <p:par>
+                                <p:cTn id="29" presetID="1" presetClass="entr" presetSubtype="0" fill="hold" grpId="0" nodeType="clickEffect">
+                                  <p:stCondLst>
+                                    <p:cond delay="0"/>
+                                  </p:stCondLst>
+                                  <p:childTnLst>
+                                    <p:set>
+                                      <p:cBhvr>
+                                        <p:cTn id="30" dur="1" fill="hold">
+                                          <p:stCondLst>
+                                            <p:cond delay="0"/>
+                                          </p:stCondLst>
+                                        </p:cTn>
+                                        <p:tgtEl>
+                                          <p:spTgt spid="6">
+                                            <p:txEl>
+                                              <p:pRg st="8" end="8"/>
+                                            </p:txEl>
+                                          </p:spTgt>
+                                        </p:tgtEl>
+                                        <p:attrNameLst>
+                                          <p:attrName>style.visibility</p:attrName>
+                                        </p:attrNameLst>
+                                      </p:cBhvr>
+                                      <p:to>
+                                        <p:strVal val="visible"/>
+                                      </p:to>
+                                    </p:set>
+                                  </p:childTnLst>
+                                </p:cTn>
+                              </p:par>
+                              <p:par>
+                                <p:cTn id="31" presetID="1" presetClass="entr" presetSubtype="0" fill="hold" grpId="0" nodeType="withEffect">
+                                  <p:stCondLst>
+                                    <p:cond delay="0"/>
+                                  </p:stCondLst>
+                                  <p:childTnLst>
+                                    <p:set>
+                                      <p:cBhvr>
+                                        <p:cTn id="32" dur="1" fill="hold">
+                                          <p:stCondLst>
+                                            <p:cond delay="0"/>
+                                          </p:stCondLst>
+                                        </p:cTn>
+                                        <p:tgtEl>
+                                          <p:spTgt spid="6">
+                                            <p:txEl>
+                                              <p:pRg st="9" end="9"/>
+                                            </p:txEl>
+                                          </p:spTgt>
+                                        </p:tgtEl>
+                                        <p:attrNameLst>
+                                          <p:attrName>style.visibility</p:attrName>
+                                        </p:attrNameLst>
+                                      </p:cBhvr>
+                                      <p:to>
+                                        <p:strVal val="visible"/>
+                                      </p:to>
+                                    </p:set>
+                                  </p:childTnLst>
+                                </p:cTn>
+                              </p:par>
+                              <p:par>
+                                <p:cTn id="33" presetID="1" presetClass="entr" presetSubtype="0" fill="hold" grpId="0" nodeType="withEffect">
+                                  <p:stCondLst>
+                                    <p:cond delay="0"/>
+                                  </p:stCondLst>
+                                  <p:childTnLst>
+                                    <p:set>
+                                      <p:cBhvr>
+                                        <p:cTn id="34" dur="1" fill="hold">
+                                          <p:stCondLst>
+                                            <p:cond delay="0"/>
+                                          </p:stCondLst>
+                                        </p:cTn>
+                                        <p:tgtEl>
+                                          <p:spTgt spid="6">
+                                            <p:txEl>
+                                              <p:pRg st="10" end="10"/>
+                                            </p:txEl>
+                                          </p:spTgt>
+                                        </p:tgtEl>
+                                        <p:attrNameLst>
+                                          <p:attrName>style.visibility</p:attrName>
+                                        </p:attrNameLst>
+                                      </p:cBhvr>
+                                      <p:to>
+                                        <p:strVal val="visible"/>
+                                      </p:to>
+                                    </p:set>
+                                  </p:childTnLst>
+                                </p:cTn>
+                              </p:par>
+                            </p:childTnLst>
+                          </p:cTn>
+                        </p:par>
+                      </p:childTnLst>
+                    </p:cTn>
+                  </p:par>
+                  <p:par>
+                    <p:cTn id="35" fill="hold">
+                      <p:stCondLst>
+                        <p:cond delay="indefinite"/>
+                      </p:stCondLst>
+                      <p:childTnLst>
+                        <p:par>
+                          <p:cTn id="36" fill="hold">
+                            <p:stCondLst>
+                              <p:cond delay="0"/>
+                            </p:stCondLst>
+                            <p:childTnLst>
+                              <p:par>
+                                <p:cTn id="37" presetID="1" presetClass="entr" presetSubtype="0" fill="hold" grpId="0" nodeType="clickEffect">
+                                  <p:stCondLst>
+                                    <p:cond delay="0"/>
+                                  </p:stCondLst>
+                                  <p:childTnLst>
+                                    <p:set>
+                                      <p:cBhvr>
+                                        <p:cTn id="38" dur="1" fill="hold">
+                                          <p:stCondLst>
+                                            <p:cond delay="0"/>
+                                          </p:stCondLst>
+                                        </p:cTn>
+                                        <p:tgtEl>
+                                          <p:spTgt spid="6">
+                                            <p:txEl>
+                                              <p:pRg st="11" end="11"/>
+                                            </p:txEl>
+                                          </p:spTgt>
+                                        </p:tgtEl>
+                                        <p:attrNameLst>
+                                          <p:attrName>style.visibility</p:attrName>
+                                        </p:attrNameLst>
+                                      </p:cBhvr>
+                                      <p:to>
+                                        <p:strVal val="visible"/>
+                                      </p:to>
+                                    </p:set>
+                                  </p:childTnLst>
+                                </p:cTn>
+                              </p:par>
+                            </p:childTnLst>
+                          </p:cTn>
+                        </p:par>
+                      </p:childTnLst>
+                    </p:cTn>
+                  </p:par>
+                </p:childTnLst>
+              </p:cTn>
+              <p:prevCondLst>
+                <p:cond evt="onPrev" delay="0">
+                  <p:tgtEl>
+                    <p:sldTgt/>
+                  </p:tgtEl>
+                </p:cond>
+              </p:prevCondLst>
+              <p:nextCondLst>
+                <p:cond evt="onNext" delay="0">
+                  <p:tgtEl>
+                    <p:sldTgt/>
+                  </p:tgtEl>
+                </p:cond>
+              </p:nextCondLst>
+            </p:seq>
+          </p:childTnLst>
+        </p:cTn>
+      </p:par>
+    </p:tnLst>
+    <p:bldLst>
+      <p:bldP spid="6" grpId="0" build="p"/>
+    </p:bldLst>
+  </p:timing>
 </p:sld>
 </file>
 
@@ -14912,6 +15585,172 @@
               <a:rPr lang="de-AT" dirty="0">
                 <a:latin typeface="Klavika Regular Plain" panose="02000506040000020004" pitchFamily="2" charset="77"/>
               </a:rPr>
+              <a:t>Add-On Produkt Finanzamtmeldungen</a:t>
+            </a:r>
+          </a:p>
+        </p:txBody>
+      </p:sp>
+      <p:sp>
+        <p:nvSpPr>
+          <p:cNvPr id="6" name="Inhaltsplatzhalter 5">
+            <a:extLst>
+              <a:ext uri="{FF2B5EF4-FFF2-40B4-BE49-F238E27FC236}">
+                <a16:creationId xmlns:a16="http://schemas.microsoft.com/office/drawing/2014/main" id="{902B4942-6079-4325-B9EF-8765C0505437}"/>
+              </a:ext>
+            </a:extLst>
+          </p:cNvPr>
+          <p:cNvSpPr>
+            <a:spLocks noGrp="1"/>
+          </p:cNvSpPr>
+          <p:nvPr>
+            <p:ph idx="1"/>
+          </p:nvPr>
+        </p:nvSpPr>
+        <p:spPr/>
+        <p:txBody>
+          <a:bodyPr/>
+          <a:lstStyle/>
+          <a:p>
+            <a:pPr marL="0" indent="0">
+              <a:buNone/>
+            </a:pPr>
+            <a:endParaRPr lang="de-AT" dirty="0">
+              <a:latin typeface="Roboto" panose="02000000000000000000" pitchFamily="2" charset="0"/>
+              <a:ea typeface="Roboto" panose="02000000000000000000" pitchFamily="2" charset="0"/>
+            </a:endParaRPr>
+          </a:p>
+          <a:p>
+            <a:r>
+              <a:rPr lang="de-AT" dirty="0">
+                <a:latin typeface="Roboto" panose="02000000000000000000" pitchFamily="2" charset="0"/>
+                <a:ea typeface="Roboto" panose="02000000000000000000" pitchFamily="2" charset="0"/>
+              </a:rPr>
+              <a:t>Erfordert ft.Middleware</a:t>
+            </a:r>
+          </a:p>
+          <a:p>
+            <a:r>
+              <a:rPr lang="de-AT" dirty="0">
+                <a:latin typeface="Roboto" panose="02000000000000000000" pitchFamily="2" charset="0"/>
+                <a:ea typeface="Roboto" panose="02000000000000000000" pitchFamily="2" charset="0"/>
+              </a:rPr>
+              <a:t>Sendet automatisiert Meldungen an das Finanzamt</a:t>
+            </a:r>
+          </a:p>
+          <a:p>
+            <a:r>
+              <a:rPr lang="de-AT" b="1" dirty="0">
+                <a:latin typeface="Roboto" panose="02000000000000000000" pitchFamily="2" charset="0"/>
+                <a:ea typeface="Roboto" panose="02000000000000000000" pitchFamily="2" charset="0"/>
+              </a:rPr>
+              <a:t>Pro Kasse</a:t>
+            </a:r>
+          </a:p>
+        </p:txBody>
+      </p:sp>
+      <p:sp>
+        <p:nvSpPr>
+          <p:cNvPr id="4" name="Datumsplatzhalter 3">
+            <a:extLst>
+              <a:ext uri="{FF2B5EF4-FFF2-40B4-BE49-F238E27FC236}">
+                <a16:creationId xmlns:a16="http://schemas.microsoft.com/office/drawing/2014/main" id="{C5C0CF94-8E0E-4767-B789-B0FE06643950}"/>
+              </a:ext>
+            </a:extLst>
+          </p:cNvPr>
+          <p:cNvSpPr>
+            <a:spLocks noGrp="1"/>
+          </p:cNvSpPr>
+          <p:nvPr>
+            <p:ph type="dt" sz="half" idx="10"/>
+          </p:nvPr>
+        </p:nvSpPr>
+        <p:spPr/>
+        <p:txBody>
+          <a:bodyPr/>
+          <a:lstStyle/>
+          <a:p>
+            <a:r>
+              <a:rPr lang="de-DE"/>
+              <a:t>fiskaltrust gmbh - </a:t>
+            </a:r>
+            <a:fld id="{F9CF9B13-D011-40B4-B116-4AFF51B22AA5}" type="datetime1">
+              <a:rPr lang="de-DE" smtClean="0"/>
+              <a:pPr/>
+              <a:t>06.10.20</a:t>
+            </a:fld>
+            <a:r>
+              <a:rPr lang="de-DE"/>
+              <a:t> - Folie </a:t>
+            </a:r>
+            <a:fld id="{4D3E4D3B-16BA-4843-8361-4E45D113E984}" type="slidenum">
+              <a:rPr lang="de-DE" smtClean="0"/>
+              <a:pPr/>
+              <a:t>11</a:t>
+            </a:fld>
+            <a:endParaRPr lang="de-DE"/>
+          </a:p>
+        </p:txBody>
+      </p:sp>
+    </p:spTree>
+    <p:extLst>
+      <p:ext uri="{BB962C8B-B14F-4D97-AF65-F5344CB8AC3E}">
+        <p14:creationId xmlns:p14="http://schemas.microsoft.com/office/powerpoint/2010/main" val="4242394391"/>
+      </p:ext>
+    </p:extLst>
+  </p:cSld>
+  <p:clrMapOvr>
+    <a:masterClrMapping/>
+  </p:clrMapOvr>
+</p:sld>
+</file>
+
+<file path=ppt/slides/slide12.xml><?xml version="1.0" encoding="utf-8"?>
+<p:sld xmlns:a="http://schemas.openxmlformats.org/drawingml/2006/main" xmlns:r="http://schemas.openxmlformats.org/officeDocument/2006/relationships" xmlns:p="http://schemas.openxmlformats.org/presentationml/2006/main">
+  <p:cSld>
+    <p:spTree>
+      <p:nvGrpSpPr>
+        <p:cNvPr id="1" name=""/>
+        <p:cNvGrpSpPr/>
+        <p:nvPr/>
+      </p:nvGrpSpPr>
+      <p:grpSpPr>
+        <a:xfrm>
+          <a:off x="0" y="0"/>
+          <a:ext cx="0" cy="0"/>
+          <a:chOff x="0" y="0"/>
+          <a:chExt cx="0" cy="0"/>
+        </a:xfrm>
+      </p:grpSpPr>
+      <p:sp>
+        <p:nvSpPr>
+          <p:cNvPr id="5" name="Titel 4">
+            <a:extLst>
+              <a:ext uri="{FF2B5EF4-FFF2-40B4-BE49-F238E27FC236}">
+                <a16:creationId xmlns:a16="http://schemas.microsoft.com/office/drawing/2014/main" id="{3BDAB914-87D3-4CE0-B5F7-BB66EC2ADF64}"/>
+              </a:ext>
+            </a:extLst>
+          </p:cNvPr>
+          <p:cNvSpPr>
+            <a:spLocks noGrp="1"/>
+          </p:cNvSpPr>
+          <p:nvPr>
+            <p:ph type="title"/>
+          </p:nvPr>
+        </p:nvSpPr>
+        <p:spPr>
+          <a:xfrm>
+            <a:off x="304977" y="187890"/>
+            <a:ext cx="9856790" cy="530326"/>
+          </a:xfrm>
+        </p:spPr>
+        <p:txBody>
+          <a:bodyPr/>
+          <a:lstStyle/>
+          <a:p>
+            <a:r>
+              <a:rPr lang="de-AT" dirty="0">
+                <a:latin typeface="Klavika Regular Plain" panose="02000506040000020004" pitchFamily="2" charset="77"/>
+              </a:rPr>
               <a:t>Einzelprodukt AKO</a:t>
             </a:r>
           </a:p>
@@ -15073,7 +15912,7 @@
             <a:fld id="{F9CF9B13-D011-40B4-B116-4AFF51B22AA5}" type="datetime1">
               <a:rPr lang="de-DE" smtClean="0"/>
               <a:pPr/>
-              <a:t>24.09.20</a:t>
+              <a:t>06.10.20</a:t>
             </a:fld>
             <a:r>
               <a:rPr lang="de-DE"/>
@@ -15082,7 +15921,7 @@
             <a:fld id="{4D3E4D3B-16BA-4843-8361-4E45D113E984}" type="slidenum">
               <a:rPr lang="de-DE" smtClean="0"/>
               <a:pPr/>
-              <a:t>11</a:t>
+              <a:t>12</a:t>
             </a:fld>
             <a:endParaRPr lang="de-DE"/>
           </a:p>
@@ -15624,174 +16463,6 @@
 </p:sld>
 </file>
 
-<file path=ppt/slides/slide12.xml><?xml version="1.0" encoding="utf-8"?>
-<p:sld xmlns:a="http://schemas.openxmlformats.org/drawingml/2006/main" xmlns:r="http://schemas.openxmlformats.org/officeDocument/2006/relationships" xmlns:p="http://schemas.openxmlformats.org/presentationml/2006/main">
-  <p:cSld>
-    <p:spTree>
-      <p:nvGrpSpPr>
-        <p:cNvPr id="1" name=""/>
-        <p:cNvGrpSpPr/>
-        <p:nvPr/>
-      </p:nvGrpSpPr>
-      <p:grpSpPr>
-        <a:xfrm>
-          <a:off x="0" y="0"/>
-          <a:ext cx="0" cy="0"/>
-          <a:chOff x="0" y="0"/>
-          <a:chExt cx="0" cy="0"/>
-        </a:xfrm>
-      </p:grpSpPr>
-      <p:sp>
-        <p:nvSpPr>
-          <p:cNvPr id="5" name="Titel 4">
-            <a:extLst>
-              <a:ext uri="{FF2B5EF4-FFF2-40B4-BE49-F238E27FC236}">
-                <a16:creationId xmlns:a16="http://schemas.microsoft.com/office/drawing/2014/main" id="{3BDAB914-87D3-4CE0-B5F7-BB66EC2ADF64}"/>
-              </a:ext>
-            </a:extLst>
-          </p:cNvPr>
-          <p:cNvSpPr>
-            <a:spLocks noGrp="1"/>
-          </p:cNvSpPr>
-          <p:nvPr>
-            <p:ph type="title"/>
-          </p:nvPr>
-        </p:nvSpPr>
-        <p:spPr>
-          <a:xfrm>
-            <a:off x="304977" y="187890"/>
-            <a:ext cx="9856790" cy="530326"/>
-          </a:xfrm>
-        </p:spPr>
-        <p:txBody>
-          <a:bodyPr/>
-          <a:lstStyle/>
-          <a:p>
-            <a:r>
-              <a:rPr lang="de-AT" dirty="0">
-                <a:latin typeface="Klavika Regular Plain" panose="02000506040000020004" pitchFamily="2" charset="77"/>
-              </a:rPr>
-              <a:t>Einzelprodukt TSE</a:t>
-            </a:r>
-          </a:p>
-        </p:txBody>
-      </p:sp>
-      <p:sp>
-        <p:nvSpPr>
-          <p:cNvPr id="6" name="Inhaltsplatzhalter 5">
-            <a:extLst>
-              <a:ext uri="{FF2B5EF4-FFF2-40B4-BE49-F238E27FC236}">
-                <a16:creationId xmlns:a16="http://schemas.microsoft.com/office/drawing/2014/main" id="{902B4942-6079-4325-B9EF-8765C0505437}"/>
-              </a:ext>
-            </a:extLst>
-          </p:cNvPr>
-          <p:cNvSpPr>
-            <a:spLocks noGrp="1"/>
-          </p:cNvSpPr>
-          <p:nvPr>
-            <p:ph idx="1"/>
-          </p:nvPr>
-        </p:nvSpPr>
-        <p:spPr/>
-        <p:txBody>
-          <a:bodyPr/>
-          <a:lstStyle/>
-          <a:p>
-            <a:pPr marL="0" indent="0">
-              <a:buNone/>
-            </a:pPr>
-            <a:endParaRPr lang="de-AT" dirty="0">
-              <a:latin typeface="Roboto" panose="02000000000000000000" pitchFamily="2" charset="0"/>
-              <a:ea typeface="Roboto" panose="02000000000000000000" pitchFamily="2" charset="0"/>
-            </a:endParaRPr>
-          </a:p>
-          <a:p>
-            <a:r>
-              <a:rPr lang="de-AT" dirty="0">
-                <a:latin typeface="Roboto" panose="02000000000000000000" pitchFamily="2" charset="0"/>
-                <a:ea typeface="Roboto" panose="02000000000000000000" pitchFamily="2" charset="0"/>
-              </a:rPr>
-              <a:t>Diverse TSE Modelle</a:t>
-            </a:r>
-          </a:p>
-          <a:p>
-            <a:r>
-              <a:rPr lang="de-AT" dirty="0">
-                <a:latin typeface="Roboto" panose="02000000000000000000" pitchFamily="2" charset="0"/>
-                <a:ea typeface="Roboto" panose="02000000000000000000" pitchFamily="2" charset="0"/>
-              </a:rPr>
-              <a:t>Im </a:t>
-            </a:r>
-            <a:r>
-              <a:rPr lang="de-AT" dirty="0" err="1">
-                <a:latin typeface="Roboto" panose="02000000000000000000" pitchFamily="2" charset="0"/>
-                <a:ea typeface="Roboto" panose="02000000000000000000" pitchFamily="2" charset="0"/>
-              </a:rPr>
-              <a:t>ft.Shop</a:t>
-            </a:r>
-            <a:endParaRPr lang="de-AT" dirty="0">
-              <a:latin typeface="Roboto" panose="02000000000000000000" pitchFamily="2" charset="0"/>
-              <a:ea typeface="Roboto" panose="02000000000000000000" pitchFamily="2" charset="0"/>
-            </a:endParaRPr>
-          </a:p>
-        </p:txBody>
-      </p:sp>
-      <p:sp>
-        <p:nvSpPr>
-          <p:cNvPr id="4" name="Datumsplatzhalter 3">
-            <a:extLst>
-              <a:ext uri="{FF2B5EF4-FFF2-40B4-BE49-F238E27FC236}">
-                <a16:creationId xmlns:a16="http://schemas.microsoft.com/office/drawing/2014/main" id="{C5C0CF94-8E0E-4767-B789-B0FE06643950}"/>
-              </a:ext>
-            </a:extLst>
-          </p:cNvPr>
-          <p:cNvSpPr>
-            <a:spLocks noGrp="1"/>
-          </p:cNvSpPr>
-          <p:nvPr>
-            <p:ph type="dt" sz="half" idx="10"/>
-          </p:nvPr>
-        </p:nvSpPr>
-        <p:spPr/>
-        <p:txBody>
-          <a:bodyPr/>
-          <a:lstStyle/>
-          <a:p>
-            <a:r>
-              <a:rPr lang="de-DE"/>
-              <a:t>fiskaltrust gmbh - </a:t>
-            </a:r>
-            <a:fld id="{F9CF9B13-D011-40B4-B116-4AFF51B22AA5}" type="datetime1">
-              <a:rPr lang="de-DE" smtClean="0"/>
-              <a:pPr/>
-              <a:t>24.09.20</a:t>
-            </a:fld>
-            <a:r>
-              <a:rPr lang="de-DE"/>
-              <a:t> - Folie </a:t>
-            </a:r>
-            <a:fld id="{4D3E4D3B-16BA-4843-8361-4E45D113E984}" type="slidenum">
-              <a:rPr lang="de-DE" smtClean="0"/>
-              <a:pPr/>
-              <a:t>12</a:t>
-            </a:fld>
-            <a:endParaRPr lang="de-DE"/>
-          </a:p>
-        </p:txBody>
-      </p:sp>
-    </p:spTree>
-    <p:extLst>
-      <p:ext uri="{BB962C8B-B14F-4D97-AF65-F5344CB8AC3E}">
-        <p14:creationId xmlns:p14="http://schemas.microsoft.com/office/powerpoint/2010/main" val="2470633207"/>
-      </p:ext>
-    </p:extLst>
-  </p:cSld>
-  <p:clrMapOvr>
-    <a:masterClrMapping/>
-  </p:clrMapOvr>
-</p:sld>
-</file>
-
 <file path=ppt/slides/slide13.xml><?xml version="1.0" encoding="utf-8"?>
 <p:sld xmlns:a="http://schemas.openxmlformats.org/drawingml/2006/main" xmlns:r="http://schemas.openxmlformats.org/officeDocument/2006/relationships" xmlns:p="http://schemas.openxmlformats.org/presentationml/2006/main">
   <p:cSld>
@@ -15839,93 +16510,7 @@
               <a:rPr lang="de-AT" dirty="0">
                 <a:latin typeface="Klavika Regular Plain" panose="02000506040000020004" pitchFamily="2" charset="77"/>
               </a:rPr>
-              <a:t>Sorglos Paket ohne TSE</a:t>
-            </a:r>
-          </a:p>
-        </p:txBody>
-      </p:sp>
-      <p:sp>
-        <p:nvSpPr>
-          <p:cNvPr id="6" name="Inhaltsplatzhalter 5">
-            <a:extLst>
-              <a:ext uri="{FF2B5EF4-FFF2-40B4-BE49-F238E27FC236}">
-                <a16:creationId xmlns:a16="http://schemas.microsoft.com/office/drawing/2014/main" id="{902B4942-6079-4325-B9EF-8765C0505437}"/>
-              </a:ext>
-            </a:extLst>
-          </p:cNvPr>
-          <p:cNvSpPr>
-            <a:spLocks noGrp="1"/>
-          </p:cNvSpPr>
-          <p:nvPr>
-            <p:ph idx="1"/>
-          </p:nvPr>
-        </p:nvSpPr>
-        <p:spPr/>
-        <p:txBody>
-          <a:bodyPr/>
-          <a:lstStyle/>
-          <a:p>
-            <a:pPr marL="0" indent="0">
-              <a:buNone/>
-            </a:pPr>
-            <a:endParaRPr lang="de-AT" dirty="0">
-              <a:latin typeface="Roboto" panose="02000000000000000000" pitchFamily="2" charset="0"/>
-              <a:ea typeface="Roboto" panose="02000000000000000000" pitchFamily="2" charset="0"/>
-            </a:endParaRPr>
-          </a:p>
-          <a:p>
-            <a:r>
-              <a:rPr lang="de-AT" dirty="0">
-                <a:latin typeface="Roboto" panose="02000000000000000000" pitchFamily="2" charset="0"/>
-                <a:ea typeface="Roboto" panose="02000000000000000000" pitchFamily="2" charset="0"/>
-              </a:rPr>
-              <a:t>POS Archiv</a:t>
-            </a:r>
-          </a:p>
-          <a:p>
-            <a:r>
-              <a:rPr lang="de-AT" dirty="0">
-                <a:latin typeface="Roboto" panose="02000000000000000000" pitchFamily="2" charset="0"/>
-                <a:ea typeface="Roboto" panose="02000000000000000000" pitchFamily="2" charset="0"/>
-              </a:rPr>
-              <a:t>AKO</a:t>
-            </a:r>
-          </a:p>
-          <a:p>
-            <a:r>
-              <a:rPr lang="de-AT" dirty="0">
-                <a:latin typeface="Roboto" panose="02000000000000000000" pitchFamily="2" charset="0"/>
-                <a:ea typeface="Roboto" panose="02000000000000000000" pitchFamily="2" charset="0"/>
-              </a:rPr>
-              <a:t>Finanzamtmeldungen</a:t>
-            </a:r>
-          </a:p>
-          <a:p>
-            <a:r>
-              <a:rPr lang="de-AT" b="1" dirty="0">
-                <a:latin typeface="Roboto" panose="02000000000000000000" pitchFamily="2" charset="0"/>
-                <a:ea typeface="Roboto" panose="02000000000000000000" pitchFamily="2" charset="0"/>
-              </a:rPr>
-              <a:t>Für die gesamte Filiale</a:t>
-            </a:r>
-            <a:r>
-              <a:rPr lang="de-AT" dirty="0">
-                <a:latin typeface="Roboto" panose="02000000000000000000" pitchFamily="2" charset="0"/>
-                <a:ea typeface="Roboto" panose="02000000000000000000" pitchFamily="2" charset="0"/>
-              </a:rPr>
-              <a:t>*</a:t>
-            </a:r>
-          </a:p>
-          <a:p>
-            <a:pPr marL="360000" lvl="1" indent="0">
-              <a:buNone/>
-            </a:pPr>
-            <a:r>
-              <a:rPr lang="de-AT" dirty="0">
-                <a:latin typeface="Roboto" panose="02000000000000000000" pitchFamily="2" charset="0"/>
-                <a:ea typeface="Roboto" panose="02000000000000000000" pitchFamily="2" charset="0"/>
-              </a:rPr>
-              <a:t>(* POS Archiv – max. 25 Kassen)</a:t>
+              <a:t>Archivierungsprodukte</a:t>
             </a:r>
           </a:p>
         </p:txBody>
@@ -15958,7 +16543,7 @@
             <a:fld id="{F9CF9B13-D011-40B4-B116-4AFF51B22AA5}" type="datetime1">
               <a:rPr lang="de-DE" smtClean="0"/>
               <a:pPr/>
-              <a:t>24.09.20</a:t>
+              <a:t>06.10.20</a:t>
             </a:fld>
             <a:r>
               <a:rPr lang="de-DE"/>
@@ -15973,10 +16558,46 @@
           </a:p>
         </p:txBody>
       </p:sp>
+      <p:pic>
+        <p:nvPicPr>
+          <p:cNvPr id="12" name="Picture 11" descr="Diagram&#10;&#10;Description automatically generated">
+            <a:extLst>
+              <a:ext uri="{FF2B5EF4-FFF2-40B4-BE49-F238E27FC236}">
+                <a16:creationId xmlns:a16="http://schemas.microsoft.com/office/drawing/2014/main" id="{2A965AF0-B12A-464B-B9CD-018900224D9A}"/>
+              </a:ext>
+            </a:extLst>
+          </p:cNvPr>
+          <p:cNvPicPr>
+            <a:picLocks noChangeAspect="1"/>
+          </p:cNvPicPr>
+          <p:nvPr/>
+        </p:nvPicPr>
+        <p:blipFill>
+          <a:blip r:embed="rId3">
+            <a:extLst>
+              <a:ext uri="{28A0092B-C50C-407E-A947-70E740481C1C}">
+                <a14:useLocalDpi xmlns:a14="http://schemas.microsoft.com/office/drawing/2010/main" val="0"/>
+              </a:ext>
+            </a:extLst>
+          </a:blip>
+          <a:stretch>
+            <a:fillRect/>
+          </a:stretch>
+        </p:blipFill>
+        <p:spPr>
+          <a:xfrm>
+            <a:off x="1384300" y="215900"/>
+            <a:ext cx="9423400" cy="6426200"/>
+          </a:xfrm>
+          <a:prstGeom prst="rect">
+            <a:avLst/>
+          </a:prstGeom>
+        </p:spPr>
+      </p:pic>
     </p:spTree>
     <p:extLst>
       <p:ext uri="{BB962C8B-B14F-4D97-AF65-F5344CB8AC3E}">
-        <p14:creationId xmlns:p14="http://schemas.microsoft.com/office/powerpoint/2010/main" val="3452486401"/>
+        <p14:creationId xmlns:p14="http://schemas.microsoft.com/office/powerpoint/2010/main" val="2181871030"/>
       </p:ext>
     </p:extLst>
   </p:cSld>
@@ -16033,7 +16654,7 @@
               <a:rPr lang="de-AT" dirty="0">
                 <a:latin typeface="Klavika Regular Plain" panose="02000506040000020004" pitchFamily="2" charset="77"/>
               </a:rPr>
-              <a:t>Sorglos Paket mit TSE-as-a-Service</a:t>
+              <a:t>Einzelprodukt TSE</a:t>
             </a:r>
           </a:p>
         </p:txBody>
@@ -16056,9 +16677,7 @@
         </p:nvSpPr>
         <p:spPr/>
         <p:txBody>
-          <a:bodyPr>
-            <a:normAutofit/>
-          </a:bodyPr>
+          <a:bodyPr/>
           <a:lstStyle/>
           <a:p>
             <a:pPr marL="0" indent="0">
@@ -16075,7 +16694,7 @@
                 <a:latin typeface="Roboto" panose="02000000000000000000" pitchFamily="2" charset="0"/>
                 <a:ea typeface="Roboto" panose="02000000000000000000" pitchFamily="2" charset="0"/>
               </a:rPr>
-              <a:t>POS Archiv</a:t>
+              <a:t>Diverse TSE Modelle</a:t>
             </a:r>
           </a:p>
           <a:p>
@@ -16084,101 +16703,19 @@
                 <a:latin typeface="Roboto" panose="02000000000000000000" pitchFamily="2" charset="0"/>
                 <a:ea typeface="Roboto" panose="02000000000000000000" pitchFamily="2" charset="0"/>
               </a:rPr>
-              <a:t>AKO</a:t>
-            </a:r>
-          </a:p>
-          <a:p>
-            <a:r>
-              <a:rPr lang="de-AT" dirty="0">
+              <a:t>Im </a:t>
+            </a:r>
+            <a:r>
+              <a:rPr lang="de-AT" dirty="0" err="1">
                 <a:latin typeface="Roboto" panose="02000000000000000000" pitchFamily="2" charset="0"/>
                 <a:ea typeface="Roboto" panose="02000000000000000000" pitchFamily="2" charset="0"/>
               </a:rPr>
-              <a:t>Finanzamtmeldungen</a:t>
-            </a:r>
-          </a:p>
-          <a:p>
-            <a:r>
-              <a:rPr lang="de-AT" dirty="0">
-                <a:latin typeface="Roboto" panose="02000000000000000000" pitchFamily="2" charset="0"/>
-                <a:ea typeface="Roboto" panose="02000000000000000000" pitchFamily="2" charset="0"/>
-              </a:rPr>
-              <a:t>Eine </a:t>
-            </a:r>
-            <a:r>
-              <a:rPr lang="de-DE" dirty="0">
-                <a:latin typeface="Roboto"/>
-              </a:rPr>
-              <a:t>Hardware - oder Cloud TSE-</a:t>
-            </a:r>
-            <a:r>
-              <a:rPr lang="de-DE" dirty="0" err="1">
-                <a:latin typeface="Roboto"/>
-              </a:rPr>
-              <a:t>as</a:t>
-            </a:r>
-            <a:r>
-              <a:rPr lang="de-DE" dirty="0">
-                <a:latin typeface="Roboto"/>
-              </a:rPr>
-              <a:t>-a-Service</a:t>
+              <a:t>ft.Shop</a:t>
             </a:r>
             <a:endParaRPr lang="de-AT" dirty="0">
               <a:latin typeface="Roboto" panose="02000000000000000000" pitchFamily="2" charset="0"/>
               <a:ea typeface="Roboto" panose="02000000000000000000" pitchFamily="2" charset="0"/>
             </a:endParaRPr>
-          </a:p>
-          <a:p>
-            <a:r>
-              <a:rPr lang="de-AT" b="1" dirty="0">
-                <a:latin typeface="Roboto" panose="02000000000000000000" pitchFamily="2" charset="0"/>
-                <a:ea typeface="Roboto" panose="02000000000000000000" pitchFamily="2" charset="0"/>
-              </a:rPr>
-              <a:t>Für die gesamte Filiale</a:t>
-            </a:r>
-            <a:r>
-              <a:rPr lang="de-AT" dirty="0">
-                <a:latin typeface="Roboto" panose="02000000000000000000" pitchFamily="2" charset="0"/>
-                <a:ea typeface="Roboto" panose="02000000000000000000" pitchFamily="2" charset="0"/>
-              </a:rPr>
-              <a:t>*</a:t>
-            </a:r>
-          </a:p>
-          <a:p>
-            <a:pPr marL="360000" lvl="1" indent="0">
-              <a:buNone/>
-            </a:pPr>
-            <a:r>
-              <a:rPr lang="de-AT" dirty="0">
-                <a:latin typeface="Roboto" panose="02000000000000000000" pitchFamily="2" charset="0"/>
-                <a:ea typeface="Roboto" panose="02000000000000000000" pitchFamily="2" charset="0"/>
-              </a:rPr>
-              <a:t>(* POS Archiv – max. 25 Kassen und </a:t>
-            </a:r>
-            <a:r>
-              <a:rPr lang="de-DE" dirty="0">
-                <a:latin typeface="Roboto"/>
-              </a:rPr>
-              <a:t>Fair Use Limits für TSE-</a:t>
-            </a:r>
-            <a:r>
-              <a:rPr lang="de-DE" dirty="0" err="1">
-                <a:latin typeface="Roboto"/>
-              </a:rPr>
-              <a:t>as</a:t>
-            </a:r>
-            <a:r>
-              <a:rPr lang="de-DE" dirty="0">
-                <a:latin typeface="Roboto"/>
-              </a:rPr>
-              <a:t>-a-Service beachten</a:t>
-            </a:r>
-            <a:r>
-              <a:rPr lang="de-AT" dirty="0">
-                <a:latin typeface="Roboto" panose="02000000000000000000" pitchFamily="2" charset="0"/>
-                <a:ea typeface="Roboto" panose="02000000000000000000" pitchFamily="2" charset="0"/>
-              </a:rPr>
-              <a:t>)</a:t>
-            </a:r>
           </a:p>
         </p:txBody>
       </p:sp>
@@ -16210,7 +16747,7 @@
             <a:fld id="{F9CF9B13-D011-40B4-B116-4AFF51B22AA5}" type="datetime1">
               <a:rPr lang="de-DE" smtClean="0"/>
               <a:pPr/>
-              <a:t>24.09.20</a:t>
+              <a:t>06.10.20</a:t>
             </a:fld>
             <a:r>
               <a:rPr lang="de-DE"/>
@@ -16228,7 +16765,7 @@
     </p:spTree>
     <p:extLst>
       <p:ext uri="{BB962C8B-B14F-4D97-AF65-F5344CB8AC3E}">
-        <p14:creationId xmlns:p14="http://schemas.microsoft.com/office/powerpoint/2010/main" val="2022462902"/>
+        <p14:creationId xmlns:p14="http://schemas.microsoft.com/office/powerpoint/2010/main" val="2470633207"/>
       </p:ext>
     </p:extLst>
   </p:cSld>
@@ -16285,7 +16822,201 @@
               <a:rPr lang="de-AT" dirty="0">
                 <a:latin typeface="Klavika Regular Plain" panose="02000506040000020004" pitchFamily="2" charset="77"/>
               </a:rPr>
-              <a:t>Produkte kaufen und weiter verkaufen</a:t>
+              <a:t>Sorglos Paket ohne TSE</a:t>
+            </a:r>
+          </a:p>
+        </p:txBody>
+      </p:sp>
+      <p:sp>
+        <p:nvSpPr>
+          <p:cNvPr id="6" name="Inhaltsplatzhalter 5">
+            <a:extLst>
+              <a:ext uri="{FF2B5EF4-FFF2-40B4-BE49-F238E27FC236}">
+                <a16:creationId xmlns:a16="http://schemas.microsoft.com/office/drawing/2014/main" id="{902B4942-6079-4325-B9EF-8765C0505437}"/>
+              </a:ext>
+            </a:extLst>
+          </p:cNvPr>
+          <p:cNvSpPr>
+            <a:spLocks noGrp="1"/>
+          </p:cNvSpPr>
+          <p:nvPr>
+            <p:ph idx="1"/>
+          </p:nvPr>
+        </p:nvSpPr>
+        <p:spPr/>
+        <p:txBody>
+          <a:bodyPr/>
+          <a:lstStyle/>
+          <a:p>
+            <a:pPr marL="0" indent="0">
+              <a:buNone/>
+            </a:pPr>
+            <a:endParaRPr lang="de-AT" dirty="0">
+              <a:latin typeface="Roboto" panose="02000000000000000000" pitchFamily="2" charset="0"/>
+              <a:ea typeface="Roboto" panose="02000000000000000000" pitchFamily="2" charset="0"/>
+            </a:endParaRPr>
+          </a:p>
+          <a:p>
+            <a:r>
+              <a:rPr lang="de-AT" dirty="0">
+                <a:latin typeface="Roboto" panose="02000000000000000000" pitchFamily="2" charset="0"/>
+                <a:ea typeface="Roboto" panose="02000000000000000000" pitchFamily="2" charset="0"/>
+              </a:rPr>
+              <a:t>POS Archiv</a:t>
+            </a:r>
+          </a:p>
+          <a:p>
+            <a:r>
+              <a:rPr lang="de-AT" dirty="0">
+                <a:latin typeface="Roboto" panose="02000000000000000000" pitchFamily="2" charset="0"/>
+                <a:ea typeface="Roboto" panose="02000000000000000000" pitchFamily="2" charset="0"/>
+              </a:rPr>
+              <a:t>AKO</a:t>
+            </a:r>
+          </a:p>
+          <a:p>
+            <a:r>
+              <a:rPr lang="de-AT" dirty="0">
+                <a:latin typeface="Roboto" panose="02000000000000000000" pitchFamily="2" charset="0"/>
+                <a:ea typeface="Roboto" panose="02000000000000000000" pitchFamily="2" charset="0"/>
+              </a:rPr>
+              <a:t>Finanzamtmeldungen</a:t>
+            </a:r>
+          </a:p>
+          <a:p>
+            <a:r>
+              <a:rPr lang="de-AT" b="1" dirty="0">
+                <a:latin typeface="Roboto" panose="02000000000000000000" pitchFamily="2" charset="0"/>
+                <a:ea typeface="Roboto" panose="02000000000000000000" pitchFamily="2" charset="0"/>
+              </a:rPr>
+              <a:t>Für die gesamte Filiale</a:t>
+            </a:r>
+            <a:r>
+              <a:rPr lang="de-AT" dirty="0">
+                <a:latin typeface="Roboto" panose="02000000000000000000" pitchFamily="2" charset="0"/>
+                <a:ea typeface="Roboto" panose="02000000000000000000" pitchFamily="2" charset="0"/>
+              </a:rPr>
+              <a:t>*</a:t>
+            </a:r>
+          </a:p>
+          <a:p>
+            <a:pPr marL="360000" lvl="1" indent="0">
+              <a:buNone/>
+            </a:pPr>
+            <a:r>
+              <a:rPr lang="de-AT" dirty="0">
+                <a:latin typeface="Roboto" panose="02000000000000000000" pitchFamily="2" charset="0"/>
+                <a:ea typeface="Roboto" panose="02000000000000000000" pitchFamily="2" charset="0"/>
+              </a:rPr>
+              <a:t>(* POS Archiv – max. 25 Kassen)</a:t>
+            </a:r>
+          </a:p>
+        </p:txBody>
+      </p:sp>
+      <p:sp>
+        <p:nvSpPr>
+          <p:cNvPr id="4" name="Datumsplatzhalter 3">
+            <a:extLst>
+              <a:ext uri="{FF2B5EF4-FFF2-40B4-BE49-F238E27FC236}">
+                <a16:creationId xmlns:a16="http://schemas.microsoft.com/office/drawing/2014/main" id="{C5C0CF94-8E0E-4767-B789-B0FE06643950}"/>
+              </a:ext>
+            </a:extLst>
+          </p:cNvPr>
+          <p:cNvSpPr>
+            <a:spLocks noGrp="1"/>
+          </p:cNvSpPr>
+          <p:nvPr>
+            <p:ph type="dt" sz="half" idx="10"/>
+          </p:nvPr>
+        </p:nvSpPr>
+        <p:spPr/>
+        <p:txBody>
+          <a:bodyPr/>
+          <a:lstStyle/>
+          <a:p>
+            <a:r>
+              <a:rPr lang="de-DE"/>
+              <a:t>fiskaltrust gmbh - </a:t>
+            </a:r>
+            <a:fld id="{F9CF9B13-D011-40B4-B116-4AFF51B22AA5}" type="datetime1">
+              <a:rPr lang="de-DE" smtClean="0"/>
+              <a:pPr/>
+              <a:t>06.10.20</a:t>
+            </a:fld>
+            <a:r>
+              <a:rPr lang="de-DE"/>
+              <a:t> - Folie </a:t>
+            </a:r>
+            <a:fld id="{4D3E4D3B-16BA-4843-8361-4E45D113E984}" type="slidenum">
+              <a:rPr lang="de-DE" smtClean="0"/>
+              <a:pPr/>
+              <a:t>15</a:t>
+            </a:fld>
+            <a:endParaRPr lang="de-DE"/>
+          </a:p>
+        </p:txBody>
+      </p:sp>
+    </p:spTree>
+    <p:extLst>
+      <p:ext uri="{BB962C8B-B14F-4D97-AF65-F5344CB8AC3E}">
+        <p14:creationId xmlns:p14="http://schemas.microsoft.com/office/powerpoint/2010/main" val="3452486401"/>
+      </p:ext>
+    </p:extLst>
+  </p:cSld>
+  <p:clrMapOvr>
+    <a:masterClrMapping/>
+  </p:clrMapOvr>
+</p:sld>
+</file>
+
+<file path=ppt/slides/slide16.xml><?xml version="1.0" encoding="utf-8"?>
+<p:sld xmlns:a="http://schemas.openxmlformats.org/drawingml/2006/main" xmlns:r="http://schemas.openxmlformats.org/officeDocument/2006/relationships" xmlns:p="http://schemas.openxmlformats.org/presentationml/2006/main">
+  <p:cSld>
+    <p:spTree>
+      <p:nvGrpSpPr>
+        <p:cNvPr id="1" name=""/>
+        <p:cNvGrpSpPr/>
+        <p:nvPr/>
+      </p:nvGrpSpPr>
+      <p:grpSpPr>
+        <a:xfrm>
+          <a:off x="0" y="0"/>
+          <a:ext cx="0" cy="0"/>
+          <a:chOff x="0" y="0"/>
+          <a:chExt cx="0" cy="0"/>
+        </a:xfrm>
+      </p:grpSpPr>
+      <p:sp>
+        <p:nvSpPr>
+          <p:cNvPr id="5" name="Titel 4">
+            <a:extLst>
+              <a:ext uri="{FF2B5EF4-FFF2-40B4-BE49-F238E27FC236}">
+                <a16:creationId xmlns:a16="http://schemas.microsoft.com/office/drawing/2014/main" id="{3BDAB914-87D3-4CE0-B5F7-BB66EC2ADF64}"/>
+              </a:ext>
+            </a:extLst>
+          </p:cNvPr>
+          <p:cNvSpPr>
+            <a:spLocks noGrp="1"/>
+          </p:cNvSpPr>
+          <p:nvPr>
+            <p:ph type="title"/>
+          </p:nvPr>
+        </p:nvSpPr>
+        <p:spPr>
+          <a:xfrm>
+            <a:off x="304977" y="187890"/>
+            <a:ext cx="9856790" cy="530326"/>
+          </a:xfrm>
+        </p:spPr>
+        <p:txBody>
+          <a:bodyPr/>
+          <a:lstStyle/>
+          <a:p>
+            <a:r>
+              <a:rPr lang="de-AT" dirty="0">
+                <a:latin typeface="Klavika Regular Plain" panose="02000506040000020004" pitchFamily="2" charset="77"/>
+              </a:rPr>
+              <a:t>Sorglos Paket mit TSE-as-a-Service</a:t>
             </a:r>
           </a:p>
         </p:txBody>
@@ -16327,7 +17058,7 @@
                 <a:latin typeface="Roboto" panose="02000000000000000000" pitchFamily="2" charset="0"/>
                 <a:ea typeface="Roboto" panose="02000000000000000000" pitchFamily="2" charset="0"/>
               </a:rPr>
-              <a:t>ft.Shop (kleine Menge, kein Rabatt)</a:t>
+              <a:t>POS Archiv</a:t>
             </a:r>
           </a:p>
           <a:p>
@@ -16336,71 +17067,100 @@
                 <a:latin typeface="Roboto" panose="02000000000000000000" pitchFamily="2" charset="0"/>
                 <a:ea typeface="Roboto" panose="02000000000000000000" pitchFamily="2" charset="0"/>
               </a:rPr>
-              <a:t>Rahmenvertrag + Entitlements (ab 10 Stk. Rabattstaffelung)</a:t>
-            </a:r>
-          </a:p>
-          <a:p>
-            <a:pPr lvl="1"/>
+              <a:t>AKO</a:t>
+            </a:r>
+          </a:p>
+          <a:p>
             <a:r>
               <a:rPr lang="de-AT" dirty="0">
                 <a:latin typeface="Roboto" panose="02000000000000000000" pitchFamily="2" charset="0"/>
                 <a:ea typeface="Roboto" panose="02000000000000000000" pitchFamily="2" charset="0"/>
               </a:rPr>
-              <a:t>fiskaltrust </a:t>
-            </a:r>
-            <a:r>
-              <a:rPr lang="de-AT" dirty="0" err="1">
-                <a:latin typeface="Roboto" panose="02000000000000000000" pitchFamily="2" charset="0"/>
-                <a:ea typeface="Roboto" panose="02000000000000000000" pitchFamily="2" charset="0"/>
-              </a:rPr>
-              <a:t>Sales</a:t>
-            </a:r>
+              <a:t>Finanzamtmeldungen</a:t>
+            </a:r>
+          </a:p>
+          <a:p>
             <a:r>
               <a:rPr lang="de-AT" dirty="0">
                 <a:latin typeface="Roboto" panose="02000000000000000000" pitchFamily="2" charset="0"/>
                 <a:ea typeface="Roboto" panose="02000000000000000000" pitchFamily="2" charset="0"/>
               </a:rPr>
-              <a:t> Team kontaktieren</a:t>
-            </a:r>
-          </a:p>
-          <a:p>
-            <a:pPr lvl="1"/>
+              <a:t>Eine </a:t>
+            </a:r>
+            <a:r>
+              <a:rPr lang="de-DE" dirty="0">
+                <a:latin typeface="Roboto"/>
+              </a:rPr>
+              <a:t>Hardware - oder Cloud TSE-</a:t>
+            </a:r>
+            <a:r>
+              <a:rPr lang="de-DE" dirty="0" err="1">
+                <a:latin typeface="Roboto"/>
+              </a:rPr>
+              <a:t>as</a:t>
+            </a:r>
+            <a:r>
+              <a:rPr lang="de-DE" dirty="0">
+                <a:latin typeface="Roboto"/>
+              </a:rPr>
+              <a:t>-a-Service</a:t>
+            </a:r>
+            <a:endParaRPr lang="de-AT" dirty="0">
+              <a:latin typeface="Roboto" panose="02000000000000000000" pitchFamily="2" charset="0"/>
+              <a:ea typeface="Roboto" panose="02000000000000000000" pitchFamily="2" charset="0"/>
+            </a:endParaRPr>
+          </a:p>
+          <a:p>
+            <a:r>
+              <a:rPr lang="de-AT" b="1" dirty="0">
+                <a:latin typeface="Roboto" panose="02000000000000000000" pitchFamily="2" charset="0"/>
+                <a:ea typeface="Roboto" panose="02000000000000000000" pitchFamily="2" charset="0"/>
+              </a:rPr>
+              <a:t>Für die gesamte Filiale</a:t>
+            </a:r>
             <a:r>
               <a:rPr lang="de-AT" dirty="0">
                 <a:latin typeface="Roboto" panose="02000000000000000000" pitchFamily="2" charset="0"/>
                 <a:ea typeface="Roboto" panose="02000000000000000000" pitchFamily="2" charset="0"/>
               </a:rPr>
-              <a:t>Unterzeichnung Rahmenvertrag</a:t>
-            </a:r>
-          </a:p>
-          <a:p>
-            <a:pPr lvl="1"/>
+              <a:t>*</a:t>
+            </a:r>
+          </a:p>
+          <a:p>
+            <a:pPr marL="360000" lvl="1" indent="0">
+              <a:buNone/>
+            </a:pPr>
             <a:r>
               <a:rPr lang="de-AT" dirty="0">
                 <a:latin typeface="Roboto" panose="02000000000000000000" pitchFamily="2" charset="0"/>
                 <a:ea typeface="Roboto" panose="02000000000000000000" pitchFamily="2" charset="0"/>
               </a:rPr>
-              <a:t>Kreditlimit-Freigabe durch fiskaltrust</a:t>
-            </a:r>
-          </a:p>
-          <a:p>
-            <a:pPr lvl="1"/>
+              <a:t>(* POS Archiv – max. 25 Kassen und </a:t>
+            </a:r>
+            <a:r>
+              <a:rPr lang="de-DE" dirty="0">
+                <a:latin typeface="Roboto"/>
+              </a:rPr>
+              <a:t>Fair Use Limits für TSE-</a:t>
+            </a:r>
+            <a:r>
+              <a:rPr lang="de-DE" dirty="0" err="1">
+                <a:latin typeface="Roboto"/>
+              </a:rPr>
+              <a:t>as</a:t>
+            </a:r>
+            <a:r>
+              <a:rPr lang="de-DE" dirty="0">
+                <a:latin typeface="Roboto"/>
+              </a:rPr>
+              <a:t>-a-Service beachten</a:t>
+            </a:r>
             <a:r>
               <a:rPr lang="de-AT" dirty="0">
                 <a:latin typeface="Roboto" panose="02000000000000000000" pitchFamily="2" charset="0"/>
                 <a:ea typeface="Roboto" panose="02000000000000000000" pitchFamily="2" charset="0"/>
               </a:rPr>
-              <a:t>Kauf der Entitlements über ft.Shop</a:t>
-            </a:r>
-          </a:p>
-          <a:p>
-            <a:pPr lvl="1"/>
-            <a:r>
-              <a:rPr lang="de-AT" dirty="0">
-                <a:latin typeface="Roboto" panose="02000000000000000000" pitchFamily="2" charset="0"/>
-                <a:ea typeface="Roboto" panose="02000000000000000000" pitchFamily="2" charset="0"/>
-              </a:rPr>
-              <a:t>Übertragung von Entitlements an Betreiber</a:t>
+              <a:t>)</a:t>
             </a:r>
           </a:p>
         </p:txBody>
@@ -16433,7 +17193,7 @@
             <a:fld id="{F9CF9B13-D011-40B4-B116-4AFF51B22AA5}" type="datetime1">
               <a:rPr lang="de-DE" smtClean="0"/>
               <a:pPr/>
-              <a:t>24.09.20</a:t>
+              <a:t>06.10.20</a:t>
             </a:fld>
             <a:r>
               <a:rPr lang="de-DE"/>
@@ -16442,7 +17202,245 @@
             <a:fld id="{4D3E4D3B-16BA-4843-8361-4E45D113E984}" type="slidenum">
               <a:rPr lang="de-DE" smtClean="0"/>
               <a:pPr/>
-              <a:t>15</a:t>
+              <a:t>16</a:t>
+            </a:fld>
+            <a:endParaRPr lang="de-DE"/>
+          </a:p>
+        </p:txBody>
+      </p:sp>
+    </p:spTree>
+    <p:extLst>
+      <p:ext uri="{BB962C8B-B14F-4D97-AF65-F5344CB8AC3E}">
+        <p14:creationId xmlns:p14="http://schemas.microsoft.com/office/powerpoint/2010/main" val="2022462902"/>
+      </p:ext>
+    </p:extLst>
+  </p:cSld>
+  <p:clrMapOvr>
+    <a:masterClrMapping/>
+  </p:clrMapOvr>
+</p:sld>
+</file>
+
+<file path=ppt/slides/slide17.xml><?xml version="1.0" encoding="utf-8"?>
+<p:sld xmlns:a="http://schemas.openxmlformats.org/drawingml/2006/main" xmlns:r="http://schemas.openxmlformats.org/officeDocument/2006/relationships" xmlns:p="http://schemas.openxmlformats.org/presentationml/2006/main">
+  <p:cSld>
+    <p:spTree>
+      <p:nvGrpSpPr>
+        <p:cNvPr id="1" name=""/>
+        <p:cNvGrpSpPr/>
+        <p:nvPr/>
+      </p:nvGrpSpPr>
+      <p:grpSpPr>
+        <a:xfrm>
+          <a:off x="0" y="0"/>
+          <a:ext cx="0" cy="0"/>
+          <a:chOff x="0" y="0"/>
+          <a:chExt cx="0" cy="0"/>
+        </a:xfrm>
+      </p:grpSpPr>
+      <p:sp>
+        <p:nvSpPr>
+          <p:cNvPr id="5" name="Titel 4">
+            <a:extLst>
+              <a:ext uri="{FF2B5EF4-FFF2-40B4-BE49-F238E27FC236}">
+                <a16:creationId xmlns:a16="http://schemas.microsoft.com/office/drawing/2014/main" id="{3BDAB914-87D3-4CE0-B5F7-BB66EC2ADF64}"/>
+              </a:ext>
+            </a:extLst>
+          </p:cNvPr>
+          <p:cNvSpPr>
+            <a:spLocks noGrp="1"/>
+          </p:cNvSpPr>
+          <p:nvPr>
+            <p:ph type="title"/>
+          </p:nvPr>
+        </p:nvSpPr>
+        <p:spPr>
+          <a:xfrm>
+            <a:off x="304977" y="187890"/>
+            <a:ext cx="9856790" cy="530326"/>
+          </a:xfrm>
+        </p:spPr>
+        <p:txBody>
+          <a:bodyPr/>
+          <a:lstStyle/>
+          <a:p>
+            <a:r>
+              <a:rPr lang="de-AT" dirty="0">
+                <a:latin typeface="Klavika Regular Plain" panose="02000506040000020004" pitchFamily="2" charset="77"/>
+              </a:rPr>
+              <a:t>Produkte kaufen und weiter verkaufen</a:t>
+            </a:r>
+          </a:p>
+        </p:txBody>
+      </p:sp>
+      <p:sp>
+        <p:nvSpPr>
+          <p:cNvPr id="6" name="Inhaltsplatzhalter 5">
+            <a:extLst>
+              <a:ext uri="{FF2B5EF4-FFF2-40B4-BE49-F238E27FC236}">
+                <a16:creationId xmlns:a16="http://schemas.microsoft.com/office/drawing/2014/main" id="{902B4942-6079-4325-B9EF-8765C0505437}"/>
+              </a:ext>
+            </a:extLst>
+          </p:cNvPr>
+          <p:cNvSpPr>
+            <a:spLocks noGrp="1"/>
+          </p:cNvSpPr>
+          <p:nvPr>
+            <p:ph idx="1"/>
+          </p:nvPr>
+        </p:nvSpPr>
+        <p:spPr/>
+        <p:txBody>
+          <a:bodyPr>
+            <a:normAutofit/>
+          </a:bodyPr>
+          <a:lstStyle/>
+          <a:p>
+            <a:pPr marL="0" indent="0">
+              <a:buNone/>
+            </a:pPr>
+            <a:endParaRPr lang="de-AT" dirty="0">
+              <a:latin typeface="Roboto" panose="02000000000000000000" pitchFamily="2" charset="0"/>
+              <a:ea typeface="Roboto" panose="02000000000000000000" pitchFamily="2" charset="0"/>
+            </a:endParaRPr>
+          </a:p>
+          <a:p>
+            <a:r>
+              <a:rPr lang="de-AT" dirty="0">
+                <a:latin typeface="Roboto" panose="02000000000000000000" pitchFamily="2" charset="0"/>
+                <a:ea typeface="Roboto" panose="02000000000000000000" pitchFamily="2" charset="0"/>
+              </a:rPr>
+              <a:t>ft.Shop (kleine Menge, kein Rabatt)</a:t>
+            </a:r>
+          </a:p>
+          <a:p>
+            <a:r>
+              <a:rPr lang="de-AT" dirty="0">
+                <a:latin typeface="Roboto" panose="02000000000000000000" pitchFamily="2" charset="0"/>
+                <a:ea typeface="Roboto" panose="02000000000000000000" pitchFamily="2" charset="0"/>
+              </a:rPr>
+              <a:t>Rahmenvertrag + Entitlements (ab 10 Stk. Rabattstaffelung)</a:t>
+            </a:r>
+          </a:p>
+          <a:p>
+            <a:pPr lvl="1"/>
+            <a:r>
+              <a:rPr lang="de-AT" dirty="0">
+                <a:latin typeface="Roboto" panose="02000000000000000000" pitchFamily="2" charset="0"/>
+                <a:ea typeface="Roboto" panose="02000000000000000000" pitchFamily="2" charset="0"/>
+              </a:rPr>
+              <a:t>fiskaltrust </a:t>
+            </a:r>
+            <a:r>
+              <a:rPr lang="de-AT" dirty="0" err="1">
+                <a:latin typeface="Roboto" panose="02000000000000000000" pitchFamily="2" charset="0"/>
+                <a:ea typeface="Roboto" panose="02000000000000000000" pitchFamily="2" charset="0"/>
+              </a:rPr>
+              <a:t>Sales</a:t>
+            </a:r>
+            <a:r>
+              <a:rPr lang="de-AT" dirty="0">
+                <a:latin typeface="Roboto" panose="02000000000000000000" pitchFamily="2" charset="0"/>
+                <a:ea typeface="Roboto" panose="02000000000000000000" pitchFamily="2" charset="0"/>
+              </a:rPr>
+              <a:t> Team kontaktieren</a:t>
+            </a:r>
+          </a:p>
+          <a:p>
+            <a:pPr lvl="1"/>
+            <a:r>
+              <a:rPr lang="de-AT" dirty="0">
+                <a:latin typeface="Roboto" panose="02000000000000000000" pitchFamily="2" charset="0"/>
+                <a:ea typeface="Roboto" panose="02000000000000000000" pitchFamily="2" charset="0"/>
+              </a:rPr>
+              <a:t>Unterzeichnung Rahmenvertrag</a:t>
+            </a:r>
+          </a:p>
+          <a:p>
+            <a:pPr lvl="1"/>
+            <a:r>
+              <a:rPr lang="de-AT" dirty="0">
+                <a:latin typeface="Roboto" panose="02000000000000000000" pitchFamily="2" charset="0"/>
+                <a:ea typeface="Roboto" panose="02000000000000000000" pitchFamily="2" charset="0"/>
+              </a:rPr>
+              <a:t>Kreditlimit-Freigabe durch fiskaltrust</a:t>
+            </a:r>
+          </a:p>
+          <a:p>
+            <a:pPr lvl="1"/>
+            <a:r>
+              <a:rPr lang="de-AT" dirty="0">
+                <a:latin typeface="Roboto" panose="02000000000000000000" pitchFamily="2" charset="0"/>
+                <a:ea typeface="Roboto" panose="02000000000000000000" pitchFamily="2" charset="0"/>
+              </a:rPr>
+              <a:t>Kauf der Entitlements über ft.Shop (</a:t>
+            </a:r>
+            <a:r>
+              <a:rPr lang="de-AT" dirty="0">
+                <a:latin typeface="Roboto" panose="02000000000000000000" pitchFamily="2" charset="0"/>
+                <a:ea typeface="Roboto" panose="02000000000000000000" pitchFamily="2" charset="0"/>
+                <a:hlinkClick r:id="rId3"/>
+              </a:rPr>
+              <a:t>Video</a:t>
+            </a:r>
+            <a:r>
+              <a:rPr lang="de-AT" dirty="0">
+                <a:latin typeface="Roboto" panose="02000000000000000000" pitchFamily="2" charset="0"/>
+                <a:ea typeface="Roboto" panose="02000000000000000000" pitchFamily="2" charset="0"/>
+              </a:rPr>
+              <a:t>)</a:t>
+            </a:r>
+          </a:p>
+          <a:p>
+            <a:pPr lvl="1"/>
+            <a:r>
+              <a:rPr lang="de-AT" dirty="0">
+                <a:latin typeface="Roboto" panose="02000000000000000000" pitchFamily="2" charset="0"/>
+                <a:ea typeface="Roboto" panose="02000000000000000000" pitchFamily="2" charset="0"/>
+              </a:rPr>
+              <a:t>Übertragung von Entitlements an Betreiber</a:t>
+            </a:r>
+          </a:p>
+        </p:txBody>
+      </p:sp>
+      <p:sp>
+        <p:nvSpPr>
+          <p:cNvPr id="4" name="Datumsplatzhalter 3">
+            <a:extLst>
+              <a:ext uri="{FF2B5EF4-FFF2-40B4-BE49-F238E27FC236}">
+                <a16:creationId xmlns:a16="http://schemas.microsoft.com/office/drawing/2014/main" id="{C5C0CF94-8E0E-4767-B789-B0FE06643950}"/>
+              </a:ext>
+            </a:extLst>
+          </p:cNvPr>
+          <p:cNvSpPr>
+            <a:spLocks noGrp="1"/>
+          </p:cNvSpPr>
+          <p:nvPr>
+            <p:ph type="dt" sz="half" idx="10"/>
+          </p:nvPr>
+        </p:nvSpPr>
+        <p:spPr/>
+        <p:txBody>
+          <a:bodyPr/>
+          <a:lstStyle/>
+          <a:p>
+            <a:r>
+              <a:rPr lang="de-DE"/>
+              <a:t>fiskaltrust gmbh - </a:t>
+            </a:r>
+            <a:fld id="{F9CF9B13-D011-40B4-B116-4AFF51B22AA5}" type="datetime1">
+              <a:rPr lang="de-DE" smtClean="0"/>
+              <a:pPr/>
+              <a:t>06.10.20</a:t>
+            </a:fld>
+            <a:r>
+              <a:rPr lang="de-DE"/>
+              <a:t> - Folie </a:t>
+            </a:r>
+            <a:fld id="{4D3E4D3B-16BA-4843-8361-4E45D113E984}" type="slidenum">
+              <a:rPr lang="de-DE" smtClean="0"/>
+              <a:pPr/>
+              <a:t>17</a:t>
             </a:fld>
             <a:endParaRPr lang="de-DE"/>
           </a:p>
@@ -16747,7 +17745,7 @@
 </p:sld>
 </file>
 
-<file path=ppt/slides/slide16.xml><?xml version="1.0" encoding="utf-8"?>
+<file path=ppt/slides/slide18.xml><?xml version="1.0" encoding="utf-8"?>
 <p:sld xmlns:a="http://schemas.openxmlformats.org/drawingml/2006/main" xmlns:r="http://schemas.openxmlformats.org/officeDocument/2006/relationships" xmlns:p="http://schemas.openxmlformats.org/presentationml/2006/main">
   <p:cSld>
     <p:spTree>
@@ -16827,7 +17825,7 @@
             <a:fld id="{F9CF9B13-D011-40B4-B116-4AFF51B22AA5}" type="datetime1">
               <a:rPr lang="de-DE" smtClean="0"/>
               <a:pPr/>
-              <a:t>24.09.20</a:t>
+              <a:t>06.10.20</a:t>
             </a:fld>
             <a:r>
               <a:rPr lang="de-DE"/>
@@ -16836,7 +17834,7 @@
             <a:fld id="{4D3E4D3B-16BA-4843-8361-4E45D113E984}" type="slidenum">
               <a:rPr lang="de-DE" smtClean="0"/>
               <a:pPr/>
-              <a:t>16</a:t>
+              <a:t>18</a:t>
             </a:fld>
             <a:endParaRPr lang="de-DE"/>
           </a:p>
@@ -16885,7 +17883,7 @@
 </p:sld>
 </file>
 
-<file path=ppt/slides/slide17.xml><?xml version="1.0" encoding="utf-8"?>
+<file path=ppt/slides/slide19.xml><?xml version="1.0" encoding="utf-8"?>
 <p:sld xmlns:a="http://schemas.openxmlformats.org/drawingml/2006/main" xmlns:r="http://schemas.openxmlformats.org/officeDocument/2006/relationships" xmlns:p="http://schemas.openxmlformats.org/presentationml/2006/main">
   <p:cSld>
     <p:spTree>
@@ -17074,7 +18072,7 @@
             <a:fld id="{F9CF9B13-D011-40B4-B116-4AFF51B22AA5}" type="datetime1">
               <a:rPr lang="de-DE" smtClean="0"/>
               <a:pPr/>
-              <a:t>24.09.20</a:t>
+              <a:t>06.10.20</a:t>
             </a:fld>
             <a:r>
               <a:rPr lang="de-DE"/>
@@ -17083,7 +18081,7 @@
             <a:fld id="{4D3E4D3B-16BA-4843-8361-4E45D113E984}" type="slidenum">
               <a:rPr lang="de-DE" smtClean="0"/>
               <a:pPr/>
-              <a:t>17</a:t>
+              <a:t>19</a:t>
             </a:fld>
             <a:endParaRPr lang="de-DE"/>
           </a:p>
@@ -17380,310 +18378,6 @@
 </p:sld>
 </file>
 
-<file path=ppt/slides/slide18.xml><?xml version="1.0" encoding="utf-8"?>
-<p:sld xmlns:a="http://schemas.openxmlformats.org/drawingml/2006/main" xmlns:r="http://schemas.openxmlformats.org/officeDocument/2006/relationships" xmlns:p="http://schemas.openxmlformats.org/presentationml/2006/main">
-  <p:cSld>
-    <p:spTree>
-      <p:nvGrpSpPr>
-        <p:cNvPr id="1" name=""/>
-        <p:cNvGrpSpPr/>
-        <p:nvPr/>
-      </p:nvGrpSpPr>
-      <p:grpSpPr>
-        <a:xfrm>
-          <a:off x="0" y="0"/>
-          <a:ext cx="0" cy="0"/>
-          <a:chOff x="0" y="0"/>
-          <a:chExt cx="0" cy="0"/>
-        </a:xfrm>
-      </p:grpSpPr>
-      <p:sp>
-        <p:nvSpPr>
-          <p:cNvPr id="5" name="Titel 4">
-            <a:extLst>
-              <a:ext uri="{FF2B5EF4-FFF2-40B4-BE49-F238E27FC236}">
-                <a16:creationId xmlns:a16="http://schemas.microsoft.com/office/drawing/2014/main" id="{3BDAB914-87D3-4CE0-B5F7-BB66EC2ADF64}"/>
-              </a:ext>
-            </a:extLst>
-          </p:cNvPr>
-          <p:cNvSpPr>
-            <a:spLocks noGrp="1"/>
-          </p:cNvSpPr>
-          <p:nvPr>
-            <p:ph type="title"/>
-          </p:nvPr>
-        </p:nvSpPr>
-        <p:spPr>
-          <a:xfrm>
-            <a:off x="304977" y="187890"/>
-            <a:ext cx="9856790" cy="530326"/>
-          </a:xfrm>
-        </p:spPr>
-        <p:txBody>
-          <a:bodyPr/>
-          <a:lstStyle/>
-          <a:p>
-            <a:r>
-              <a:rPr lang="de-AT" dirty="0">
-                <a:latin typeface="Klavika Regular Plain" panose="02000506040000020004" pitchFamily="2" charset="77"/>
-              </a:rPr>
-              <a:t>Rollout Vorbereitung</a:t>
-            </a:r>
-          </a:p>
-        </p:txBody>
-      </p:sp>
-      <p:sp>
-        <p:nvSpPr>
-          <p:cNvPr id="4" name="Datumsplatzhalter 3">
-            <a:extLst>
-              <a:ext uri="{FF2B5EF4-FFF2-40B4-BE49-F238E27FC236}">
-                <a16:creationId xmlns:a16="http://schemas.microsoft.com/office/drawing/2014/main" id="{C5C0CF94-8E0E-4767-B789-B0FE06643950}"/>
-              </a:ext>
-            </a:extLst>
-          </p:cNvPr>
-          <p:cNvSpPr>
-            <a:spLocks noGrp="1"/>
-          </p:cNvSpPr>
-          <p:nvPr>
-            <p:ph type="dt" sz="half" idx="10"/>
-          </p:nvPr>
-        </p:nvSpPr>
-        <p:spPr/>
-        <p:txBody>
-          <a:bodyPr/>
-          <a:lstStyle/>
-          <a:p>
-            <a:r>
-              <a:rPr lang="de-DE"/>
-              <a:t>fiskaltrust gmbh - </a:t>
-            </a:r>
-            <a:fld id="{F9CF9B13-D011-40B4-B116-4AFF51B22AA5}" type="datetime1">
-              <a:rPr lang="de-DE" smtClean="0"/>
-              <a:pPr/>
-              <a:t>24.09.20</a:t>
-            </a:fld>
-            <a:r>
-              <a:rPr lang="de-DE"/>
-              <a:t> - Folie </a:t>
-            </a:r>
-            <a:fld id="{4D3E4D3B-16BA-4843-8361-4E45D113E984}" type="slidenum">
-              <a:rPr lang="de-DE" smtClean="0"/>
-              <a:pPr/>
-              <a:t>18</a:t>
-            </a:fld>
-            <a:endParaRPr lang="de-DE"/>
-          </a:p>
-        </p:txBody>
-      </p:sp>
-      <p:pic>
-        <p:nvPicPr>
-          <p:cNvPr id="6" name="Picture 5" descr="A screenshot of a cell phone&#10;&#10;Description automatically generated">
-            <a:extLst>
-              <a:ext uri="{FF2B5EF4-FFF2-40B4-BE49-F238E27FC236}">
-                <a16:creationId xmlns:a16="http://schemas.microsoft.com/office/drawing/2014/main" id="{7A108592-01AC-5440-947A-A7E46825E390}"/>
-              </a:ext>
-            </a:extLst>
-          </p:cNvPr>
-          <p:cNvPicPr>
-            <a:picLocks noChangeAspect="1"/>
-          </p:cNvPicPr>
-          <p:nvPr/>
-        </p:nvPicPr>
-        <p:blipFill>
-          <a:blip r:embed="rId3">
-            <a:extLst>
-              <a:ext uri="{28A0092B-C50C-407E-A947-70E740481C1C}">
-                <a14:useLocalDpi xmlns:a14="http://schemas.microsoft.com/office/drawing/2010/main" val="0"/>
-              </a:ext>
-            </a:extLst>
-          </a:blip>
-          <a:stretch>
-            <a:fillRect/>
-          </a:stretch>
-        </p:blipFill>
-        <p:spPr>
-          <a:xfrm>
-            <a:off x="1352928" y="919099"/>
-            <a:ext cx="9176527" cy="5507949"/>
-          </a:xfrm>
-          <a:prstGeom prst="rect">
-            <a:avLst/>
-          </a:prstGeom>
-        </p:spPr>
-      </p:pic>
-    </p:spTree>
-    <p:extLst>
-      <p:ext uri="{BB962C8B-B14F-4D97-AF65-F5344CB8AC3E}">
-        <p14:creationId xmlns:p14="http://schemas.microsoft.com/office/powerpoint/2010/main" val="4230301943"/>
-      </p:ext>
-    </p:extLst>
-  </p:cSld>
-  <p:clrMapOvr>
-    <a:masterClrMapping/>
-  </p:clrMapOvr>
-</p:sld>
-</file>
-
-<file path=ppt/slides/slide19.xml><?xml version="1.0" encoding="utf-8"?>
-<p:sld xmlns:a="http://schemas.openxmlformats.org/drawingml/2006/main" xmlns:r="http://schemas.openxmlformats.org/officeDocument/2006/relationships" xmlns:p="http://schemas.openxmlformats.org/presentationml/2006/main">
-  <p:cSld>
-    <p:spTree>
-      <p:nvGrpSpPr>
-        <p:cNvPr id="1" name=""/>
-        <p:cNvGrpSpPr/>
-        <p:nvPr/>
-      </p:nvGrpSpPr>
-      <p:grpSpPr>
-        <a:xfrm>
-          <a:off x="0" y="0"/>
-          <a:ext cx="0" cy="0"/>
-          <a:chOff x="0" y="0"/>
-          <a:chExt cx="0" cy="0"/>
-        </a:xfrm>
-      </p:grpSpPr>
-      <p:sp>
-        <p:nvSpPr>
-          <p:cNvPr id="5" name="Titel 4">
-            <a:extLst>
-              <a:ext uri="{FF2B5EF4-FFF2-40B4-BE49-F238E27FC236}">
-                <a16:creationId xmlns:a16="http://schemas.microsoft.com/office/drawing/2014/main" id="{3BDAB914-87D3-4CE0-B5F7-BB66EC2ADF64}"/>
-              </a:ext>
-            </a:extLst>
-          </p:cNvPr>
-          <p:cNvSpPr>
-            <a:spLocks noGrp="1"/>
-          </p:cNvSpPr>
-          <p:nvPr>
-            <p:ph type="title"/>
-          </p:nvPr>
-        </p:nvSpPr>
-        <p:spPr>
-          <a:xfrm>
-            <a:off x="304977" y="187890"/>
-            <a:ext cx="9856790" cy="530326"/>
-          </a:xfrm>
-        </p:spPr>
-        <p:txBody>
-          <a:bodyPr/>
-          <a:lstStyle/>
-          <a:p>
-            <a:r>
-              <a:rPr lang="de-AT" dirty="0">
-                <a:latin typeface="Klavika Regular Plain" panose="02000506040000020004" pitchFamily="2" charset="77"/>
-              </a:rPr>
-              <a:t>Nächste Schritte</a:t>
-            </a:r>
-          </a:p>
-        </p:txBody>
-      </p:sp>
-      <p:sp>
-        <p:nvSpPr>
-          <p:cNvPr id="6" name="Inhaltsplatzhalter 5">
-            <a:extLst>
-              <a:ext uri="{FF2B5EF4-FFF2-40B4-BE49-F238E27FC236}">
-                <a16:creationId xmlns:a16="http://schemas.microsoft.com/office/drawing/2014/main" id="{902B4942-6079-4325-B9EF-8765C0505437}"/>
-              </a:ext>
-            </a:extLst>
-          </p:cNvPr>
-          <p:cNvSpPr>
-            <a:spLocks noGrp="1"/>
-          </p:cNvSpPr>
-          <p:nvPr>
-            <p:ph idx="1"/>
-          </p:nvPr>
-        </p:nvSpPr>
-        <p:spPr/>
-        <p:txBody>
-          <a:bodyPr>
-            <a:normAutofit/>
-          </a:bodyPr>
-          <a:lstStyle/>
-          <a:p>
-            <a:endParaRPr lang="de-DE" dirty="0">
-              <a:hlinkClick r:id="rId3"/>
-            </a:endParaRPr>
-          </a:p>
-          <a:p>
-            <a:endParaRPr lang="de-DE" dirty="0">
-              <a:hlinkClick r:id="rId3"/>
-            </a:endParaRPr>
-          </a:p>
-          <a:p>
-            <a:r>
-              <a:rPr lang="de-DE" dirty="0">
-                <a:hlinkClick r:id="rId3"/>
-              </a:rPr>
-              <a:t>Getting Started für Kassenhändler</a:t>
-            </a:r>
-            <a:endParaRPr lang="de-DE" dirty="0"/>
-          </a:p>
-          <a:p>
-            <a:r>
-              <a:rPr lang="de-DE" dirty="0">
-                <a:hlinkClick r:id="rId4"/>
-              </a:rPr>
-              <a:t>Händlerpreisliste</a:t>
-            </a:r>
-            <a:endParaRPr lang="de-DE" dirty="0"/>
-          </a:p>
-        </p:txBody>
-      </p:sp>
-      <p:sp>
-        <p:nvSpPr>
-          <p:cNvPr id="4" name="Datumsplatzhalter 3">
-            <a:extLst>
-              <a:ext uri="{FF2B5EF4-FFF2-40B4-BE49-F238E27FC236}">
-                <a16:creationId xmlns:a16="http://schemas.microsoft.com/office/drawing/2014/main" id="{C5C0CF94-8E0E-4767-B789-B0FE06643950}"/>
-              </a:ext>
-            </a:extLst>
-          </p:cNvPr>
-          <p:cNvSpPr>
-            <a:spLocks noGrp="1"/>
-          </p:cNvSpPr>
-          <p:nvPr>
-            <p:ph type="dt" sz="half" idx="10"/>
-          </p:nvPr>
-        </p:nvSpPr>
-        <p:spPr/>
-        <p:txBody>
-          <a:bodyPr/>
-          <a:lstStyle/>
-          <a:p>
-            <a:r>
-              <a:rPr lang="de-DE"/>
-              <a:t>fiskaltrust gmbh - </a:t>
-            </a:r>
-            <a:fld id="{F9CF9B13-D011-40B4-B116-4AFF51B22AA5}" type="datetime1">
-              <a:rPr lang="de-DE" smtClean="0"/>
-              <a:pPr/>
-              <a:t>24.09.20</a:t>
-            </a:fld>
-            <a:r>
-              <a:rPr lang="de-DE"/>
-              <a:t> - Folie </a:t>
-            </a:r>
-            <a:fld id="{4D3E4D3B-16BA-4843-8361-4E45D113E984}" type="slidenum">
-              <a:rPr lang="de-DE" smtClean="0"/>
-              <a:pPr/>
-              <a:t>19</a:t>
-            </a:fld>
-            <a:endParaRPr lang="de-DE"/>
-          </a:p>
-        </p:txBody>
-      </p:sp>
-    </p:spTree>
-    <p:extLst>
-      <p:ext uri="{BB962C8B-B14F-4D97-AF65-F5344CB8AC3E}">
-        <p14:creationId xmlns:p14="http://schemas.microsoft.com/office/powerpoint/2010/main" val="109612277"/>
-      </p:ext>
-    </p:extLst>
-  </p:cSld>
-  <p:clrMapOvr>
-    <a:masterClrMapping/>
-  </p:clrMapOvr>
-</p:sld>
-</file>
-
 <file path=ppt/slides/slide2.xml><?xml version="1.0" encoding="utf-8"?>
 <p:sld xmlns:a="http://schemas.openxmlformats.org/drawingml/2006/main" xmlns:r="http://schemas.openxmlformats.org/officeDocument/2006/relationships" xmlns:p="http://schemas.openxmlformats.org/presentationml/2006/main">
   <p:cSld>
@@ -17834,7 +18528,7 @@
             <a:fld id="{F9CF9B13-D011-40B4-B116-4AFF51B22AA5}" type="datetime1">
               <a:rPr lang="de-DE" smtClean="0"/>
               <a:pPr/>
-              <a:t>24.09.20</a:t>
+              <a:t>06.10.20</a:t>
             </a:fld>
             <a:r>
               <a:rPr lang="de-DE"/>
@@ -17863,6 +18557,310 @@
 </file>
 
 <file path=ppt/slides/slide20.xml><?xml version="1.0" encoding="utf-8"?>
+<p:sld xmlns:a="http://schemas.openxmlformats.org/drawingml/2006/main" xmlns:r="http://schemas.openxmlformats.org/officeDocument/2006/relationships" xmlns:p="http://schemas.openxmlformats.org/presentationml/2006/main">
+  <p:cSld>
+    <p:spTree>
+      <p:nvGrpSpPr>
+        <p:cNvPr id="1" name=""/>
+        <p:cNvGrpSpPr/>
+        <p:nvPr/>
+      </p:nvGrpSpPr>
+      <p:grpSpPr>
+        <a:xfrm>
+          <a:off x="0" y="0"/>
+          <a:ext cx="0" cy="0"/>
+          <a:chOff x="0" y="0"/>
+          <a:chExt cx="0" cy="0"/>
+        </a:xfrm>
+      </p:grpSpPr>
+      <p:sp>
+        <p:nvSpPr>
+          <p:cNvPr id="5" name="Titel 4">
+            <a:extLst>
+              <a:ext uri="{FF2B5EF4-FFF2-40B4-BE49-F238E27FC236}">
+                <a16:creationId xmlns:a16="http://schemas.microsoft.com/office/drawing/2014/main" id="{3BDAB914-87D3-4CE0-B5F7-BB66EC2ADF64}"/>
+              </a:ext>
+            </a:extLst>
+          </p:cNvPr>
+          <p:cNvSpPr>
+            <a:spLocks noGrp="1"/>
+          </p:cNvSpPr>
+          <p:nvPr>
+            <p:ph type="title"/>
+          </p:nvPr>
+        </p:nvSpPr>
+        <p:spPr>
+          <a:xfrm>
+            <a:off x="304977" y="187890"/>
+            <a:ext cx="9856790" cy="530326"/>
+          </a:xfrm>
+        </p:spPr>
+        <p:txBody>
+          <a:bodyPr/>
+          <a:lstStyle/>
+          <a:p>
+            <a:r>
+              <a:rPr lang="de-AT" dirty="0">
+                <a:latin typeface="Klavika Regular Plain" panose="02000506040000020004" pitchFamily="2" charset="77"/>
+              </a:rPr>
+              <a:t>Rollout Vorbereitung</a:t>
+            </a:r>
+          </a:p>
+        </p:txBody>
+      </p:sp>
+      <p:sp>
+        <p:nvSpPr>
+          <p:cNvPr id="4" name="Datumsplatzhalter 3">
+            <a:extLst>
+              <a:ext uri="{FF2B5EF4-FFF2-40B4-BE49-F238E27FC236}">
+                <a16:creationId xmlns:a16="http://schemas.microsoft.com/office/drawing/2014/main" id="{C5C0CF94-8E0E-4767-B789-B0FE06643950}"/>
+              </a:ext>
+            </a:extLst>
+          </p:cNvPr>
+          <p:cNvSpPr>
+            <a:spLocks noGrp="1"/>
+          </p:cNvSpPr>
+          <p:nvPr>
+            <p:ph type="dt" sz="half" idx="10"/>
+          </p:nvPr>
+        </p:nvSpPr>
+        <p:spPr/>
+        <p:txBody>
+          <a:bodyPr/>
+          <a:lstStyle/>
+          <a:p>
+            <a:r>
+              <a:rPr lang="de-DE"/>
+              <a:t>fiskaltrust gmbh - </a:t>
+            </a:r>
+            <a:fld id="{F9CF9B13-D011-40B4-B116-4AFF51B22AA5}" type="datetime1">
+              <a:rPr lang="de-DE" smtClean="0"/>
+              <a:pPr/>
+              <a:t>06.10.20</a:t>
+            </a:fld>
+            <a:r>
+              <a:rPr lang="de-DE"/>
+              <a:t> - Folie </a:t>
+            </a:r>
+            <a:fld id="{4D3E4D3B-16BA-4843-8361-4E45D113E984}" type="slidenum">
+              <a:rPr lang="de-DE" smtClean="0"/>
+              <a:pPr/>
+              <a:t>20</a:t>
+            </a:fld>
+            <a:endParaRPr lang="de-DE"/>
+          </a:p>
+        </p:txBody>
+      </p:sp>
+      <p:pic>
+        <p:nvPicPr>
+          <p:cNvPr id="3" name="Picture 2" descr="A picture containing graphical user interface&#10;&#10;Description automatically generated">
+            <a:extLst>
+              <a:ext uri="{FF2B5EF4-FFF2-40B4-BE49-F238E27FC236}">
+                <a16:creationId xmlns:a16="http://schemas.microsoft.com/office/drawing/2014/main" id="{C2C026D8-1958-0547-9726-5402E5D4D75D}"/>
+              </a:ext>
+            </a:extLst>
+          </p:cNvPr>
+          <p:cNvPicPr>
+            <a:picLocks noChangeAspect="1"/>
+          </p:cNvPicPr>
+          <p:nvPr/>
+        </p:nvPicPr>
+        <p:blipFill>
+          <a:blip r:embed="rId3">
+            <a:extLst>
+              <a:ext uri="{28A0092B-C50C-407E-A947-70E740481C1C}">
+                <a14:useLocalDpi xmlns:a14="http://schemas.microsoft.com/office/drawing/2010/main" val="0"/>
+              </a:ext>
+            </a:extLst>
+          </a:blip>
+          <a:stretch>
+            <a:fillRect/>
+          </a:stretch>
+        </p:blipFill>
+        <p:spPr>
+          <a:xfrm>
+            <a:off x="1796761" y="989656"/>
+            <a:ext cx="8598477" cy="5165951"/>
+          </a:xfrm>
+          <a:prstGeom prst="rect">
+            <a:avLst/>
+          </a:prstGeom>
+        </p:spPr>
+      </p:pic>
+    </p:spTree>
+    <p:extLst>
+      <p:ext uri="{BB962C8B-B14F-4D97-AF65-F5344CB8AC3E}">
+        <p14:creationId xmlns:p14="http://schemas.microsoft.com/office/powerpoint/2010/main" val="4230301943"/>
+      </p:ext>
+    </p:extLst>
+  </p:cSld>
+  <p:clrMapOvr>
+    <a:masterClrMapping/>
+  </p:clrMapOvr>
+</p:sld>
+</file>
+
+<file path=ppt/slides/slide21.xml><?xml version="1.0" encoding="utf-8"?>
+<p:sld xmlns:a="http://schemas.openxmlformats.org/drawingml/2006/main" xmlns:r="http://schemas.openxmlformats.org/officeDocument/2006/relationships" xmlns:p="http://schemas.openxmlformats.org/presentationml/2006/main">
+  <p:cSld>
+    <p:spTree>
+      <p:nvGrpSpPr>
+        <p:cNvPr id="1" name=""/>
+        <p:cNvGrpSpPr/>
+        <p:nvPr/>
+      </p:nvGrpSpPr>
+      <p:grpSpPr>
+        <a:xfrm>
+          <a:off x="0" y="0"/>
+          <a:ext cx="0" cy="0"/>
+          <a:chOff x="0" y="0"/>
+          <a:chExt cx="0" cy="0"/>
+        </a:xfrm>
+      </p:grpSpPr>
+      <p:sp>
+        <p:nvSpPr>
+          <p:cNvPr id="5" name="Titel 4">
+            <a:extLst>
+              <a:ext uri="{FF2B5EF4-FFF2-40B4-BE49-F238E27FC236}">
+                <a16:creationId xmlns:a16="http://schemas.microsoft.com/office/drawing/2014/main" id="{3BDAB914-87D3-4CE0-B5F7-BB66EC2ADF64}"/>
+              </a:ext>
+            </a:extLst>
+          </p:cNvPr>
+          <p:cNvSpPr>
+            <a:spLocks noGrp="1"/>
+          </p:cNvSpPr>
+          <p:nvPr>
+            <p:ph type="title"/>
+          </p:nvPr>
+        </p:nvSpPr>
+        <p:spPr>
+          <a:xfrm>
+            <a:off x="304977" y="187890"/>
+            <a:ext cx="9856790" cy="530326"/>
+          </a:xfrm>
+        </p:spPr>
+        <p:txBody>
+          <a:bodyPr/>
+          <a:lstStyle/>
+          <a:p>
+            <a:r>
+              <a:rPr lang="de-AT" dirty="0">
+                <a:latin typeface="Klavika Regular Plain" panose="02000506040000020004" pitchFamily="2" charset="77"/>
+              </a:rPr>
+              <a:t>Nächste Schritte</a:t>
+            </a:r>
+          </a:p>
+        </p:txBody>
+      </p:sp>
+      <p:sp>
+        <p:nvSpPr>
+          <p:cNvPr id="6" name="Inhaltsplatzhalter 5">
+            <a:extLst>
+              <a:ext uri="{FF2B5EF4-FFF2-40B4-BE49-F238E27FC236}">
+                <a16:creationId xmlns:a16="http://schemas.microsoft.com/office/drawing/2014/main" id="{902B4942-6079-4325-B9EF-8765C0505437}"/>
+              </a:ext>
+            </a:extLst>
+          </p:cNvPr>
+          <p:cNvSpPr>
+            <a:spLocks noGrp="1"/>
+          </p:cNvSpPr>
+          <p:nvPr>
+            <p:ph idx="1"/>
+          </p:nvPr>
+        </p:nvSpPr>
+        <p:spPr/>
+        <p:txBody>
+          <a:bodyPr>
+            <a:normAutofit/>
+          </a:bodyPr>
+          <a:lstStyle/>
+          <a:p>
+            <a:endParaRPr lang="de-DE" dirty="0">
+              <a:hlinkClick r:id="rId3"/>
+            </a:endParaRPr>
+          </a:p>
+          <a:p>
+            <a:endParaRPr lang="de-DE" dirty="0">
+              <a:hlinkClick r:id="rId3"/>
+            </a:endParaRPr>
+          </a:p>
+          <a:p>
+            <a:r>
+              <a:rPr lang="de-DE" dirty="0">
+                <a:hlinkClick r:id="rId3"/>
+              </a:rPr>
+              <a:t>Getting Started für Kassenhändler</a:t>
+            </a:r>
+            <a:endParaRPr lang="de-DE" dirty="0"/>
+          </a:p>
+          <a:p>
+            <a:r>
+              <a:rPr lang="de-DE" dirty="0">
+                <a:hlinkClick r:id="rId4"/>
+              </a:rPr>
+              <a:t>Händlerpreisliste</a:t>
+            </a:r>
+            <a:endParaRPr lang="de-DE" dirty="0"/>
+          </a:p>
+        </p:txBody>
+      </p:sp>
+      <p:sp>
+        <p:nvSpPr>
+          <p:cNvPr id="4" name="Datumsplatzhalter 3">
+            <a:extLst>
+              <a:ext uri="{FF2B5EF4-FFF2-40B4-BE49-F238E27FC236}">
+                <a16:creationId xmlns:a16="http://schemas.microsoft.com/office/drawing/2014/main" id="{C5C0CF94-8E0E-4767-B789-B0FE06643950}"/>
+              </a:ext>
+            </a:extLst>
+          </p:cNvPr>
+          <p:cNvSpPr>
+            <a:spLocks noGrp="1"/>
+          </p:cNvSpPr>
+          <p:nvPr>
+            <p:ph type="dt" sz="half" idx="10"/>
+          </p:nvPr>
+        </p:nvSpPr>
+        <p:spPr/>
+        <p:txBody>
+          <a:bodyPr/>
+          <a:lstStyle/>
+          <a:p>
+            <a:r>
+              <a:rPr lang="de-DE"/>
+              <a:t>fiskaltrust gmbh - </a:t>
+            </a:r>
+            <a:fld id="{F9CF9B13-D011-40B4-B116-4AFF51B22AA5}" type="datetime1">
+              <a:rPr lang="de-DE" smtClean="0"/>
+              <a:pPr/>
+              <a:t>06.10.20</a:t>
+            </a:fld>
+            <a:r>
+              <a:rPr lang="de-DE"/>
+              <a:t> - Folie </a:t>
+            </a:r>
+            <a:fld id="{4D3E4D3B-16BA-4843-8361-4E45D113E984}" type="slidenum">
+              <a:rPr lang="de-DE" smtClean="0"/>
+              <a:pPr/>
+              <a:t>21</a:t>
+            </a:fld>
+            <a:endParaRPr lang="de-DE"/>
+          </a:p>
+        </p:txBody>
+      </p:sp>
+    </p:spTree>
+    <p:extLst>
+      <p:ext uri="{BB962C8B-B14F-4D97-AF65-F5344CB8AC3E}">
+        <p14:creationId xmlns:p14="http://schemas.microsoft.com/office/powerpoint/2010/main" val="109612277"/>
+      </p:ext>
+    </p:extLst>
+  </p:cSld>
+  <p:clrMapOvr>
+    <a:masterClrMapping/>
+  </p:clrMapOvr>
+</p:sld>
+</file>
+
+<file path=ppt/slides/slide22.xml><?xml version="1.0" encoding="utf-8"?>
 <p:sld xmlns:a="http://schemas.openxmlformats.org/drawingml/2006/main" xmlns:r="http://schemas.openxmlformats.org/officeDocument/2006/relationships" xmlns:p="http://schemas.openxmlformats.org/presentationml/2006/main">
   <p:cSld>
     <p:spTree>
@@ -17936,7 +18934,7 @@
             <a:fld id="{F9CF9B13-D011-40B4-B116-4AFF51B22AA5}" type="datetime1">
               <a:rPr lang="de-DE" smtClean="0"/>
               <a:pPr/>
-              <a:t>24.09.20</a:t>
+              <a:t>06.10.20</a:t>
             </a:fld>
             <a:r>
               <a:rPr lang="de-DE"/>
@@ -17945,7 +18943,7 @@
             <a:fld id="{4D3E4D3B-16BA-4843-8361-4E45D113E984}" type="slidenum">
               <a:rPr lang="de-DE" smtClean="0"/>
               <a:pPr/>
-              <a:t>20</a:t>
+              <a:t>22</a:t>
             </a:fld>
             <a:endParaRPr lang="de-DE"/>
           </a:p>
@@ -20516,7 +21514,7 @@
             <a:fld id="{F9CF9B13-D011-40B4-B116-4AFF51B22AA5}" type="datetime1">
               <a:rPr lang="de-DE" smtClean="0"/>
               <a:pPr/>
-              <a:t>24.09.20</a:t>
+              <a:t>06.10.20</a:t>
             </a:fld>
             <a:r>
               <a:rPr lang="de-DE"/>
@@ -20533,10 +21531,10 @@
       </p:sp>
       <p:pic>
         <p:nvPicPr>
-          <p:cNvPr id="10" name="Picture 9" descr="A screenshot of a video game&#10;&#10;Description automatically generated">
+          <p:cNvPr id="3" name="Picture 2" descr="Graphical user interface, website&#10;&#10;Description automatically generated">
             <a:extLst>
               <a:ext uri="{FF2B5EF4-FFF2-40B4-BE49-F238E27FC236}">
-                <a16:creationId xmlns:a16="http://schemas.microsoft.com/office/drawing/2014/main" id="{BCC61F3E-B115-7143-82C1-6F92CBD59AA1}"/>
+                <a16:creationId xmlns:a16="http://schemas.microsoft.com/office/drawing/2014/main" id="{F4ED6A44-DA39-344E-8DD1-45D2EBBD663F}"/>
               </a:ext>
             </a:extLst>
           </p:cNvPr>
@@ -20559,13 +21557,12 @@
         </p:blipFill>
         <p:spPr>
           <a:xfrm>
-            <a:off x="956192" y="1865272"/>
-            <a:ext cx="13217008" cy="3912074"/>
+            <a:off x="798945" y="1847272"/>
+            <a:ext cx="13630032" cy="4027055"/>
           </a:xfrm>
           <a:prstGeom prst="rect">
             <a:avLst/>
           </a:prstGeom>
-          <a:noFill/>
         </p:spPr>
       </p:pic>
     </p:spTree>
@@ -20732,7 +21729,7 @@
             <a:fld id="{F9CF9B13-D011-40B4-B116-4AFF51B22AA5}" type="datetime1">
               <a:rPr lang="de-DE" smtClean="0"/>
               <a:pPr/>
-              <a:t>24.09.20</a:t>
+              <a:t>06.10.20</a:t>
             </a:fld>
             <a:r>
               <a:rPr lang="de-DE"/>
@@ -20843,7 +21840,7 @@
             <a:fld id="{F9CF9B13-D011-40B4-B116-4AFF51B22AA5}" type="datetime1">
               <a:rPr lang="de-DE" smtClean="0"/>
               <a:pPr/>
-              <a:t>24.09.20</a:t>
+              <a:t>06.10.20</a:t>
             </a:fld>
             <a:r>
               <a:rPr lang="de-DE"/>
@@ -20860,10 +21857,10 @@
       </p:sp>
       <p:pic>
         <p:nvPicPr>
-          <p:cNvPr id="22" name="Picture 21" descr="A screenshot of a video game&#10;&#10;Description automatically generated">
+          <p:cNvPr id="7" name="Picture 6" descr="Diagram&#10;&#10;Description automatically generated">
             <a:extLst>
               <a:ext uri="{FF2B5EF4-FFF2-40B4-BE49-F238E27FC236}">
-                <a16:creationId xmlns:a16="http://schemas.microsoft.com/office/drawing/2014/main" id="{DBC90B44-1278-D84F-AF83-35566195DE58}"/>
+                <a16:creationId xmlns:a16="http://schemas.microsoft.com/office/drawing/2014/main" id="{B99F08E3-5117-3247-A9F5-CD07761EBDDC}"/>
               </a:ext>
             </a:extLst>
           </p:cNvPr>
@@ -20886,8 +21883,8 @@
         </p:blipFill>
         <p:spPr>
           <a:xfrm>
-            <a:off x="1544782" y="1331469"/>
-            <a:ext cx="9102436" cy="5095579"/>
+            <a:off x="1524626" y="863933"/>
+            <a:ext cx="9142748" cy="5417398"/>
           </a:xfrm>
           <a:prstGeom prst="rect">
             <a:avLst/>
@@ -20951,6 +21948,153 @@
           <a:lstStyle/>
           <a:p>
             <a:r>
+              <a:rPr lang="de-DE" dirty="0">
+                <a:latin typeface="Klavika Regular"/>
+              </a:rPr>
+              <a:t>Organisatorische Architektur</a:t>
+            </a:r>
+            <a:endParaRPr lang="de-AT" dirty="0">
+              <a:latin typeface="Klavika Regular Plain" panose="02000506040000020004" pitchFamily="2" charset="77"/>
+            </a:endParaRPr>
+          </a:p>
+        </p:txBody>
+      </p:sp>
+      <p:sp>
+        <p:nvSpPr>
+          <p:cNvPr id="4" name="Datumsplatzhalter 3">
+            <a:extLst>
+              <a:ext uri="{FF2B5EF4-FFF2-40B4-BE49-F238E27FC236}">
+                <a16:creationId xmlns:a16="http://schemas.microsoft.com/office/drawing/2014/main" id="{C5C0CF94-8E0E-4767-B789-B0FE06643950}"/>
+              </a:ext>
+            </a:extLst>
+          </p:cNvPr>
+          <p:cNvSpPr>
+            <a:spLocks noGrp="1"/>
+          </p:cNvSpPr>
+          <p:nvPr>
+            <p:ph type="dt" sz="half" idx="10"/>
+          </p:nvPr>
+        </p:nvSpPr>
+        <p:spPr/>
+        <p:txBody>
+          <a:bodyPr/>
+          <a:lstStyle/>
+          <a:p>
+            <a:r>
+              <a:rPr lang="de-DE"/>
+              <a:t>fiskaltrust gmbh - </a:t>
+            </a:r>
+            <a:fld id="{F9CF9B13-D011-40B4-B116-4AFF51B22AA5}" type="datetime1">
+              <a:rPr lang="de-DE" smtClean="0"/>
+              <a:pPr/>
+              <a:t>06.10.20</a:t>
+            </a:fld>
+            <a:r>
+              <a:rPr lang="de-DE"/>
+              <a:t> - Folie </a:t>
+            </a:r>
+            <a:fld id="{4D3E4D3B-16BA-4843-8361-4E45D113E984}" type="slidenum">
+              <a:rPr lang="de-DE" smtClean="0"/>
+              <a:pPr/>
+              <a:t>6</a:t>
+            </a:fld>
+            <a:endParaRPr lang="de-DE"/>
+          </a:p>
+        </p:txBody>
+      </p:sp>
+      <p:pic>
+        <p:nvPicPr>
+          <p:cNvPr id="7" name="Picture 6" descr="Diagram&#10;&#10;Description automatically generated">
+            <a:extLst>
+              <a:ext uri="{FF2B5EF4-FFF2-40B4-BE49-F238E27FC236}">
+                <a16:creationId xmlns:a16="http://schemas.microsoft.com/office/drawing/2014/main" id="{2FB73A1E-E73F-C24A-8300-F8FA2A2EC184}"/>
+              </a:ext>
+            </a:extLst>
+          </p:cNvPr>
+          <p:cNvPicPr>
+            <a:picLocks noChangeAspect="1"/>
+          </p:cNvPicPr>
+          <p:nvPr/>
+        </p:nvPicPr>
+        <p:blipFill>
+          <a:blip r:embed="rId3">
+            <a:extLst>
+              <a:ext uri="{28A0092B-C50C-407E-A947-70E740481C1C}">
+                <a14:useLocalDpi xmlns:a14="http://schemas.microsoft.com/office/drawing/2010/main" val="0"/>
+              </a:ext>
+            </a:extLst>
+          </a:blip>
+          <a:stretch>
+            <a:fillRect/>
+          </a:stretch>
+        </p:blipFill>
+        <p:spPr>
+          <a:xfrm>
+            <a:off x="1387475" y="883055"/>
+            <a:ext cx="9417050" cy="5379154"/>
+          </a:xfrm>
+          <a:prstGeom prst="rect">
+            <a:avLst/>
+          </a:prstGeom>
+        </p:spPr>
+      </p:pic>
+    </p:spTree>
+    <p:extLst>
+      <p:ext uri="{BB962C8B-B14F-4D97-AF65-F5344CB8AC3E}">
+        <p14:creationId xmlns:p14="http://schemas.microsoft.com/office/powerpoint/2010/main" val="2419698724"/>
+      </p:ext>
+    </p:extLst>
+  </p:cSld>
+  <p:clrMapOvr>
+    <a:masterClrMapping/>
+  </p:clrMapOvr>
+</p:sld>
+</file>
+
+<file path=ppt/slides/slide7.xml><?xml version="1.0" encoding="utf-8"?>
+<p:sld xmlns:a="http://schemas.openxmlformats.org/drawingml/2006/main" xmlns:r="http://schemas.openxmlformats.org/officeDocument/2006/relationships" xmlns:p="http://schemas.openxmlformats.org/presentationml/2006/main">
+  <p:cSld>
+    <p:spTree>
+      <p:nvGrpSpPr>
+        <p:cNvPr id="1" name=""/>
+        <p:cNvGrpSpPr/>
+        <p:nvPr/>
+      </p:nvGrpSpPr>
+      <p:grpSpPr>
+        <a:xfrm>
+          <a:off x="0" y="0"/>
+          <a:ext cx="0" cy="0"/>
+          <a:chOff x="0" y="0"/>
+          <a:chExt cx="0" cy="0"/>
+        </a:xfrm>
+      </p:grpSpPr>
+      <p:sp>
+        <p:nvSpPr>
+          <p:cNvPr id="5" name="Titel 4">
+            <a:extLst>
+              <a:ext uri="{FF2B5EF4-FFF2-40B4-BE49-F238E27FC236}">
+                <a16:creationId xmlns:a16="http://schemas.microsoft.com/office/drawing/2014/main" id="{3BDAB914-87D3-4CE0-B5F7-BB66EC2ADF64}"/>
+              </a:ext>
+            </a:extLst>
+          </p:cNvPr>
+          <p:cNvSpPr>
+            <a:spLocks noGrp="1"/>
+          </p:cNvSpPr>
+          <p:nvPr>
+            <p:ph type="title"/>
+          </p:nvPr>
+        </p:nvSpPr>
+        <p:spPr>
+          <a:xfrm>
+            <a:off x="304977" y="187890"/>
+            <a:ext cx="9856790" cy="530326"/>
+          </a:xfrm>
+        </p:spPr>
+        <p:txBody>
+          <a:bodyPr/>
+          <a:lstStyle/>
+          <a:p>
+            <a:r>
               <a:rPr lang="de-AT" dirty="0">
                 <a:latin typeface="Klavika Regular Plain" panose="02000506040000020004" pitchFamily="2" charset="77"/>
               </a:rPr>
@@ -21134,7 +22278,7 @@
             <a:fld id="{F9CF9B13-D011-40B4-B116-4AFF51B22AA5}" type="datetime1">
               <a:rPr lang="de-DE" smtClean="0"/>
               <a:pPr/>
-              <a:t>24.09.20</a:t>
+              <a:t>06.10.20</a:t>
             </a:fld>
             <a:r>
               <a:rPr lang="de-DE"/>
@@ -21143,7 +22287,7 @@
             <a:fld id="{4D3E4D3B-16BA-4843-8361-4E45D113E984}" type="slidenum">
               <a:rPr lang="de-DE" smtClean="0"/>
               <a:pPr/>
-              <a:t>6</a:t>
+              <a:t>7</a:t>
             </a:fld>
             <a:endParaRPr lang="de-DE"/>
           </a:p>
@@ -21515,191 +22659,6 @@
 </p:sld>
 </file>
 
-<file path=ppt/slides/slide7.xml><?xml version="1.0" encoding="utf-8"?>
-<p:sld xmlns:a="http://schemas.openxmlformats.org/drawingml/2006/main" xmlns:r="http://schemas.openxmlformats.org/officeDocument/2006/relationships" xmlns:p="http://schemas.openxmlformats.org/presentationml/2006/main">
-  <p:cSld>
-    <p:spTree>
-      <p:nvGrpSpPr>
-        <p:cNvPr id="1" name=""/>
-        <p:cNvGrpSpPr/>
-        <p:nvPr/>
-      </p:nvGrpSpPr>
-      <p:grpSpPr>
-        <a:xfrm>
-          <a:off x="0" y="0"/>
-          <a:ext cx="0" cy="0"/>
-          <a:chOff x="0" y="0"/>
-          <a:chExt cx="0" cy="0"/>
-        </a:xfrm>
-      </p:grpSpPr>
-      <p:sp>
-        <p:nvSpPr>
-          <p:cNvPr id="5" name="Titel 4">
-            <a:extLst>
-              <a:ext uri="{FF2B5EF4-FFF2-40B4-BE49-F238E27FC236}">
-                <a16:creationId xmlns:a16="http://schemas.microsoft.com/office/drawing/2014/main" id="{3BDAB914-87D3-4CE0-B5F7-BB66EC2ADF64}"/>
-              </a:ext>
-            </a:extLst>
-          </p:cNvPr>
-          <p:cNvSpPr>
-            <a:spLocks noGrp="1"/>
-          </p:cNvSpPr>
-          <p:nvPr>
-            <p:ph type="title"/>
-          </p:nvPr>
-        </p:nvSpPr>
-        <p:spPr>
-          <a:xfrm>
-            <a:off x="304977" y="187890"/>
-            <a:ext cx="9856790" cy="530326"/>
-          </a:xfrm>
-        </p:spPr>
-        <p:txBody>
-          <a:bodyPr/>
-          <a:lstStyle/>
-          <a:p>
-            <a:r>
-              <a:rPr lang="de-AT" dirty="0">
-                <a:latin typeface="Klavika Regular Plain" panose="02000506040000020004" pitchFamily="2" charset="77"/>
-              </a:rPr>
-              <a:t>ft.Middleware als Basisprodukt</a:t>
-            </a:r>
-          </a:p>
-        </p:txBody>
-      </p:sp>
-      <p:sp>
-        <p:nvSpPr>
-          <p:cNvPr id="6" name="Inhaltsplatzhalter 5">
-            <a:extLst>
-              <a:ext uri="{FF2B5EF4-FFF2-40B4-BE49-F238E27FC236}">
-                <a16:creationId xmlns:a16="http://schemas.microsoft.com/office/drawing/2014/main" id="{902B4942-6079-4325-B9EF-8765C0505437}"/>
-              </a:ext>
-            </a:extLst>
-          </p:cNvPr>
-          <p:cNvSpPr>
-            <a:spLocks noGrp="1"/>
-          </p:cNvSpPr>
-          <p:nvPr>
-            <p:ph idx="1"/>
-          </p:nvPr>
-        </p:nvSpPr>
-        <p:spPr/>
-        <p:txBody>
-          <a:bodyPr/>
-          <a:lstStyle/>
-          <a:p>
-            <a:endParaRPr lang="de-AT" dirty="0">
-              <a:latin typeface="Roboto" panose="02000000000000000000" pitchFamily="2" charset="0"/>
-              <a:ea typeface="Roboto" panose="02000000000000000000" pitchFamily="2" charset="0"/>
-            </a:endParaRPr>
-          </a:p>
-          <a:p>
-            <a:endParaRPr lang="de-AT" dirty="0">
-              <a:latin typeface="Roboto" panose="02000000000000000000" pitchFamily="2" charset="0"/>
-              <a:ea typeface="Roboto" panose="02000000000000000000" pitchFamily="2" charset="0"/>
-            </a:endParaRPr>
-          </a:p>
-          <a:p>
-            <a:r>
-              <a:rPr lang="de-AT" dirty="0">
-                <a:latin typeface="Roboto" panose="02000000000000000000" pitchFamily="2" charset="0"/>
-                <a:ea typeface="Roboto" panose="02000000000000000000" pitchFamily="2" charset="0"/>
-              </a:rPr>
-              <a:t>Bietet Compliance-</a:t>
-            </a:r>
-            <a:r>
-              <a:rPr lang="de-AT" dirty="0" err="1">
-                <a:latin typeface="Roboto" panose="02000000000000000000" pitchFamily="2" charset="0"/>
-                <a:ea typeface="Roboto" panose="02000000000000000000" pitchFamily="2" charset="0"/>
-              </a:rPr>
-              <a:t>as</a:t>
-            </a:r>
-            <a:r>
-              <a:rPr lang="de-AT" dirty="0">
-                <a:latin typeface="Roboto" panose="02000000000000000000" pitchFamily="2" charset="0"/>
-                <a:ea typeface="Roboto" panose="02000000000000000000" pitchFamily="2" charset="0"/>
-              </a:rPr>
-              <a:t>-a-Service</a:t>
-            </a:r>
-          </a:p>
-          <a:p>
-            <a:r>
-              <a:rPr lang="de-AT" dirty="0">
-                <a:latin typeface="Roboto" panose="02000000000000000000" pitchFamily="2" charset="0"/>
-                <a:ea typeface="Roboto" panose="02000000000000000000" pitchFamily="2" charset="0"/>
-              </a:rPr>
-              <a:t>Wird vom Kassenhersteller ins</a:t>
-            </a:r>
-            <a:r>
-              <a:rPr lang="de-DE" dirty="0">
-                <a:latin typeface="Roboto"/>
-                <a:ea typeface="Roboto" panose="02000000000000000000" pitchFamily="2" charset="0"/>
-              </a:rPr>
-              <a:t> Kassensystem integriert</a:t>
-            </a:r>
-            <a:endParaRPr lang="de-AT" dirty="0">
-              <a:latin typeface="Roboto" panose="02000000000000000000" pitchFamily="2" charset="0"/>
-              <a:ea typeface="Roboto" panose="02000000000000000000" pitchFamily="2" charset="0"/>
-            </a:endParaRPr>
-          </a:p>
-        </p:txBody>
-      </p:sp>
-      <p:sp>
-        <p:nvSpPr>
-          <p:cNvPr id="4" name="Datumsplatzhalter 3">
-            <a:extLst>
-              <a:ext uri="{FF2B5EF4-FFF2-40B4-BE49-F238E27FC236}">
-                <a16:creationId xmlns:a16="http://schemas.microsoft.com/office/drawing/2014/main" id="{C5C0CF94-8E0E-4767-B789-B0FE06643950}"/>
-              </a:ext>
-            </a:extLst>
-          </p:cNvPr>
-          <p:cNvSpPr>
-            <a:spLocks noGrp="1"/>
-          </p:cNvSpPr>
-          <p:nvPr>
-            <p:ph type="dt" sz="half" idx="10"/>
-          </p:nvPr>
-        </p:nvSpPr>
-        <p:spPr/>
-        <p:txBody>
-          <a:bodyPr/>
-          <a:lstStyle/>
-          <a:p>
-            <a:r>
-              <a:rPr lang="de-DE"/>
-              <a:t>fiskaltrust gmbh - </a:t>
-            </a:r>
-            <a:fld id="{F9CF9B13-D011-40B4-B116-4AFF51B22AA5}" type="datetime1">
-              <a:rPr lang="de-DE" smtClean="0"/>
-              <a:pPr/>
-              <a:t>24.09.20</a:t>
-            </a:fld>
-            <a:r>
-              <a:rPr lang="de-DE"/>
-              <a:t> - Folie </a:t>
-            </a:r>
-            <a:fld id="{4D3E4D3B-16BA-4843-8361-4E45D113E984}" type="slidenum">
-              <a:rPr lang="de-DE" smtClean="0"/>
-              <a:pPr/>
-              <a:t>7</a:t>
-            </a:fld>
-            <a:endParaRPr lang="de-DE"/>
-          </a:p>
-        </p:txBody>
-      </p:sp>
-    </p:spTree>
-    <p:extLst>
-      <p:ext uri="{BB962C8B-B14F-4D97-AF65-F5344CB8AC3E}">
-        <p14:creationId xmlns:p14="http://schemas.microsoft.com/office/powerpoint/2010/main" val="1930331928"/>
-      </p:ext>
-    </p:extLst>
-  </p:cSld>
-  <p:clrMapOvr>
-    <a:masterClrMapping/>
-  </p:clrMapOvr>
-</p:sld>
-</file>
-
 <file path=ppt/slides/slide8.xml><?xml version="1.0" encoding="utf-8"?>
 <p:sld xmlns:a="http://schemas.openxmlformats.org/drawingml/2006/main" xmlns:r="http://schemas.openxmlformats.org/officeDocument/2006/relationships" xmlns:p="http://schemas.openxmlformats.org/presentationml/2006/main">
   <p:cSld>
@@ -21754,6 +22713,83 @@
       </p:sp>
       <p:sp>
         <p:nvSpPr>
+          <p:cNvPr id="6" name="Inhaltsplatzhalter 5">
+            <a:extLst>
+              <a:ext uri="{FF2B5EF4-FFF2-40B4-BE49-F238E27FC236}">
+                <a16:creationId xmlns:a16="http://schemas.microsoft.com/office/drawing/2014/main" id="{902B4942-6079-4325-B9EF-8765C0505437}"/>
+              </a:ext>
+            </a:extLst>
+          </p:cNvPr>
+          <p:cNvSpPr>
+            <a:spLocks noGrp="1"/>
+          </p:cNvSpPr>
+          <p:nvPr>
+            <p:ph idx="1"/>
+          </p:nvPr>
+        </p:nvSpPr>
+        <p:spPr/>
+        <p:txBody>
+          <a:bodyPr/>
+          <a:lstStyle/>
+          <a:p>
+            <a:endParaRPr lang="de-AT" dirty="0">
+              <a:latin typeface="Roboto" panose="02000000000000000000" pitchFamily="2" charset="0"/>
+              <a:ea typeface="Roboto" panose="02000000000000000000" pitchFamily="2" charset="0"/>
+            </a:endParaRPr>
+          </a:p>
+          <a:p>
+            <a:endParaRPr lang="de-AT" dirty="0">
+              <a:latin typeface="Roboto" panose="02000000000000000000" pitchFamily="2" charset="0"/>
+              <a:ea typeface="Roboto" panose="02000000000000000000" pitchFamily="2" charset="0"/>
+            </a:endParaRPr>
+          </a:p>
+          <a:p>
+            <a:r>
+              <a:rPr lang="de-AT" dirty="0">
+                <a:latin typeface="Roboto" panose="02000000000000000000" pitchFamily="2" charset="0"/>
+                <a:ea typeface="Roboto" panose="02000000000000000000" pitchFamily="2" charset="0"/>
+              </a:rPr>
+              <a:t>Bietet Compliance-</a:t>
+            </a:r>
+            <a:r>
+              <a:rPr lang="de-AT" dirty="0" err="1">
+                <a:latin typeface="Roboto" panose="02000000000000000000" pitchFamily="2" charset="0"/>
+                <a:ea typeface="Roboto" panose="02000000000000000000" pitchFamily="2" charset="0"/>
+              </a:rPr>
+              <a:t>as</a:t>
+            </a:r>
+            <a:r>
+              <a:rPr lang="de-AT" dirty="0">
+                <a:latin typeface="Roboto" panose="02000000000000000000" pitchFamily="2" charset="0"/>
+                <a:ea typeface="Roboto" panose="02000000000000000000" pitchFamily="2" charset="0"/>
+              </a:rPr>
+              <a:t>-a-Service</a:t>
+            </a:r>
+          </a:p>
+          <a:p>
+            <a:r>
+              <a:rPr lang="de-AT" dirty="0">
+                <a:latin typeface="Roboto" panose="02000000000000000000" pitchFamily="2" charset="0"/>
+                <a:ea typeface="Roboto" panose="02000000000000000000" pitchFamily="2" charset="0"/>
+              </a:rPr>
+              <a:t>Wird vom Kassenhersteller ins</a:t>
+            </a:r>
+            <a:r>
+              <a:rPr lang="de-DE" dirty="0">
+                <a:latin typeface="Roboto"/>
+                <a:ea typeface="Roboto" panose="02000000000000000000" pitchFamily="2" charset="0"/>
+              </a:rPr>
+              <a:t> Kassensystem integriert</a:t>
+            </a:r>
+            <a:endParaRPr lang="de-AT" dirty="0">
+              <a:latin typeface="Roboto" panose="02000000000000000000" pitchFamily="2" charset="0"/>
+              <a:ea typeface="Roboto" panose="02000000000000000000" pitchFamily="2" charset="0"/>
+            </a:endParaRPr>
+          </a:p>
+        </p:txBody>
+      </p:sp>
+      <p:sp>
+        <p:nvSpPr>
           <p:cNvPr id="4" name="Datumsplatzhalter 3">
             <a:extLst>
               <a:ext uri="{FF2B5EF4-FFF2-40B4-BE49-F238E27FC236}">
@@ -21780,7 +22816,7 @@
             <a:fld id="{F9CF9B13-D011-40B4-B116-4AFF51B22AA5}" type="datetime1">
               <a:rPr lang="de-DE" smtClean="0"/>
               <a:pPr/>
-              <a:t>24.09.20</a:t>
+              <a:t>06.10.20</a:t>
             </a:fld>
             <a:r>
               <a:rPr lang="de-DE"/>
@@ -21795,46 +22831,10 @@
           </a:p>
         </p:txBody>
       </p:sp>
-      <p:pic>
-        <p:nvPicPr>
-          <p:cNvPr id="10" name="Picture 9" descr="A screenshot of a cell phone&#10;&#10;Description automatically generated">
-            <a:extLst>
-              <a:ext uri="{FF2B5EF4-FFF2-40B4-BE49-F238E27FC236}">
-                <a16:creationId xmlns:a16="http://schemas.microsoft.com/office/drawing/2014/main" id="{7EF3F45C-6CDD-A342-ABE8-6CA5F7494CD7}"/>
-              </a:ext>
-            </a:extLst>
-          </p:cNvPr>
-          <p:cNvPicPr>
-            <a:picLocks noChangeAspect="1"/>
-          </p:cNvPicPr>
-          <p:nvPr/>
-        </p:nvPicPr>
-        <p:blipFill>
-          <a:blip r:embed="rId3">
-            <a:extLst>
-              <a:ext uri="{28A0092B-C50C-407E-A947-70E740481C1C}">
-                <a14:useLocalDpi xmlns:a14="http://schemas.microsoft.com/office/drawing/2010/main" val="0"/>
-              </a:ext>
-            </a:extLst>
-          </a:blip>
-          <a:stretch>
-            <a:fillRect/>
-          </a:stretch>
-        </p:blipFill>
-        <p:spPr>
-          <a:xfrm>
-            <a:off x="692150" y="1603663"/>
-            <a:ext cx="10807700" cy="4343400"/>
-          </a:xfrm>
-          <a:prstGeom prst="rect">
-            <a:avLst/>
-          </a:prstGeom>
-        </p:spPr>
-      </p:pic>
     </p:spTree>
     <p:extLst>
       <p:ext uri="{BB962C8B-B14F-4D97-AF65-F5344CB8AC3E}">
-        <p14:creationId xmlns:p14="http://schemas.microsoft.com/office/powerpoint/2010/main" val="1664721581"/>
+        <p14:creationId xmlns:p14="http://schemas.microsoft.com/office/powerpoint/2010/main" val="1930331928"/>
       </p:ext>
     </p:extLst>
   </p:cSld>
@@ -21891,152 +22891,7 @@
               <a:rPr lang="de-AT" dirty="0">
                 <a:latin typeface="Klavika Regular Plain" panose="02000506040000020004" pitchFamily="2" charset="77"/>
               </a:rPr>
-              <a:t>Add-On Produkt POS Archiv</a:t>
-            </a:r>
-          </a:p>
-        </p:txBody>
-      </p:sp>
-      <p:sp>
-        <p:nvSpPr>
-          <p:cNvPr id="6" name="Inhaltsplatzhalter 5">
-            <a:extLst>
-              <a:ext uri="{FF2B5EF4-FFF2-40B4-BE49-F238E27FC236}">
-                <a16:creationId xmlns:a16="http://schemas.microsoft.com/office/drawing/2014/main" id="{902B4942-6079-4325-B9EF-8765C0505437}"/>
-              </a:ext>
-            </a:extLst>
-          </p:cNvPr>
-          <p:cNvSpPr>
-            <a:spLocks noGrp="1"/>
-          </p:cNvSpPr>
-          <p:nvPr>
-            <p:ph idx="1"/>
-          </p:nvPr>
-        </p:nvSpPr>
-        <p:spPr/>
-        <p:txBody>
-          <a:bodyPr>
-            <a:normAutofit fontScale="85000" lnSpcReduction="20000"/>
-          </a:bodyPr>
-          <a:lstStyle/>
-          <a:p>
-            <a:r>
-              <a:rPr lang="de-AT" dirty="0">
-                <a:latin typeface="Roboto" panose="02000000000000000000" pitchFamily="2" charset="0"/>
-                <a:ea typeface="Roboto" panose="02000000000000000000" pitchFamily="2" charset="0"/>
-              </a:rPr>
-              <a:t>Erfordert ft.Middleware</a:t>
-            </a:r>
-          </a:p>
-          <a:p>
-            <a:r>
-              <a:rPr lang="de-AT" dirty="0">
-                <a:latin typeface="Roboto" panose="02000000000000000000" pitchFamily="2" charset="0"/>
-                <a:ea typeface="Roboto" panose="02000000000000000000" pitchFamily="2" charset="0"/>
-              </a:rPr>
-              <a:t>Revisionssichere Archivierung der Kassendaten und der TSE Daten.</a:t>
-            </a:r>
-          </a:p>
-          <a:p>
-            <a:r>
-              <a:rPr lang="de-AT" dirty="0">
-                <a:latin typeface="Roboto" panose="02000000000000000000" pitchFamily="2" charset="0"/>
-                <a:ea typeface="Roboto" panose="02000000000000000000" pitchFamily="2" charset="0"/>
-              </a:rPr>
-              <a:t>automatisch</a:t>
-            </a:r>
-          </a:p>
-          <a:p>
-            <a:r>
-              <a:rPr lang="de-AT" dirty="0">
-                <a:latin typeface="Roboto" panose="02000000000000000000" pitchFamily="2" charset="0"/>
-                <a:ea typeface="Roboto" panose="02000000000000000000" pitchFamily="2" charset="0"/>
-              </a:rPr>
-              <a:t>Export: </a:t>
-            </a:r>
-          </a:p>
-          <a:p>
-            <a:pPr lvl="1"/>
-            <a:r>
-              <a:rPr lang="de-AT" dirty="0">
-                <a:latin typeface="Roboto" panose="02000000000000000000" pitchFamily="2" charset="0"/>
-                <a:ea typeface="Roboto" panose="02000000000000000000" pitchFamily="2" charset="0"/>
-              </a:rPr>
-              <a:t>DSFinV-K</a:t>
-            </a:r>
-          </a:p>
-          <a:p>
-            <a:pPr lvl="1"/>
-            <a:r>
-              <a:rPr lang="de-AT" dirty="0">
-                <a:latin typeface="Roboto" panose="02000000000000000000" pitchFamily="2" charset="0"/>
-                <a:ea typeface="Roboto" panose="02000000000000000000" pitchFamily="2" charset="0"/>
-              </a:rPr>
-              <a:t>TSE TAR</a:t>
-            </a:r>
-          </a:p>
-          <a:p>
-            <a:pPr lvl="1"/>
-            <a:r>
-              <a:rPr lang="de-AT" dirty="0">
-                <a:latin typeface="Roboto" panose="02000000000000000000" pitchFamily="2" charset="0"/>
-                <a:ea typeface="Roboto" panose="02000000000000000000" pitchFamily="2" charset="0"/>
-              </a:rPr>
-              <a:t>fiskaltrust Queue Items Journal</a:t>
-            </a:r>
-          </a:p>
-          <a:p>
-            <a:pPr lvl="1"/>
-            <a:r>
-              <a:rPr lang="de-AT" dirty="0">
-                <a:latin typeface="Roboto" panose="02000000000000000000" pitchFamily="2" charset="0"/>
-                <a:ea typeface="Roboto" panose="02000000000000000000" pitchFamily="2" charset="0"/>
-              </a:rPr>
-              <a:t>DFKA Format für DATEV-Schnittstelle</a:t>
-            </a:r>
-          </a:p>
-          <a:p>
-            <a:r>
-              <a:rPr lang="de-AT" dirty="0">
-                <a:latin typeface="Roboto" panose="02000000000000000000" pitchFamily="2" charset="0"/>
-                <a:ea typeface="Roboto" panose="02000000000000000000" pitchFamily="2" charset="0"/>
-              </a:rPr>
-              <a:t>Datenübertragung (Server zu Server):</a:t>
-            </a:r>
-          </a:p>
-          <a:p>
-            <a:pPr lvl="1"/>
-            <a:r>
-              <a:rPr lang="de-AT" dirty="0">
-                <a:latin typeface="Roboto" panose="02000000000000000000" pitchFamily="2" charset="0"/>
-                <a:ea typeface="Roboto" panose="02000000000000000000" pitchFamily="2" charset="0"/>
-              </a:rPr>
-              <a:t>DATEV</a:t>
-            </a:r>
-          </a:p>
-          <a:p>
-            <a:pPr lvl="1"/>
-            <a:r>
-              <a:rPr lang="de-AT" dirty="0">
-                <a:latin typeface="Roboto" panose="02000000000000000000" pitchFamily="2" charset="0"/>
-                <a:ea typeface="Roboto" panose="02000000000000000000" pitchFamily="2" charset="0"/>
-              </a:rPr>
-              <a:t>AKO</a:t>
-            </a:r>
-          </a:p>
-          <a:p>
-            <a:r>
-              <a:rPr lang="de-AT" b="1" dirty="0">
-                <a:latin typeface="Roboto" panose="02000000000000000000" pitchFamily="2" charset="0"/>
-                <a:ea typeface="Roboto" panose="02000000000000000000" pitchFamily="2" charset="0"/>
-              </a:rPr>
-              <a:t>Pro Kasse </a:t>
-            </a:r>
-            <a:r>
-              <a:rPr lang="de-AT" dirty="0">
-                <a:latin typeface="Roboto" panose="02000000000000000000" pitchFamily="2" charset="0"/>
-                <a:ea typeface="Roboto" panose="02000000000000000000" pitchFamily="2" charset="0"/>
-              </a:rPr>
-              <a:t>(Queue)</a:t>
+              <a:t>ft.Middleware als Basisprodukt</a:t>
             </a:r>
           </a:p>
         </p:txBody>
@@ -22069,7 +22924,7 @@
             <a:fld id="{F9CF9B13-D011-40B4-B116-4AFF51B22AA5}" type="datetime1">
               <a:rPr lang="de-DE" smtClean="0"/>
               <a:pPr/>
-              <a:t>24.09.20</a:t>
+              <a:t>06.10.20</a:t>
             </a:fld>
             <a:r>
               <a:rPr lang="de-DE"/>
@@ -22084,529 +22939,52 @@
           </a:p>
         </p:txBody>
       </p:sp>
+      <p:pic>
+        <p:nvPicPr>
+          <p:cNvPr id="3" name="Picture 2" descr="Diagram&#10;&#10;Description automatically generated">
+            <a:extLst>
+              <a:ext uri="{FF2B5EF4-FFF2-40B4-BE49-F238E27FC236}">
+                <a16:creationId xmlns:a16="http://schemas.microsoft.com/office/drawing/2014/main" id="{B39F02B7-4534-2F44-8BB0-300DB3363839}"/>
+              </a:ext>
+            </a:extLst>
+          </p:cNvPr>
+          <p:cNvPicPr>
+            <a:picLocks noChangeAspect="1"/>
+          </p:cNvPicPr>
+          <p:nvPr/>
+        </p:nvPicPr>
+        <p:blipFill>
+          <a:blip r:embed="rId3">
+            <a:extLst>
+              <a:ext uri="{28A0092B-C50C-407E-A947-70E740481C1C}">
+                <a14:useLocalDpi xmlns:a14="http://schemas.microsoft.com/office/drawing/2010/main" val="0"/>
+              </a:ext>
+            </a:extLst>
+          </a:blip>
+          <a:stretch>
+            <a:fillRect/>
+          </a:stretch>
+        </p:blipFill>
+        <p:spPr>
+          <a:xfrm>
+            <a:off x="777126" y="1922299"/>
+            <a:ext cx="10637748" cy="3647228"/>
+          </a:xfrm>
+          <a:prstGeom prst="rect">
+            <a:avLst/>
+          </a:prstGeom>
+        </p:spPr>
+      </p:pic>
     </p:spTree>
     <p:extLst>
       <p:ext uri="{BB962C8B-B14F-4D97-AF65-F5344CB8AC3E}">
-        <p14:creationId xmlns:p14="http://schemas.microsoft.com/office/powerpoint/2010/main" val="1381678749"/>
+        <p14:creationId xmlns:p14="http://schemas.microsoft.com/office/powerpoint/2010/main" val="1664721581"/>
       </p:ext>
     </p:extLst>
   </p:cSld>
   <p:clrMapOvr>
     <a:masterClrMapping/>
   </p:clrMapOvr>
-  <p:timing>
-    <p:tnLst>
-      <p:par>
-        <p:cTn id="1" dur="indefinite" restart="never" nodeType="tmRoot">
-          <p:childTnLst>
-            <p:seq concurrent="1" nextAc="seek">
-              <p:cTn id="2" dur="indefinite" nodeType="mainSeq">
-                <p:childTnLst>
-                  <p:par>
-                    <p:cTn id="3" fill="hold">
-                      <p:stCondLst>
-                        <p:cond delay="indefinite"/>
-                      </p:stCondLst>
-                      <p:childTnLst>
-                        <p:par>
-                          <p:cTn id="4" fill="hold">
-                            <p:stCondLst>
-                              <p:cond delay="0"/>
-                            </p:stCondLst>
-                            <p:childTnLst>
-                              <p:par>
-                                <p:cTn id="5" presetID="1" presetClass="entr" presetSubtype="0" fill="hold" grpId="0" nodeType="clickEffect">
-                                  <p:stCondLst>
-                                    <p:cond delay="0"/>
-                                  </p:stCondLst>
-                                  <p:childTnLst>
-                                    <p:set>
-                                      <p:cBhvr>
-                                        <p:cTn id="6" dur="1" fill="hold">
-                                          <p:stCondLst>
-                                            <p:cond delay="0"/>
-                                          </p:stCondLst>
-                                        </p:cTn>
-                                        <p:tgtEl>
-                                          <p:spTgt spid="6">
-                                            <p:txEl>
-                                              <p:pRg st="0" end="0"/>
-                                            </p:txEl>
-                                          </p:spTgt>
-                                        </p:tgtEl>
-                                        <p:attrNameLst>
-                                          <p:attrName>style.visibility</p:attrName>
-                                        </p:attrNameLst>
-                                      </p:cBhvr>
-                                      <p:to>
-                                        <p:strVal val="visible"/>
-                                      </p:to>
-                                    </p:set>
-                                  </p:childTnLst>
-                                </p:cTn>
-                              </p:par>
-                            </p:childTnLst>
-                          </p:cTn>
-                        </p:par>
-                      </p:childTnLst>
-                    </p:cTn>
-                  </p:par>
-                  <p:par>
-                    <p:cTn id="7" fill="hold">
-                      <p:stCondLst>
-                        <p:cond delay="indefinite"/>
-                      </p:stCondLst>
-                      <p:childTnLst>
-                        <p:par>
-                          <p:cTn id="8" fill="hold">
-                            <p:stCondLst>
-                              <p:cond delay="0"/>
-                            </p:stCondLst>
-                            <p:childTnLst>
-                              <p:par>
-                                <p:cTn id="9" presetID="1" presetClass="entr" presetSubtype="0" fill="hold" grpId="0" nodeType="clickEffect">
-                                  <p:stCondLst>
-                                    <p:cond delay="0"/>
-                                  </p:stCondLst>
-                                  <p:childTnLst>
-                                    <p:set>
-                                      <p:cBhvr>
-                                        <p:cTn id="10" dur="1" fill="hold">
-                                          <p:stCondLst>
-                                            <p:cond delay="0"/>
-                                          </p:stCondLst>
-                                        </p:cTn>
-                                        <p:tgtEl>
-                                          <p:spTgt spid="6">
-                                            <p:txEl>
-                                              <p:pRg st="1" end="1"/>
-                                            </p:txEl>
-                                          </p:spTgt>
-                                        </p:tgtEl>
-                                        <p:attrNameLst>
-                                          <p:attrName>style.visibility</p:attrName>
-                                        </p:attrNameLst>
-                                      </p:cBhvr>
-                                      <p:to>
-                                        <p:strVal val="visible"/>
-                                      </p:to>
-                                    </p:set>
-                                  </p:childTnLst>
-                                </p:cTn>
-                              </p:par>
-                            </p:childTnLst>
-                          </p:cTn>
-                        </p:par>
-                      </p:childTnLst>
-                    </p:cTn>
-                  </p:par>
-                  <p:par>
-                    <p:cTn id="11" fill="hold">
-                      <p:stCondLst>
-                        <p:cond delay="indefinite"/>
-                      </p:stCondLst>
-                      <p:childTnLst>
-                        <p:par>
-                          <p:cTn id="12" fill="hold">
-                            <p:stCondLst>
-                              <p:cond delay="0"/>
-                            </p:stCondLst>
-                            <p:childTnLst>
-                              <p:par>
-                                <p:cTn id="13" presetID="1" presetClass="entr" presetSubtype="0" fill="hold" grpId="0" nodeType="clickEffect">
-                                  <p:stCondLst>
-                                    <p:cond delay="0"/>
-                                  </p:stCondLst>
-                                  <p:childTnLst>
-                                    <p:set>
-                                      <p:cBhvr>
-                                        <p:cTn id="14" dur="1" fill="hold">
-                                          <p:stCondLst>
-                                            <p:cond delay="0"/>
-                                          </p:stCondLst>
-                                        </p:cTn>
-                                        <p:tgtEl>
-                                          <p:spTgt spid="6">
-                                            <p:txEl>
-                                              <p:pRg st="2" end="2"/>
-                                            </p:txEl>
-                                          </p:spTgt>
-                                        </p:tgtEl>
-                                        <p:attrNameLst>
-                                          <p:attrName>style.visibility</p:attrName>
-                                        </p:attrNameLst>
-                                      </p:cBhvr>
-                                      <p:to>
-                                        <p:strVal val="visible"/>
-                                      </p:to>
-                                    </p:set>
-                                  </p:childTnLst>
-                                </p:cTn>
-                              </p:par>
-                            </p:childTnLst>
-                          </p:cTn>
-                        </p:par>
-                      </p:childTnLst>
-                    </p:cTn>
-                  </p:par>
-                  <p:par>
-                    <p:cTn id="15" fill="hold">
-                      <p:stCondLst>
-                        <p:cond delay="indefinite"/>
-                      </p:stCondLst>
-                      <p:childTnLst>
-                        <p:par>
-                          <p:cTn id="16" fill="hold">
-                            <p:stCondLst>
-                              <p:cond delay="0"/>
-                            </p:stCondLst>
-                            <p:childTnLst>
-                              <p:par>
-                                <p:cTn id="17" presetID="1" presetClass="entr" presetSubtype="0" fill="hold" grpId="0" nodeType="clickEffect">
-                                  <p:stCondLst>
-                                    <p:cond delay="0"/>
-                                  </p:stCondLst>
-                                  <p:childTnLst>
-                                    <p:set>
-                                      <p:cBhvr>
-                                        <p:cTn id="18" dur="1" fill="hold">
-                                          <p:stCondLst>
-                                            <p:cond delay="0"/>
-                                          </p:stCondLst>
-                                        </p:cTn>
-                                        <p:tgtEl>
-                                          <p:spTgt spid="6">
-                                            <p:txEl>
-                                              <p:pRg st="3" end="3"/>
-                                            </p:txEl>
-                                          </p:spTgt>
-                                        </p:tgtEl>
-                                        <p:attrNameLst>
-                                          <p:attrName>style.visibility</p:attrName>
-                                        </p:attrNameLst>
-                                      </p:cBhvr>
-                                      <p:to>
-                                        <p:strVal val="visible"/>
-                                      </p:to>
-                                    </p:set>
-                                  </p:childTnLst>
-                                </p:cTn>
-                              </p:par>
-                              <p:par>
-                                <p:cTn id="19" presetID="1" presetClass="entr" presetSubtype="0" fill="hold" grpId="0" nodeType="withEffect">
-                                  <p:stCondLst>
-                                    <p:cond delay="0"/>
-                                  </p:stCondLst>
-                                  <p:childTnLst>
-                                    <p:set>
-                                      <p:cBhvr>
-                                        <p:cTn id="20" dur="1" fill="hold">
-                                          <p:stCondLst>
-                                            <p:cond delay="0"/>
-                                          </p:stCondLst>
-                                        </p:cTn>
-                                        <p:tgtEl>
-                                          <p:spTgt spid="6">
-                                            <p:txEl>
-                                              <p:pRg st="4" end="4"/>
-                                            </p:txEl>
-                                          </p:spTgt>
-                                        </p:tgtEl>
-                                        <p:attrNameLst>
-                                          <p:attrName>style.visibility</p:attrName>
-                                        </p:attrNameLst>
-                                      </p:cBhvr>
-                                      <p:to>
-                                        <p:strVal val="visible"/>
-                                      </p:to>
-                                    </p:set>
-                                  </p:childTnLst>
-                                </p:cTn>
-                              </p:par>
-                              <p:par>
-                                <p:cTn id="21" presetID="1" presetClass="entr" presetSubtype="0" fill="hold" grpId="0" nodeType="withEffect">
-                                  <p:stCondLst>
-                                    <p:cond delay="0"/>
-                                  </p:stCondLst>
-                                  <p:childTnLst>
-                                    <p:set>
-                                      <p:cBhvr>
-                                        <p:cTn id="22" dur="1" fill="hold">
-                                          <p:stCondLst>
-                                            <p:cond delay="0"/>
-                                          </p:stCondLst>
-                                        </p:cTn>
-                                        <p:tgtEl>
-                                          <p:spTgt spid="6">
-                                            <p:txEl>
-                                              <p:pRg st="5" end="5"/>
-                                            </p:txEl>
-                                          </p:spTgt>
-                                        </p:tgtEl>
-                                        <p:attrNameLst>
-                                          <p:attrName>style.visibility</p:attrName>
-                                        </p:attrNameLst>
-                                      </p:cBhvr>
-                                      <p:to>
-                                        <p:strVal val="visible"/>
-                                      </p:to>
-                                    </p:set>
-                                  </p:childTnLst>
-                                </p:cTn>
-                              </p:par>
-                              <p:par>
-                                <p:cTn id="23" presetID="1" presetClass="entr" presetSubtype="0" fill="hold" grpId="0" nodeType="withEffect">
-                                  <p:stCondLst>
-                                    <p:cond delay="0"/>
-                                  </p:stCondLst>
-                                  <p:childTnLst>
-                                    <p:set>
-                                      <p:cBhvr>
-                                        <p:cTn id="24" dur="1" fill="hold">
-                                          <p:stCondLst>
-                                            <p:cond delay="0"/>
-                                          </p:stCondLst>
-                                        </p:cTn>
-                                        <p:tgtEl>
-                                          <p:spTgt spid="6">
-                                            <p:txEl>
-                                              <p:pRg st="6" end="6"/>
-                                            </p:txEl>
-                                          </p:spTgt>
-                                        </p:tgtEl>
-                                        <p:attrNameLst>
-                                          <p:attrName>style.visibility</p:attrName>
-                                        </p:attrNameLst>
-                                      </p:cBhvr>
-                                      <p:to>
-                                        <p:strVal val="visible"/>
-                                      </p:to>
-                                    </p:set>
-                                  </p:childTnLst>
-                                </p:cTn>
-                              </p:par>
-                              <p:par>
-                                <p:cTn id="25" presetID="1" presetClass="entr" presetSubtype="0" fill="hold" grpId="0" nodeType="withEffect">
-                                  <p:stCondLst>
-                                    <p:cond delay="0"/>
-                                  </p:stCondLst>
-                                  <p:childTnLst>
-                                    <p:set>
-                                      <p:cBhvr>
-                                        <p:cTn id="26" dur="1" fill="hold">
-                                          <p:stCondLst>
-                                            <p:cond delay="0"/>
-                                          </p:stCondLst>
-                                        </p:cTn>
-                                        <p:tgtEl>
-                                          <p:spTgt spid="6">
-                                            <p:txEl>
-                                              <p:pRg st="7" end="7"/>
-                                            </p:txEl>
-                                          </p:spTgt>
-                                        </p:tgtEl>
-                                        <p:attrNameLst>
-                                          <p:attrName>style.visibility</p:attrName>
-                                        </p:attrNameLst>
-                                      </p:cBhvr>
-                                      <p:to>
-                                        <p:strVal val="visible"/>
-                                      </p:to>
-                                    </p:set>
-                                  </p:childTnLst>
-                                </p:cTn>
-                              </p:par>
-                            </p:childTnLst>
-                          </p:cTn>
-                        </p:par>
-                      </p:childTnLst>
-                    </p:cTn>
-                  </p:par>
-                  <p:par>
-                    <p:cTn id="27" fill="hold">
-                      <p:stCondLst>
-                        <p:cond delay="indefinite"/>
-                      </p:stCondLst>
-                      <p:childTnLst>
-                        <p:par>
-                          <p:cTn id="28" fill="hold">
-                            <p:stCondLst>
-                              <p:cond delay="0"/>
-                            </p:stCondLst>
-                            <p:childTnLst>
-                              <p:par>
-                                <p:cTn id="29" presetID="1" presetClass="entr" presetSubtype="0" fill="hold" grpId="0" nodeType="clickEffect">
-                                  <p:stCondLst>
-                                    <p:cond delay="0"/>
-                                  </p:stCondLst>
-                                  <p:childTnLst>
-                                    <p:set>
-                                      <p:cBhvr>
-                                        <p:cTn id="30" dur="1" fill="hold">
-                                          <p:stCondLst>
-                                            <p:cond delay="0"/>
-                                          </p:stCondLst>
-                                        </p:cTn>
-                                        <p:tgtEl>
-                                          <p:spTgt spid="6">
-                                            <p:txEl>
-                                              <p:pRg st="8" end="8"/>
-                                            </p:txEl>
-                                          </p:spTgt>
-                                        </p:tgtEl>
-                                        <p:attrNameLst>
-                                          <p:attrName>style.visibility</p:attrName>
-                                        </p:attrNameLst>
-                                      </p:cBhvr>
-                                      <p:to>
-                                        <p:strVal val="visible"/>
-                                      </p:to>
-                                    </p:set>
-                                  </p:childTnLst>
-                                </p:cTn>
-                              </p:par>
-                              <p:par>
-                                <p:cTn id="31" presetID="1" presetClass="entr" presetSubtype="0" fill="hold" grpId="0" nodeType="withEffect">
-                                  <p:stCondLst>
-                                    <p:cond delay="0"/>
-                                  </p:stCondLst>
-                                  <p:childTnLst>
-                                    <p:set>
-                                      <p:cBhvr>
-                                        <p:cTn id="32" dur="1" fill="hold">
-                                          <p:stCondLst>
-                                            <p:cond delay="0"/>
-                                          </p:stCondLst>
-                                        </p:cTn>
-                                        <p:tgtEl>
-                                          <p:spTgt spid="6">
-                                            <p:txEl>
-                                              <p:pRg st="9" end="9"/>
-                                            </p:txEl>
-                                          </p:spTgt>
-                                        </p:tgtEl>
-                                        <p:attrNameLst>
-                                          <p:attrName>style.visibility</p:attrName>
-                                        </p:attrNameLst>
-                                      </p:cBhvr>
-                                      <p:to>
-                                        <p:strVal val="visible"/>
-                                      </p:to>
-                                    </p:set>
-                                  </p:childTnLst>
-                                </p:cTn>
-                              </p:par>
-                              <p:par>
-                                <p:cTn id="33" presetID="1" presetClass="entr" presetSubtype="0" fill="hold" grpId="0" nodeType="withEffect">
-                                  <p:stCondLst>
-                                    <p:cond delay="0"/>
-                                  </p:stCondLst>
-                                  <p:childTnLst>
-                                    <p:set>
-                                      <p:cBhvr>
-                                        <p:cTn id="34" dur="1" fill="hold">
-                                          <p:stCondLst>
-                                            <p:cond delay="0"/>
-                                          </p:stCondLst>
-                                        </p:cTn>
-                                        <p:tgtEl>
-                                          <p:spTgt spid="6">
-                                            <p:txEl>
-                                              <p:pRg st="10" end="10"/>
-                                            </p:txEl>
-                                          </p:spTgt>
-                                        </p:tgtEl>
-                                        <p:attrNameLst>
-                                          <p:attrName>style.visibility</p:attrName>
-                                        </p:attrNameLst>
-                                      </p:cBhvr>
-                                      <p:to>
-                                        <p:strVal val="visible"/>
-                                      </p:to>
-                                    </p:set>
-                                  </p:childTnLst>
-                                </p:cTn>
-                              </p:par>
-                            </p:childTnLst>
-                          </p:cTn>
-                        </p:par>
-                      </p:childTnLst>
-                    </p:cTn>
-                  </p:par>
-                  <p:par>
-                    <p:cTn id="35" fill="hold">
-                      <p:stCondLst>
-                        <p:cond delay="indefinite"/>
-                      </p:stCondLst>
-                      <p:childTnLst>
-                        <p:par>
-                          <p:cTn id="36" fill="hold">
-                            <p:stCondLst>
-                              <p:cond delay="0"/>
-                            </p:stCondLst>
-                            <p:childTnLst>
-                              <p:par>
-                                <p:cTn id="37" presetID="1" presetClass="entr" presetSubtype="0" fill="hold" grpId="0" nodeType="clickEffect">
-                                  <p:stCondLst>
-                                    <p:cond delay="0"/>
-                                  </p:stCondLst>
-                                  <p:childTnLst>
-                                    <p:set>
-                                      <p:cBhvr>
-                                        <p:cTn id="38" dur="1" fill="hold">
-                                          <p:stCondLst>
-                                            <p:cond delay="0"/>
-                                          </p:stCondLst>
-                                        </p:cTn>
-                                        <p:tgtEl>
-                                          <p:spTgt spid="6">
-                                            <p:txEl>
-                                              <p:pRg st="11" end="11"/>
-                                            </p:txEl>
-                                          </p:spTgt>
-                                        </p:tgtEl>
-                                        <p:attrNameLst>
-                                          <p:attrName>style.visibility</p:attrName>
-                                        </p:attrNameLst>
-                                      </p:cBhvr>
-                                      <p:to>
-                                        <p:strVal val="visible"/>
-                                      </p:to>
-                                    </p:set>
-                                  </p:childTnLst>
-                                </p:cTn>
-                              </p:par>
-                            </p:childTnLst>
-                          </p:cTn>
-                        </p:par>
-                      </p:childTnLst>
-                    </p:cTn>
-                  </p:par>
-                </p:childTnLst>
-              </p:cTn>
-              <p:prevCondLst>
-                <p:cond evt="onPrev" delay="0">
-                  <p:tgtEl>
-                    <p:sldTgt/>
-                  </p:tgtEl>
-                </p:cond>
-              </p:prevCondLst>
-              <p:nextCondLst>
-                <p:cond evt="onNext" delay="0">
-                  <p:tgtEl>
-                    <p:sldTgt/>
-                  </p:tgtEl>
-                </p:cond>
-              </p:nextCondLst>
-            </p:seq>
-          </p:childTnLst>
-        </p:cTn>
-      </p:par>
-    </p:tnLst>
-    <p:bldLst>
-      <p:bldP spid="6" grpId="0" build="p"/>
-    </p:bldLst>
-  </p:timing>
 </p:sld>
 </file>
 
@@ -23201,15 +23579,6 @@
 </file>
 
 <file path=customXml/item1.xml><?xml version="1.0" encoding="utf-8"?>
-<?mso-contentType ?>
-<FormTemplates xmlns="http://schemas.microsoft.com/sharepoint/v3/contenttype/forms">
-  <Display>DocumentLibraryForm</Display>
-  <Edit>DocumentLibraryForm</Edit>
-  <New>DocumentLibraryForm</New>
-</FormTemplates>
-</file>
-
-<file path=customXml/item2.xml><?xml version="1.0" encoding="utf-8"?>
 <ct:contentTypeSchema xmlns:ct="http://schemas.microsoft.com/office/2006/metadata/contentType" xmlns:ma="http://schemas.microsoft.com/office/2006/metadata/properties/metaAttributes" ct:_="" ma:_="" ma:contentTypeName="Dokument" ma:contentTypeID="0x01010003A087929988544A956B845A242A1874" ma:contentTypeVersion="9" ma:contentTypeDescription="Ein neues Dokument erstellen." ma:contentTypeScope="" ma:versionID="8fcee6ad74384aaf9bbc4d877337004d">
   <xsd:schema xmlns:xsd="http://www.w3.org/2001/XMLSchema" xmlns:xs="http://www.w3.org/2001/XMLSchema" xmlns:p="http://schemas.microsoft.com/office/2006/metadata/properties" xmlns:ns2="c3142773-ea53-476f-8961-6b85122cde25" targetNamespace="http://schemas.microsoft.com/office/2006/metadata/properties" ma:root="true" ma:fieldsID="a573346e6707e52bf95e9f5c0e472ecc" ns2:_="">
     <xsd:import namespace="c3142773-ea53-476f-8961-6b85122cde25"/>
@@ -23387,6 +23756,15 @@
 </ct:contentTypeSchema>
 </file>
 
+<file path=customXml/item2.xml><?xml version="1.0" encoding="utf-8"?>
+<?mso-contentType ?>
+<FormTemplates xmlns="http://schemas.microsoft.com/sharepoint/v3/contenttype/forms">
+  <Display>DocumentLibraryForm</Display>
+  <Edit>DocumentLibraryForm</Edit>
+  <New>DocumentLibraryForm</New>
+</FormTemplates>
+</file>
+
 <file path=customXml/item3.xml><?xml version="1.0" encoding="utf-8"?>
 <p:properties xmlns:p="http://schemas.microsoft.com/office/2006/metadata/properties" xmlns:xsi="http://www.w3.org/2001/XMLSchema-instance" xmlns:pc="http://schemas.microsoft.com/office/infopath/2007/PartnerControls">
   <documentManagement/>
@@ -23394,14 +23772,6 @@
 </file>
 
 <file path=customXml/itemProps1.xml><?xml version="1.0" encoding="utf-8"?>
-<ds:datastoreItem xmlns:ds="http://schemas.openxmlformats.org/officeDocument/2006/customXml" ds:itemID="{13D6CB1D-6628-4D5C-8ECC-C7DF45EC7E07}">
-  <ds:schemaRefs>
-    <ds:schemaRef ds:uri="http://schemas.microsoft.com/sharepoint/v3/contenttype/forms"/>
-  </ds:schemaRefs>
-</ds:datastoreItem>
-</file>
-
-<file path=customXml/itemProps2.xml><?xml version="1.0" encoding="utf-8"?>
 <ds:datastoreItem xmlns:ds="http://schemas.openxmlformats.org/officeDocument/2006/customXml" ds:itemID="{38606AD6-87A1-436A-AEFD-E99610E3D2EE}">
   <ds:schemaRefs>
     <ds:schemaRef ds:uri="http://schemas.microsoft.com/office/2006/metadata/contentType"/>
@@ -23415,6 +23785,14 @@
     <ds:schemaRef ds:uri="http://purl.org/dc/elements/1.1/"/>
     <ds:schemaRef ds:uri="http://purl.org/dc/terms/"/>
     <ds:schemaRef ds:uri="http://schemas.microsoft.com/internal/obd"/>
+  </ds:schemaRefs>
+</ds:datastoreItem>
+</file>
+
+<file path=customXml/itemProps2.xml><?xml version="1.0" encoding="utf-8"?>
+<ds:datastoreItem xmlns:ds="http://schemas.openxmlformats.org/officeDocument/2006/customXml" ds:itemID="{13D6CB1D-6628-4D5C-8ECC-C7DF45EC7E07}">
+  <ds:schemaRefs>
+    <ds:schemaRef ds:uri="http://schemas.microsoft.com/sharepoint/v3/contenttype/forms"/>
   </ds:schemaRefs>
 </ds:datastoreItem>
 </file>

--- a/for-posdealers/presentation/sales/media/posdealer-sales-rollout.pptx
+++ b/for-posdealers/presentation/sales/media/posdealer-sales-rollout.pptx
@@ -9287,7 +9287,7 @@
           <a:p>
             <a:fld id="{878DCA2D-ADC9-4D7A-A916-9A90AC8F3FDD}" type="datetimeFigureOut">
               <a:rPr lang="de-DE" smtClean="0"/>
-              <a:t>06.10.20</a:t>
+              <a:t>07.10.20</a:t>
             </a:fld>
             <a:endParaRPr lang="de-DE"/>
           </a:p>
@@ -9729,6 +9729,20 @@
               <a:t> registriert werden (Rolle: Berater) und mit dem Betreiber verknüpft werden. Dieser kann daraufhin eine Datenfreigabe für den Berater aktivieren.</a:t>
             </a:r>
           </a:p>
+          <a:p>
+            <a:r>
+              <a:rPr lang="de-DE" noProof="0" dirty="0"/>
+              <a:t>In einem Hybridszenario (Kassen mit und Kassen ohne ft.Middleware) zum Beispiel können alle Daten der Kassen ohne ft.Middleware manuell oder per API ins AKO hochgeladen werden. Die Daten (Belegdaten + TSE TAR) der Kassen mit ft.Middleware werden automatisch hochgeladen, daraus entstehen die DSFinV-K und TSE TAR Files im </a:t>
+            </a:r>
+            <a:r>
+              <a:rPr lang="de-DE" noProof="0" dirty="0" err="1"/>
+              <a:t>POSArchiv</a:t>
+            </a:r>
+            <a:r>
+              <a:rPr lang="de-DE" noProof="0" dirty="0"/>
+              <a:t>, die dann ins AKO gelegt werden. So gelangen alle Daten der Filiale in diesem Hybridszenario im AKO.</a:t>
+            </a:r>
+          </a:p>
         </p:txBody>
       </p:sp>
       <p:sp>
@@ -13192,7 +13206,7 @@
             <a:fld id="{F9CF9B13-D011-40B4-B116-4AFF51B22AA5}" type="datetime1">
               <a:rPr lang="de-DE" smtClean="0"/>
               <a:pPr/>
-              <a:t>06.10.20</a:t>
+              <a:t>07.10.20</a:t>
             </a:fld>
             <a:r>
               <a:rPr lang="de-DE"/>
@@ -13552,7 +13566,7 @@
             <a:fld id="{F9CF9B13-D011-40B4-B116-4AFF51B22AA5}" type="datetime1">
               <a:rPr lang="de-DE" smtClean="0"/>
               <a:pPr/>
-              <a:t>06.10.20</a:t>
+              <a:t>07.10.20</a:t>
             </a:fld>
             <a:r>
               <a:rPr lang="de-DE"/>
@@ -13774,7 +13788,7 @@
             <a:fld id="{EDCB950E-FDB1-4BA4-AE2E-92802DA17835}" type="datetime1">
               <a:rPr lang="de-DE" smtClean="0"/>
               <a:pPr/>
-              <a:t>06.10.20</a:t>
+              <a:t>07.10.20</a:t>
             </a:fld>
             <a:endParaRPr lang="de-DE"/>
           </a:p>
@@ -14232,7 +14246,7 @@
           <a:p>
             <a:fld id="{EA38D6C4-32A5-4B1B-BEC5-546FAB3E61DF}" type="datetime1">
               <a:rPr lang="de-DE" smtClean="0"/>
-              <a:t>06.10.20</a:t>
+              <a:t>07.10.20</a:t>
             </a:fld>
             <a:endParaRPr lang="de-DE"/>
           </a:p>
@@ -14744,7 +14758,7 @@
             <a:fld id="{F9CF9B13-D011-40B4-B116-4AFF51B22AA5}" type="datetime1">
               <a:rPr lang="de-DE"/>
               <a:pPr/>
-              <a:t>06.10.20</a:t>
+              <a:t>07.10.20</a:t>
             </a:fld>
             <a:r>
               <a:rPr lang="de-DE"/>
@@ -14964,7 +14978,7 @@
                 <a:latin typeface="Roboto" panose="02000000000000000000" pitchFamily="2" charset="0"/>
                 <a:ea typeface="Roboto" panose="02000000000000000000" pitchFamily="2" charset="0"/>
               </a:rPr>
-              <a:t>(Queue)</a:t>
+              <a:t>(Queue) - 48€ /Jahr</a:t>
             </a:r>
           </a:p>
         </p:txBody>
@@ -14997,7 +15011,7 @@
             <a:fld id="{F9CF9B13-D011-40B4-B116-4AFF51B22AA5}" type="datetime1">
               <a:rPr lang="de-DE" smtClean="0"/>
               <a:pPr/>
-              <a:t>06.10.20</a:t>
+              <a:t>07.10.20</a:t>
             </a:fld>
             <a:r>
               <a:rPr lang="de-DE"/>
@@ -15643,7 +15657,14 @@
                 <a:latin typeface="Roboto" panose="02000000000000000000" pitchFamily="2" charset="0"/>
                 <a:ea typeface="Roboto" panose="02000000000000000000" pitchFamily="2" charset="0"/>
               </a:rPr>
-              <a:t>Pro Kasse</a:t>
+              <a:t>Pro Kasse </a:t>
+            </a:r>
+            <a:r>
+              <a:rPr lang="de-AT" dirty="0">
+                <a:latin typeface="Roboto" panose="02000000000000000000" pitchFamily="2" charset="0"/>
+                <a:ea typeface="Roboto" panose="02000000000000000000" pitchFamily="2" charset="0"/>
+              </a:rPr>
+              <a:t>– 20 € / Jahr</a:t>
             </a:r>
           </a:p>
         </p:txBody>
@@ -15676,7 +15697,7 @@
             <a:fld id="{F9CF9B13-D011-40B4-B116-4AFF51B22AA5}" type="datetime1">
               <a:rPr lang="de-DE" smtClean="0"/>
               <a:pPr/>
-              <a:t>06.10.20</a:t>
+              <a:t>07.10.20</a:t>
             </a:fld>
             <a:r>
               <a:rPr lang="de-DE"/>
@@ -15879,7 +15900,14 @@
                 <a:latin typeface="Roboto" panose="02000000000000000000" pitchFamily="2" charset="0"/>
                 <a:ea typeface="Roboto" panose="02000000000000000000" pitchFamily="2" charset="0"/>
               </a:rPr>
-              <a:t>Für alle Kassen einer Filiale</a:t>
+              <a:t>Für alle Kassen einer Filiale </a:t>
+            </a:r>
+            <a:r>
+              <a:rPr lang="de-AT" dirty="0">
+                <a:latin typeface="Roboto" panose="02000000000000000000" pitchFamily="2" charset="0"/>
+                <a:ea typeface="Roboto" panose="02000000000000000000" pitchFamily="2" charset="0"/>
+              </a:rPr>
+              <a:t>– 299 € / Jahr</a:t>
             </a:r>
           </a:p>
         </p:txBody>
@@ -15912,7 +15940,7 @@
             <a:fld id="{F9CF9B13-D011-40B4-B116-4AFF51B22AA5}" type="datetime1">
               <a:rPr lang="de-DE" smtClean="0"/>
               <a:pPr/>
-              <a:t>06.10.20</a:t>
+              <a:t>07.10.20</a:t>
             </a:fld>
             <a:r>
               <a:rPr lang="de-DE"/>
@@ -16543,7 +16571,7 @@
             <a:fld id="{F9CF9B13-D011-40B4-B116-4AFF51B22AA5}" type="datetime1">
               <a:rPr lang="de-DE" smtClean="0"/>
               <a:pPr/>
-              <a:t>06.10.20</a:t>
+              <a:t>07.10.20</a:t>
             </a:fld>
             <a:r>
               <a:rPr lang="de-DE"/>
@@ -16560,10 +16588,10 @@
       </p:sp>
       <p:pic>
         <p:nvPicPr>
-          <p:cNvPr id="12" name="Picture 11" descr="Diagram&#10;&#10;Description automatically generated">
+          <p:cNvPr id="7" name="Picture 6" descr="Diagram&#10;&#10;Description automatically generated">
             <a:extLst>
               <a:ext uri="{FF2B5EF4-FFF2-40B4-BE49-F238E27FC236}">
-                <a16:creationId xmlns:a16="http://schemas.microsoft.com/office/drawing/2014/main" id="{2A965AF0-B12A-464B-B9CD-018900224D9A}"/>
+                <a16:creationId xmlns:a16="http://schemas.microsoft.com/office/drawing/2014/main" id="{096A2AEE-EFE1-8542-A828-E124B9E923FB}"/>
               </a:ext>
             </a:extLst>
           </p:cNvPr>
@@ -16747,7 +16775,7 @@
             <a:fld id="{F9CF9B13-D011-40B4-B116-4AFF51B22AA5}" type="datetime1">
               <a:rPr lang="de-DE" smtClean="0"/>
               <a:pPr/>
-              <a:t>06.10.20</a:t>
+              <a:t>07.10.20</a:t>
             </a:fld>
             <a:r>
               <a:rPr lang="de-DE"/>
@@ -16896,7 +16924,7 @@
                 <a:latin typeface="Roboto" panose="02000000000000000000" pitchFamily="2" charset="0"/>
                 <a:ea typeface="Roboto" panose="02000000000000000000" pitchFamily="2" charset="0"/>
               </a:rPr>
-              <a:t>*</a:t>
+              <a:t>* - 360 € / Jahr</a:t>
             </a:r>
           </a:p>
           <a:p>
@@ -16941,7 +16969,7 @@
             <a:fld id="{F9CF9B13-D011-40B4-B116-4AFF51B22AA5}" type="datetime1">
               <a:rPr lang="de-DE" smtClean="0"/>
               <a:pPr/>
-              <a:t>06.10.20</a:t>
+              <a:t>07.10.20</a:t>
             </a:fld>
             <a:r>
               <a:rPr lang="de-DE"/>
@@ -17123,8 +17151,19 @@
                 <a:latin typeface="Roboto" panose="02000000000000000000" pitchFamily="2" charset="0"/>
                 <a:ea typeface="Roboto" panose="02000000000000000000" pitchFamily="2" charset="0"/>
               </a:rPr>
-              <a:t>*</a:t>
-            </a:r>
+              <a:t>* - 389 € </a:t>
+            </a:r>
+            <a:r>
+              <a:rPr lang="de-AT">
+                <a:latin typeface="Roboto" panose="02000000000000000000" pitchFamily="2" charset="0"/>
+                <a:ea typeface="Roboto" panose="02000000000000000000" pitchFamily="2" charset="0"/>
+              </a:rPr>
+              <a:t>/ Jahr</a:t>
+            </a:r>
+            <a:endParaRPr lang="de-AT" dirty="0">
+              <a:latin typeface="Roboto" panose="02000000000000000000" pitchFamily="2" charset="0"/>
+              <a:ea typeface="Roboto" panose="02000000000000000000" pitchFamily="2" charset="0"/>
+            </a:endParaRPr>
           </a:p>
           <a:p>
             <a:pPr marL="360000" lvl="1" indent="0">
@@ -17193,7 +17232,7 @@
             <a:fld id="{F9CF9B13-D011-40B4-B116-4AFF51B22AA5}" type="datetime1">
               <a:rPr lang="de-DE" smtClean="0"/>
               <a:pPr/>
-              <a:t>06.10.20</a:t>
+              <a:t>07.10.20</a:t>
             </a:fld>
             <a:r>
               <a:rPr lang="de-DE"/>
@@ -17431,7 +17470,7 @@
             <a:fld id="{F9CF9B13-D011-40B4-B116-4AFF51B22AA5}" type="datetime1">
               <a:rPr lang="de-DE" smtClean="0"/>
               <a:pPr/>
-              <a:t>06.10.20</a:t>
+              <a:t>07.10.20</a:t>
             </a:fld>
             <a:r>
               <a:rPr lang="de-DE"/>
@@ -17825,7 +17864,7 @@
             <a:fld id="{F9CF9B13-D011-40B4-B116-4AFF51B22AA5}" type="datetime1">
               <a:rPr lang="de-DE" smtClean="0"/>
               <a:pPr/>
-              <a:t>06.10.20</a:t>
+              <a:t>07.10.20</a:t>
             </a:fld>
             <a:r>
               <a:rPr lang="de-DE"/>
@@ -18072,7 +18111,7 @@
             <a:fld id="{F9CF9B13-D011-40B4-B116-4AFF51B22AA5}" type="datetime1">
               <a:rPr lang="de-DE" smtClean="0"/>
               <a:pPr/>
-              <a:t>06.10.20</a:t>
+              <a:t>07.10.20</a:t>
             </a:fld>
             <a:r>
               <a:rPr lang="de-DE"/>
@@ -18528,7 +18567,7 @@
             <a:fld id="{F9CF9B13-D011-40B4-B116-4AFF51B22AA5}" type="datetime1">
               <a:rPr lang="de-DE" smtClean="0"/>
               <a:pPr/>
-              <a:t>06.10.20</a:t>
+              <a:t>07.10.20</a:t>
             </a:fld>
             <a:r>
               <a:rPr lang="de-DE"/>
@@ -18636,7 +18675,7 @@
             <a:fld id="{F9CF9B13-D011-40B4-B116-4AFF51B22AA5}" type="datetime1">
               <a:rPr lang="de-DE" smtClean="0"/>
               <a:pPr/>
-              <a:t>06.10.20</a:t>
+              <a:t>07.10.20</a:t>
             </a:fld>
             <a:r>
               <a:rPr lang="de-DE"/>
@@ -18832,7 +18871,7 @@
             <a:fld id="{F9CF9B13-D011-40B4-B116-4AFF51B22AA5}" type="datetime1">
               <a:rPr lang="de-DE" smtClean="0"/>
               <a:pPr/>
-              <a:t>06.10.20</a:t>
+              <a:t>07.10.20</a:t>
             </a:fld>
             <a:r>
               <a:rPr lang="de-DE"/>
@@ -18934,7 +18973,7 @@
             <a:fld id="{F9CF9B13-D011-40B4-B116-4AFF51B22AA5}" type="datetime1">
               <a:rPr lang="de-DE" smtClean="0"/>
               <a:pPr/>
-              <a:t>06.10.20</a:t>
+              <a:t>07.10.20</a:t>
             </a:fld>
             <a:r>
               <a:rPr lang="de-DE"/>
@@ -21514,7 +21553,7 @@
             <a:fld id="{F9CF9B13-D011-40B4-B116-4AFF51B22AA5}" type="datetime1">
               <a:rPr lang="de-DE" smtClean="0"/>
               <a:pPr/>
-              <a:t>06.10.20</a:t>
+              <a:t>07.10.20</a:t>
             </a:fld>
             <a:r>
               <a:rPr lang="de-DE"/>
@@ -21729,7 +21768,7 @@
             <a:fld id="{F9CF9B13-D011-40B4-B116-4AFF51B22AA5}" type="datetime1">
               <a:rPr lang="de-DE" smtClean="0"/>
               <a:pPr/>
-              <a:t>06.10.20</a:t>
+              <a:t>07.10.20</a:t>
             </a:fld>
             <a:r>
               <a:rPr lang="de-DE"/>
@@ -21840,7 +21879,7 @@
             <a:fld id="{F9CF9B13-D011-40B4-B116-4AFF51B22AA5}" type="datetime1">
               <a:rPr lang="de-DE" smtClean="0"/>
               <a:pPr/>
-              <a:t>06.10.20</a:t>
+              <a:t>07.10.20</a:t>
             </a:fld>
             <a:r>
               <a:rPr lang="de-DE"/>
@@ -21987,7 +22026,7 @@
             <a:fld id="{F9CF9B13-D011-40B4-B116-4AFF51B22AA5}" type="datetime1">
               <a:rPr lang="de-DE" smtClean="0"/>
               <a:pPr/>
-              <a:t>06.10.20</a:t>
+              <a:t>07.10.20</a:t>
             </a:fld>
             <a:r>
               <a:rPr lang="de-DE"/>
@@ -22004,10 +22043,10 @@
       </p:sp>
       <p:pic>
         <p:nvPicPr>
-          <p:cNvPr id="7" name="Picture 6" descr="Diagram&#10;&#10;Description automatically generated">
+          <p:cNvPr id="3" name="Picture 2" descr="Diagram&#10;&#10;Description automatically generated">
             <a:extLst>
               <a:ext uri="{FF2B5EF4-FFF2-40B4-BE49-F238E27FC236}">
-                <a16:creationId xmlns:a16="http://schemas.microsoft.com/office/drawing/2014/main" id="{2FB73A1E-E73F-C24A-8300-F8FA2A2EC184}"/>
+                <a16:creationId xmlns:a16="http://schemas.microsoft.com/office/drawing/2014/main" id="{1A0BE316-67F8-3347-97F5-64B17A6E4F00}"/>
               </a:ext>
             </a:extLst>
           </p:cNvPr>
@@ -22030,8 +22069,8 @@
         </p:blipFill>
         <p:spPr>
           <a:xfrm>
-            <a:off x="1387475" y="883055"/>
-            <a:ext cx="9417050" cy="5379154"/>
+            <a:off x="1286446" y="825345"/>
+            <a:ext cx="9619108" cy="5494573"/>
           </a:xfrm>
           <a:prstGeom prst="rect">
             <a:avLst/>
@@ -22278,7 +22317,7 @@
             <a:fld id="{F9CF9B13-D011-40B4-B116-4AFF51B22AA5}" type="datetime1">
               <a:rPr lang="de-DE" smtClean="0"/>
               <a:pPr/>
-              <a:t>06.10.20</a:t>
+              <a:t>07.10.20</a:t>
             </a:fld>
             <a:r>
               <a:rPr lang="de-DE"/>
@@ -22816,7 +22855,7 @@
             <a:fld id="{F9CF9B13-D011-40B4-B116-4AFF51B22AA5}" type="datetime1">
               <a:rPr lang="de-DE" smtClean="0"/>
               <a:pPr/>
-              <a:t>06.10.20</a:t>
+              <a:t>07.10.20</a:t>
             </a:fld>
             <a:r>
               <a:rPr lang="de-DE"/>
@@ -22924,7 +22963,7 @@
             <a:fld id="{F9CF9B13-D011-40B4-B116-4AFF51B22AA5}" type="datetime1">
               <a:rPr lang="de-DE" smtClean="0"/>
               <a:pPr/>
-              <a:t>06.10.20</a:t>
+              <a:t>07.10.20</a:t>
             </a:fld>
             <a:r>
               <a:rPr lang="de-DE"/>
@@ -23757,18 +23796,18 @@
 </file>
 
 <file path=customXml/item2.xml><?xml version="1.0" encoding="utf-8"?>
+<p:properties xmlns:p="http://schemas.microsoft.com/office/2006/metadata/properties" xmlns:xsi="http://www.w3.org/2001/XMLSchema-instance" xmlns:pc="http://schemas.microsoft.com/office/infopath/2007/PartnerControls">
+  <documentManagement/>
+</p:properties>
+</file>
+
+<file path=customXml/item3.xml><?xml version="1.0" encoding="utf-8"?>
 <?mso-contentType ?>
 <FormTemplates xmlns="http://schemas.microsoft.com/sharepoint/v3/contenttype/forms">
   <Display>DocumentLibraryForm</Display>
   <Edit>DocumentLibraryForm</Edit>
   <New>DocumentLibraryForm</New>
 </FormTemplates>
-</file>
-
-<file path=customXml/item3.xml><?xml version="1.0" encoding="utf-8"?>
-<p:properties xmlns:p="http://schemas.microsoft.com/office/2006/metadata/properties" xmlns:xsi="http://www.w3.org/2001/XMLSchema-instance" xmlns:pc="http://schemas.microsoft.com/office/infopath/2007/PartnerControls">
-  <documentManagement/>
-</p:properties>
 </file>
 
 <file path=customXml/itemProps1.xml><?xml version="1.0" encoding="utf-8"?>
@@ -23790,14 +23829,6 @@
 </file>
 
 <file path=customXml/itemProps2.xml><?xml version="1.0" encoding="utf-8"?>
-<ds:datastoreItem xmlns:ds="http://schemas.openxmlformats.org/officeDocument/2006/customXml" ds:itemID="{13D6CB1D-6628-4D5C-8ECC-C7DF45EC7E07}">
-  <ds:schemaRefs>
-    <ds:schemaRef ds:uri="http://schemas.microsoft.com/sharepoint/v3/contenttype/forms"/>
-  </ds:schemaRefs>
-</ds:datastoreItem>
-</file>
-
-<file path=customXml/itemProps3.xml><?xml version="1.0" encoding="utf-8"?>
 <ds:datastoreItem xmlns:ds="http://schemas.openxmlformats.org/officeDocument/2006/customXml" ds:itemID="{5AF2D8DD-AF33-4A08-A2E3-2004F6A6957D}">
   <ds:schemaRefs>
     <ds:schemaRef ds:uri="http://www.w3.org/XML/1998/namespace"/>
@@ -23812,4 +23843,12 @@
     <ds:schemaRef ds:uri="http://schemas.openxmlformats.org/package/2006/metadata/core-properties"/>
   </ds:schemaRefs>
 </ds:datastoreItem>
+</file>
+
+<file path=customXml/itemProps3.xml><?xml version="1.0" encoding="utf-8"?>
+<ds:datastoreItem xmlns:ds="http://schemas.openxmlformats.org/officeDocument/2006/customXml" ds:itemID="{13D6CB1D-6628-4D5C-8ECC-C7DF45EC7E07}">
+  <ds:schemaRefs>
+    <ds:schemaRef ds:uri="http://schemas.microsoft.com/sharepoint/v3/contenttype/forms"/>
+  </ds:schemaRefs>
+</ds:datastoreItem>
 </file>
--- a/for-posdealers/presentation/sales/media/posdealer-sales-rollout.pptx
+++ b/for-posdealers/presentation/sales/media/posdealer-sales-rollout.pptx
@@ -22043,10 +22043,10 @@
       </p:sp>
       <p:pic>
         <p:nvPicPr>
-          <p:cNvPr id="3" name="Picture 2" descr="Diagram&#10;&#10;Description automatically generated">
+          <p:cNvPr id="6" name="Picture 5" descr="Diagram&#10;&#10;Description automatically generated">
             <a:extLst>
               <a:ext uri="{FF2B5EF4-FFF2-40B4-BE49-F238E27FC236}">
-                <a16:creationId xmlns:a16="http://schemas.microsoft.com/office/drawing/2014/main" id="{1A0BE316-67F8-3347-97F5-64B17A6E4F00}"/>
+                <a16:creationId xmlns:a16="http://schemas.microsoft.com/office/drawing/2014/main" id="{B3C494C5-4322-8040-8A58-17F0700DD2F3}"/>
               </a:ext>
             </a:extLst>
           </p:cNvPr>
@@ -22069,8 +22069,8 @@
         </p:blipFill>
         <p:spPr>
           <a:xfrm>
-            <a:off x="1286446" y="825345"/>
-            <a:ext cx="9619108" cy="5494573"/>
+            <a:off x="1092200" y="850326"/>
+            <a:ext cx="10007600" cy="5444611"/>
           </a:xfrm>
           <a:prstGeom prst="rect">
             <a:avLst/>
@@ -23618,6 +23618,12 @@
 </file>
 
 <file path=customXml/item1.xml><?xml version="1.0" encoding="utf-8"?>
+<p:properties xmlns:p="http://schemas.microsoft.com/office/2006/metadata/properties" xmlns:xsi="http://www.w3.org/2001/XMLSchema-instance" xmlns:pc="http://schemas.microsoft.com/office/infopath/2007/PartnerControls">
+  <documentManagement/>
+</p:properties>
+</file>
+
+<file path=customXml/item2.xml><?xml version="1.0" encoding="utf-8"?>
 <ct:contentTypeSchema xmlns:ct="http://schemas.microsoft.com/office/2006/metadata/contentType" xmlns:ma="http://schemas.microsoft.com/office/2006/metadata/properties/metaAttributes" ct:_="" ma:_="" ma:contentTypeName="Dokument" ma:contentTypeID="0x01010003A087929988544A956B845A242A1874" ma:contentTypeVersion="9" ma:contentTypeDescription="Ein neues Dokument erstellen." ma:contentTypeScope="" ma:versionID="8fcee6ad74384aaf9bbc4d877337004d">
   <xsd:schema xmlns:xsd="http://www.w3.org/2001/XMLSchema" xmlns:xs="http://www.w3.org/2001/XMLSchema" xmlns:p="http://schemas.microsoft.com/office/2006/metadata/properties" xmlns:ns2="c3142773-ea53-476f-8961-6b85122cde25" targetNamespace="http://schemas.microsoft.com/office/2006/metadata/properties" ma:root="true" ma:fieldsID="a573346e6707e52bf95e9f5c0e472ecc" ns2:_="">
     <xsd:import namespace="c3142773-ea53-476f-8961-6b85122cde25"/>
@@ -23795,12 +23801,6 @@
 </ct:contentTypeSchema>
 </file>
 
-<file path=customXml/item2.xml><?xml version="1.0" encoding="utf-8"?>
-<p:properties xmlns:p="http://schemas.microsoft.com/office/2006/metadata/properties" xmlns:xsi="http://www.w3.org/2001/XMLSchema-instance" xmlns:pc="http://schemas.microsoft.com/office/infopath/2007/PartnerControls">
-  <documentManagement/>
-</p:properties>
-</file>
-
 <file path=customXml/item3.xml><?xml version="1.0" encoding="utf-8"?>
 <?mso-contentType ?>
 <FormTemplates xmlns="http://schemas.microsoft.com/sharepoint/v3/contenttype/forms">
@@ -23811,6 +23811,23 @@
 </file>
 
 <file path=customXml/itemProps1.xml><?xml version="1.0" encoding="utf-8"?>
+<ds:datastoreItem xmlns:ds="http://schemas.openxmlformats.org/officeDocument/2006/customXml" ds:itemID="{5AF2D8DD-AF33-4A08-A2E3-2004F6A6957D}">
+  <ds:schemaRefs>
+    <ds:schemaRef ds:uri="http://www.w3.org/XML/1998/namespace"/>
+    <ds:schemaRef ds:uri="7a854ad8-f1f0-4c18-862c-08aeb8a09477"/>
+    <ds:schemaRef ds:uri="http://schemas.microsoft.com/office/infopath/2007/PartnerControls"/>
+    <ds:schemaRef ds:uri="http://schemas.microsoft.com/office/2006/documentManagement/types"/>
+    <ds:schemaRef ds:uri="http://purl.org/dc/dcmitype/"/>
+    <ds:schemaRef ds:uri="http://purl.org/dc/elements/1.1/"/>
+    <ds:schemaRef ds:uri="080cf4f5-3f1f-46d1-9fad-6cab00fa05b7"/>
+    <ds:schemaRef ds:uri="http://schemas.microsoft.com/office/2006/metadata/properties"/>
+    <ds:schemaRef ds:uri="http://purl.org/dc/terms/"/>
+    <ds:schemaRef ds:uri="http://schemas.openxmlformats.org/package/2006/metadata/core-properties"/>
+  </ds:schemaRefs>
+</ds:datastoreItem>
+</file>
+
+<file path=customXml/itemProps2.xml><?xml version="1.0" encoding="utf-8"?>
 <ds:datastoreItem xmlns:ds="http://schemas.openxmlformats.org/officeDocument/2006/customXml" ds:itemID="{38606AD6-87A1-436A-AEFD-E99610E3D2EE}">
   <ds:schemaRefs>
     <ds:schemaRef ds:uri="http://schemas.microsoft.com/office/2006/metadata/contentType"/>
@@ -23828,23 +23845,6 @@
 </ds:datastoreItem>
 </file>
 
-<file path=customXml/itemProps2.xml><?xml version="1.0" encoding="utf-8"?>
-<ds:datastoreItem xmlns:ds="http://schemas.openxmlformats.org/officeDocument/2006/customXml" ds:itemID="{5AF2D8DD-AF33-4A08-A2E3-2004F6A6957D}">
-  <ds:schemaRefs>
-    <ds:schemaRef ds:uri="http://www.w3.org/XML/1998/namespace"/>
-    <ds:schemaRef ds:uri="7a854ad8-f1f0-4c18-862c-08aeb8a09477"/>
-    <ds:schemaRef ds:uri="http://schemas.microsoft.com/office/infopath/2007/PartnerControls"/>
-    <ds:schemaRef ds:uri="http://schemas.microsoft.com/office/2006/documentManagement/types"/>
-    <ds:schemaRef ds:uri="http://purl.org/dc/dcmitype/"/>
-    <ds:schemaRef ds:uri="http://purl.org/dc/elements/1.1/"/>
-    <ds:schemaRef ds:uri="080cf4f5-3f1f-46d1-9fad-6cab00fa05b7"/>
-    <ds:schemaRef ds:uri="http://schemas.microsoft.com/office/2006/metadata/properties"/>
-    <ds:schemaRef ds:uri="http://purl.org/dc/terms/"/>
-    <ds:schemaRef ds:uri="http://schemas.openxmlformats.org/package/2006/metadata/core-properties"/>
-  </ds:schemaRefs>
-</ds:datastoreItem>
-</file>
-
 <file path=customXml/itemProps3.xml><?xml version="1.0" encoding="utf-8"?>
 <ds:datastoreItem xmlns:ds="http://schemas.openxmlformats.org/officeDocument/2006/customXml" ds:itemID="{13D6CB1D-6628-4D5C-8ECC-C7DF45EC7E07}">
   <ds:schemaRefs>

--- a/for-posdealers/presentation/sales/media/posdealer-sales-rollout.pptx
+++ b/for-posdealers/presentation/sales/media/posdealer-sales-rollout.pptx
@@ -9287,7 +9287,7 @@
           <a:p>
             <a:fld id="{878DCA2D-ADC9-4D7A-A916-9A90AC8F3FDD}" type="datetimeFigureOut">
               <a:rPr lang="de-DE" smtClean="0"/>
-              <a:t>07.10.20</a:t>
+              <a:t>13.10.20</a:t>
             </a:fld>
             <a:endParaRPr lang="de-DE"/>
           </a:p>
@@ -13206,7 +13206,7 @@
             <a:fld id="{F9CF9B13-D011-40B4-B116-4AFF51B22AA5}" type="datetime1">
               <a:rPr lang="de-DE" smtClean="0"/>
               <a:pPr/>
-              <a:t>07.10.20</a:t>
+              <a:t>13.10.20</a:t>
             </a:fld>
             <a:r>
               <a:rPr lang="de-DE"/>
@@ -13566,7 +13566,7 @@
             <a:fld id="{F9CF9B13-D011-40B4-B116-4AFF51B22AA5}" type="datetime1">
               <a:rPr lang="de-DE" smtClean="0"/>
               <a:pPr/>
-              <a:t>07.10.20</a:t>
+              <a:t>13.10.20</a:t>
             </a:fld>
             <a:r>
               <a:rPr lang="de-DE"/>
@@ -13788,7 +13788,7 @@
             <a:fld id="{EDCB950E-FDB1-4BA4-AE2E-92802DA17835}" type="datetime1">
               <a:rPr lang="de-DE" smtClean="0"/>
               <a:pPr/>
-              <a:t>07.10.20</a:t>
+              <a:t>13.10.20</a:t>
             </a:fld>
             <a:endParaRPr lang="de-DE"/>
           </a:p>
@@ -14246,7 +14246,7 @@
           <a:p>
             <a:fld id="{EA38D6C4-32A5-4B1B-BEC5-546FAB3E61DF}" type="datetime1">
               <a:rPr lang="de-DE" smtClean="0"/>
-              <a:t>07.10.20</a:t>
+              <a:t>13.10.20</a:t>
             </a:fld>
             <a:endParaRPr lang="de-DE"/>
           </a:p>
@@ -14758,7 +14758,7 @@
             <a:fld id="{F9CF9B13-D011-40B4-B116-4AFF51B22AA5}" type="datetime1">
               <a:rPr lang="de-DE"/>
               <a:pPr/>
-              <a:t>07.10.20</a:t>
+              <a:t>13.10.20</a:t>
             </a:fld>
             <a:r>
               <a:rPr lang="de-DE"/>
@@ -15011,7 +15011,7 @@
             <a:fld id="{F9CF9B13-D011-40B4-B116-4AFF51B22AA5}" type="datetime1">
               <a:rPr lang="de-DE" smtClean="0"/>
               <a:pPr/>
-              <a:t>07.10.20</a:t>
+              <a:t>13.10.20</a:t>
             </a:fld>
             <a:r>
               <a:rPr lang="de-DE"/>
@@ -15697,7 +15697,7 @@
             <a:fld id="{F9CF9B13-D011-40B4-B116-4AFF51B22AA5}" type="datetime1">
               <a:rPr lang="de-DE" smtClean="0"/>
               <a:pPr/>
-              <a:t>07.10.20</a:t>
+              <a:t>13.10.20</a:t>
             </a:fld>
             <a:r>
               <a:rPr lang="de-DE"/>
@@ -15940,7 +15940,7 @@
             <a:fld id="{F9CF9B13-D011-40B4-B116-4AFF51B22AA5}" type="datetime1">
               <a:rPr lang="de-DE" smtClean="0"/>
               <a:pPr/>
-              <a:t>07.10.20</a:t>
+              <a:t>13.10.20</a:t>
             </a:fld>
             <a:r>
               <a:rPr lang="de-DE"/>
@@ -16571,7 +16571,7 @@
             <a:fld id="{F9CF9B13-D011-40B4-B116-4AFF51B22AA5}" type="datetime1">
               <a:rPr lang="de-DE" smtClean="0"/>
               <a:pPr/>
-              <a:t>07.10.20</a:t>
+              <a:t>13.10.20</a:t>
             </a:fld>
             <a:r>
               <a:rPr lang="de-DE"/>
@@ -16775,7 +16775,7 @@
             <a:fld id="{F9CF9B13-D011-40B4-B116-4AFF51B22AA5}" type="datetime1">
               <a:rPr lang="de-DE" smtClean="0"/>
               <a:pPr/>
-              <a:t>07.10.20</a:t>
+              <a:t>13.10.20</a:t>
             </a:fld>
             <a:r>
               <a:rPr lang="de-DE"/>
@@ -16969,7 +16969,7 @@
             <a:fld id="{F9CF9B13-D011-40B4-B116-4AFF51B22AA5}" type="datetime1">
               <a:rPr lang="de-DE" smtClean="0"/>
               <a:pPr/>
-              <a:t>07.10.20</a:t>
+              <a:t>13.10.20</a:t>
             </a:fld>
             <a:r>
               <a:rPr lang="de-DE"/>
@@ -17232,7 +17232,7 @@
             <a:fld id="{F9CF9B13-D011-40B4-B116-4AFF51B22AA5}" type="datetime1">
               <a:rPr lang="de-DE" smtClean="0"/>
               <a:pPr/>
-              <a:t>07.10.20</a:t>
+              <a:t>13.10.20</a:t>
             </a:fld>
             <a:r>
               <a:rPr lang="de-DE"/>
@@ -17470,7 +17470,7 @@
             <a:fld id="{F9CF9B13-D011-40B4-B116-4AFF51B22AA5}" type="datetime1">
               <a:rPr lang="de-DE" smtClean="0"/>
               <a:pPr/>
-              <a:t>07.10.20</a:t>
+              <a:t>13.10.20</a:t>
             </a:fld>
             <a:r>
               <a:rPr lang="de-DE"/>
@@ -17864,7 +17864,7 @@
             <a:fld id="{F9CF9B13-D011-40B4-B116-4AFF51B22AA5}" type="datetime1">
               <a:rPr lang="de-DE" smtClean="0"/>
               <a:pPr/>
-              <a:t>07.10.20</a:t>
+              <a:t>13.10.20</a:t>
             </a:fld>
             <a:r>
               <a:rPr lang="de-DE"/>
@@ -18111,7 +18111,7 @@
             <a:fld id="{F9CF9B13-D011-40B4-B116-4AFF51B22AA5}" type="datetime1">
               <a:rPr lang="de-DE" smtClean="0"/>
               <a:pPr/>
-              <a:t>07.10.20</a:t>
+              <a:t>13.10.20</a:t>
             </a:fld>
             <a:r>
               <a:rPr lang="de-DE"/>
@@ -18567,7 +18567,7 @@
             <a:fld id="{F9CF9B13-D011-40B4-B116-4AFF51B22AA5}" type="datetime1">
               <a:rPr lang="de-DE" smtClean="0"/>
               <a:pPr/>
-              <a:t>07.10.20</a:t>
+              <a:t>13.10.20</a:t>
             </a:fld>
             <a:r>
               <a:rPr lang="de-DE"/>
@@ -18675,7 +18675,7 @@
             <a:fld id="{F9CF9B13-D011-40B4-B116-4AFF51B22AA5}" type="datetime1">
               <a:rPr lang="de-DE" smtClean="0"/>
               <a:pPr/>
-              <a:t>07.10.20</a:t>
+              <a:t>13.10.20</a:t>
             </a:fld>
             <a:r>
               <a:rPr lang="de-DE"/>
@@ -18871,7 +18871,7 @@
             <a:fld id="{F9CF9B13-D011-40B4-B116-4AFF51B22AA5}" type="datetime1">
               <a:rPr lang="de-DE" smtClean="0"/>
               <a:pPr/>
-              <a:t>07.10.20</a:t>
+              <a:t>13.10.20</a:t>
             </a:fld>
             <a:r>
               <a:rPr lang="de-DE"/>
@@ -18973,7 +18973,7 @@
             <a:fld id="{F9CF9B13-D011-40B4-B116-4AFF51B22AA5}" type="datetime1">
               <a:rPr lang="de-DE" smtClean="0"/>
               <a:pPr/>
-              <a:t>07.10.20</a:t>
+              <a:t>13.10.20</a:t>
             </a:fld>
             <a:r>
               <a:rPr lang="de-DE"/>
@@ -21553,7 +21553,7 @@
             <a:fld id="{F9CF9B13-D011-40B4-B116-4AFF51B22AA5}" type="datetime1">
               <a:rPr lang="de-DE" smtClean="0"/>
               <a:pPr/>
-              <a:t>07.10.20</a:t>
+              <a:t>13.10.20</a:t>
             </a:fld>
             <a:r>
               <a:rPr lang="de-DE"/>
@@ -21768,7 +21768,7 @@
             <a:fld id="{F9CF9B13-D011-40B4-B116-4AFF51B22AA5}" type="datetime1">
               <a:rPr lang="de-DE" smtClean="0"/>
               <a:pPr/>
-              <a:t>07.10.20</a:t>
+              <a:t>13.10.20</a:t>
             </a:fld>
             <a:r>
               <a:rPr lang="de-DE"/>
@@ -21879,7 +21879,7 @@
             <a:fld id="{F9CF9B13-D011-40B4-B116-4AFF51B22AA5}" type="datetime1">
               <a:rPr lang="de-DE" smtClean="0"/>
               <a:pPr/>
-              <a:t>07.10.20</a:t>
+              <a:t>13.10.20</a:t>
             </a:fld>
             <a:r>
               <a:rPr lang="de-DE"/>
@@ -22026,7 +22026,7 @@
             <a:fld id="{F9CF9B13-D011-40B4-B116-4AFF51B22AA5}" type="datetime1">
               <a:rPr lang="de-DE" smtClean="0"/>
               <a:pPr/>
-              <a:t>07.10.20</a:t>
+              <a:t>13.10.20</a:t>
             </a:fld>
             <a:r>
               <a:rPr lang="de-DE"/>
@@ -22043,10 +22043,10 @@
       </p:sp>
       <p:pic>
         <p:nvPicPr>
-          <p:cNvPr id="6" name="Picture 5" descr="Diagram&#10;&#10;Description automatically generated">
+          <p:cNvPr id="3" name="Picture 2" descr="Diagram&#10;&#10;Description automatically generated">
             <a:extLst>
               <a:ext uri="{FF2B5EF4-FFF2-40B4-BE49-F238E27FC236}">
-                <a16:creationId xmlns:a16="http://schemas.microsoft.com/office/drawing/2014/main" id="{B3C494C5-4322-8040-8A58-17F0700DD2F3}"/>
+                <a16:creationId xmlns:a16="http://schemas.microsoft.com/office/drawing/2014/main" id="{6DF4CBCF-F39D-3040-BBBD-02E54CA4BA65}"/>
               </a:ext>
             </a:extLst>
           </p:cNvPr>
@@ -22069,8 +22069,8 @@
         </p:blipFill>
         <p:spPr>
           <a:xfrm>
-            <a:off x="1092200" y="850326"/>
-            <a:ext cx="10007600" cy="5444611"/>
+            <a:off x="1132066" y="1051682"/>
+            <a:ext cx="9231133" cy="5272956"/>
           </a:xfrm>
           <a:prstGeom prst="rect">
             <a:avLst/>
@@ -22317,7 +22317,7 @@
             <a:fld id="{F9CF9B13-D011-40B4-B116-4AFF51B22AA5}" type="datetime1">
               <a:rPr lang="de-DE" smtClean="0"/>
               <a:pPr/>
-              <a:t>07.10.20</a:t>
+              <a:t>13.10.20</a:t>
             </a:fld>
             <a:r>
               <a:rPr lang="de-DE"/>
@@ -22855,7 +22855,7 @@
             <a:fld id="{F9CF9B13-D011-40B4-B116-4AFF51B22AA5}" type="datetime1">
               <a:rPr lang="de-DE" smtClean="0"/>
               <a:pPr/>
-              <a:t>07.10.20</a:t>
+              <a:t>13.10.20</a:t>
             </a:fld>
             <a:r>
               <a:rPr lang="de-DE"/>
@@ -22963,7 +22963,7 @@
             <a:fld id="{F9CF9B13-D011-40B4-B116-4AFF51B22AA5}" type="datetime1">
               <a:rPr lang="de-DE" smtClean="0"/>
               <a:pPr/>
-              <a:t>07.10.20</a:t>
+              <a:t>13.10.20</a:t>
             </a:fld>
             <a:r>
               <a:rPr lang="de-DE"/>
@@ -23624,6 +23624,15 @@
 </file>
 
 <file path=customXml/item2.xml><?xml version="1.0" encoding="utf-8"?>
+<?mso-contentType ?>
+<FormTemplates xmlns="http://schemas.microsoft.com/sharepoint/v3/contenttype/forms">
+  <Display>DocumentLibraryForm</Display>
+  <Edit>DocumentLibraryForm</Edit>
+  <New>DocumentLibraryForm</New>
+</FormTemplates>
+</file>
+
+<file path=customXml/item3.xml><?xml version="1.0" encoding="utf-8"?>
 <ct:contentTypeSchema xmlns:ct="http://schemas.microsoft.com/office/2006/metadata/contentType" xmlns:ma="http://schemas.microsoft.com/office/2006/metadata/properties/metaAttributes" ct:_="" ma:_="" ma:contentTypeName="Dokument" ma:contentTypeID="0x01010003A087929988544A956B845A242A1874" ma:contentTypeVersion="9" ma:contentTypeDescription="Ein neues Dokument erstellen." ma:contentTypeScope="" ma:versionID="8fcee6ad74384aaf9bbc4d877337004d">
   <xsd:schema xmlns:xsd="http://www.w3.org/2001/XMLSchema" xmlns:xs="http://www.w3.org/2001/XMLSchema" xmlns:p="http://schemas.microsoft.com/office/2006/metadata/properties" xmlns:ns2="c3142773-ea53-476f-8961-6b85122cde25" targetNamespace="http://schemas.microsoft.com/office/2006/metadata/properties" ma:root="true" ma:fieldsID="a573346e6707e52bf95e9f5c0e472ecc" ns2:_="">
     <xsd:import namespace="c3142773-ea53-476f-8961-6b85122cde25"/>
@@ -23801,15 +23810,6 @@
 </ct:contentTypeSchema>
 </file>
 
-<file path=customXml/item3.xml><?xml version="1.0" encoding="utf-8"?>
-<?mso-contentType ?>
-<FormTemplates xmlns="http://schemas.microsoft.com/sharepoint/v3/contenttype/forms">
-  <Display>DocumentLibraryForm</Display>
-  <Edit>DocumentLibraryForm</Edit>
-  <New>DocumentLibraryForm</New>
-</FormTemplates>
-</file>
-
 <file path=customXml/itemProps1.xml><?xml version="1.0" encoding="utf-8"?>
 <ds:datastoreItem xmlns:ds="http://schemas.openxmlformats.org/officeDocument/2006/customXml" ds:itemID="{5AF2D8DD-AF33-4A08-A2E3-2004F6A6957D}">
   <ds:schemaRefs>
@@ -23828,6 +23828,14 @@
 </file>
 
 <file path=customXml/itemProps2.xml><?xml version="1.0" encoding="utf-8"?>
+<ds:datastoreItem xmlns:ds="http://schemas.openxmlformats.org/officeDocument/2006/customXml" ds:itemID="{13D6CB1D-6628-4D5C-8ECC-C7DF45EC7E07}">
+  <ds:schemaRefs>
+    <ds:schemaRef ds:uri="http://schemas.microsoft.com/sharepoint/v3/contenttype/forms"/>
+  </ds:schemaRefs>
+</ds:datastoreItem>
+</file>
+
+<file path=customXml/itemProps3.xml><?xml version="1.0" encoding="utf-8"?>
 <ds:datastoreItem xmlns:ds="http://schemas.openxmlformats.org/officeDocument/2006/customXml" ds:itemID="{38606AD6-87A1-436A-AEFD-E99610E3D2EE}">
   <ds:schemaRefs>
     <ds:schemaRef ds:uri="http://schemas.microsoft.com/office/2006/metadata/contentType"/>
@@ -23843,12 +23851,4 @@
     <ds:schemaRef ds:uri="http://schemas.microsoft.com/internal/obd"/>
   </ds:schemaRefs>
 </ds:datastoreItem>
-</file>
-
-<file path=customXml/itemProps3.xml><?xml version="1.0" encoding="utf-8"?>
-<ds:datastoreItem xmlns:ds="http://schemas.openxmlformats.org/officeDocument/2006/customXml" ds:itemID="{13D6CB1D-6628-4D5C-8ECC-C7DF45EC7E07}">
-  <ds:schemaRefs>
-    <ds:schemaRef ds:uri="http://schemas.microsoft.com/sharepoint/v3/contenttype/forms"/>
-  </ds:schemaRefs>
-</ds:datastoreItem>
 </file>